--- a/Presentation.pptx
+++ b/Presentation.pptx
@@ -5,7 +5,7 @@
     <p:sldMasterId id="2147483648" r:id="rId1"/>
   </p:sldMasterIdLst>
   <p:notesMasterIdLst>
-    <p:notesMasterId r:id="rId8"/>
+    <p:notesMasterId r:id="rId9"/>
   </p:notesMasterIdLst>
   <p:sldIdLst>
     <p:sldId id="256" r:id="rId2"/>
@@ -14,6 +14,7 @@
     <p:sldId id="270" r:id="rId5"/>
     <p:sldId id="268" r:id="rId6"/>
     <p:sldId id="269" r:id="rId7"/>
+    <p:sldId id="271" r:id="rId8"/>
   </p:sldIdLst>
   <p:sldSz cx="12192000" cy="6858000"/>
   <p:notesSz cx="6858000" cy="9144000"/>
@@ -120,6 +121,2751 @@
 </p:presentation>
 </file>
 
+<file path=ppt/diagrams/colors1.xml><?xml version="1.0" encoding="utf-8"?>
+<dgm:colorsDef xmlns:dgm="http://schemas.openxmlformats.org/drawingml/2006/diagram" xmlns:a="http://schemas.openxmlformats.org/drawingml/2006/main" uniqueId="urn:microsoft.com/office/officeart/2005/8/colors/accent1_2">
+  <dgm:title val=""/>
+  <dgm:desc val=""/>
+  <dgm:catLst>
+    <dgm:cat type="accent1" pri="11200"/>
+  </dgm:catLst>
+  <dgm:styleLbl name="node0">
+    <dgm:fillClrLst meth="repeat">
+      <a:schemeClr val="accent1"/>
+    </dgm:fillClrLst>
+    <dgm:linClrLst meth="repeat">
+      <a:schemeClr val="lt1"/>
+    </dgm:linClrLst>
+    <dgm:effectClrLst/>
+    <dgm:txLinClrLst/>
+    <dgm:txFillClrLst/>
+    <dgm:txEffectClrLst/>
+  </dgm:styleLbl>
+  <dgm:styleLbl name="alignNode1">
+    <dgm:fillClrLst meth="repeat">
+      <a:schemeClr val="accent1"/>
+    </dgm:fillClrLst>
+    <dgm:linClrLst meth="repeat">
+      <a:schemeClr val="accent1"/>
+    </dgm:linClrLst>
+    <dgm:effectClrLst/>
+    <dgm:txLinClrLst/>
+    <dgm:txFillClrLst/>
+    <dgm:txEffectClrLst/>
+  </dgm:styleLbl>
+  <dgm:styleLbl name="node1">
+    <dgm:fillClrLst meth="repeat">
+      <a:schemeClr val="accent1"/>
+    </dgm:fillClrLst>
+    <dgm:linClrLst meth="repeat">
+      <a:schemeClr val="lt1"/>
+    </dgm:linClrLst>
+    <dgm:effectClrLst/>
+    <dgm:txLinClrLst/>
+    <dgm:txFillClrLst/>
+    <dgm:txEffectClrLst/>
+  </dgm:styleLbl>
+  <dgm:styleLbl name="lnNode1">
+    <dgm:fillClrLst meth="repeat">
+      <a:schemeClr val="accent1"/>
+    </dgm:fillClrLst>
+    <dgm:linClrLst meth="repeat">
+      <a:schemeClr val="lt1"/>
+    </dgm:linClrLst>
+    <dgm:effectClrLst/>
+    <dgm:txLinClrLst/>
+    <dgm:txFillClrLst/>
+    <dgm:txEffectClrLst/>
+  </dgm:styleLbl>
+  <dgm:styleLbl name="vennNode1">
+    <dgm:fillClrLst meth="repeat">
+      <a:schemeClr val="accent1">
+        <a:alpha val="50000"/>
+      </a:schemeClr>
+    </dgm:fillClrLst>
+    <dgm:linClrLst meth="repeat">
+      <a:schemeClr val="lt1"/>
+    </dgm:linClrLst>
+    <dgm:effectClrLst/>
+    <dgm:txLinClrLst/>
+    <dgm:txFillClrLst/>
+    <dgm:txEffectClrLst/>
+  </dgm:styleLbl>
+  <dgm:styleLbl name="node2">
+    <dgm:fillClrLst meth="repeat">
+      <a:schemeClr val="accent1"/>
+    </dgm:fillClrLst>
+    <dgm:linClrLst meth="repeat">
+      <a:schemeClr val="lt1"/>
+    </dgm:linClrLst>
+    <dgm:effectClrLst/>
+    <dgm:txLinClrLst/>
+    <dgm:txFillClrLst/>
+    <dgm:txEffectClrLst/>
+  </dgm:styleLbl>
+  <dgm:styleLbl name="node3">
+    <dgm:fillClrLst meth="repeat">
+      <a:schemeClr val="accent1"/>
+    </dgm:fillClrLst>
+    <dgm:linClrLst meth="repeat">
+      <a:schemeClr val="lt1"/>
+    </dgm:linClrLst>
+    <dgm:effectClrLst/>
+    <dgm:txLinClrLst/>
+    <dgm:txFillClrLst/>
+    <dgm:txEffectClrLst/>
+  </dgm:styleLbl>
+  <dgm:styleLbl name="node4">
+    <dgm:fillClrLst meth="repeat">
+      <a:schemeClr val="accent1"/>
+    </dgm:fillClrLst>
+    <dgm:linClrLst meth="repeat">
+      <a:schemeClr val="lt1"/>
+    </dgm:linClrLst>
+    <dgm:effectClrLst/>
+    <dgm:txLinClrLst/>
+    <dgm:txFillClrLst/>
+    <dgm:txEffectClrLst/>
+  </dgm:styleLbl>
+  <dgm:styleLbl name="fgImgPlace1">
+    <dgm:fillClrLst meth="repeat">
+      <a:schemeClr val="accent1">
+        <a:tint val="50000"/>
+      </a:schemeClr>
+    </dgm:fillClrLst>
+    <dgm:linClrLst meth="repeat">
+      <a:schemeClr val="lt1"/>
+    </dgm:linClrLst>
+    <dgm:effectClrLst/>
+    <dgm:txLinClrLst/>
+    <dgm:txFillClrLst meth="repeat">
+      <a:schemeClr val="lt1"/>
+    </dgm:txFillClrLst>
+    <dgm:txEffectClrLst/>
+  </dgm:styleLbl>
+  <dgm:styleLbl name="alignImgPlace1">
+    <dgm:fillClrLst meth="repeat">
+      <a:schemeClr val="accent1">
+        <a:tint val="50000"/>
+      </a:schemeClr>
+    </dgm:fillClrLst>
+    <dgm:linClrLst meth="repeat">
+      <a:schemeClr val="lt1"/>
+    </dgm:linClrLst>
+    <dgm:effectClrLst/>
+    <dgm:txLinClrLst/>
+    <dgm:txFillClrLst meth="repeat">
+      <a:schemeClr val="lt1"/>
+    </dgm:txFillClrLst>
+    <dgm:txEffectClrLst/>
+  </dgm:styleLbl>
+  <dgm:styleLbl name="bgImgPlace1">
+    <dgm:fillClrLst meth="repeat">
+      <a:schemeClr val="accent1">
+        <a:tint val="50000"/>
+      </a:schemeClr>
+    </dgm:fillClrLst>
+    <dgm:linClrLst meth="repeat">
+      <a:schemeClr val="lt1"/>
+    </dgm:linClrLst>
+    <dgm:effectClrLst/>
+    <dgm:txLinClrLst/>
+    <dgm:txFillClrLst meth="repeat">
+      <a:schemeClr val="lt1"/>
+    </dgm:txFillClrLst>
+    <dgm:txEffectClrLst/>
+  </dgm:styleLbl>
+  <dgm:styleLbl name="sibTrans2D1">
+    <dgm:fillClrLst meth="repeat">
+      <a:schemeClr val="accent1">
+        <a:tint val="60000"/>
+      </a:schemeClr>
+    </dgm:fillClrLst>
+    <dgm:linClrLst meth="repeat">
+      <a:schemeClr val="accent1">
+        <a:tint val="60000"/>
+      </a:schemeClr>
+    </dgm:linClrLst>
+    <dgm:effectClrLst/>
+    <dgm:txLinClrLst/>
+    <dgm:txFillClrLst/>
+    <dgm:txEffectClrLst/>
+  </dgm:styleLbl>
+  <dgm:styleLbl name="fgSibTrans2D1">
+    <dgm:fillClrLst meth="repeat">
+      <a:schemeClr val="accent1">
+        <a:tint val="60000"/>
+      </a:schemeClr>
+    </dgm:fillClrLst>
+    <dgm:linClrLst meth="repeat">
+      <a:schemeClr val="accent1">
+        <a:tint val="60000"/>
+      </a:schemeClr>
+    </dgm:linClrLst>
+    <dgm:effectClrLst/>
+    <dgm:txLinClrLst/>
+    <dgm:txFillClrLst/>
+    <dgm:txEffectClrLst/>
+  </dgm:styleLbl>
+  <dgm:styleLbl name="bgSibTrans2D1">
+    <dgm:fillClrLst meth="repeat">
+      <a:schemeClr val="accent1">
+        <a:tint val="60000"/>
+      </a:schemeClr>
+    </dgm:fillClrLst>
+    <dgm:linClrLst meth="repeat">
+      <a:schemeClr val="accent1">
+        <a:tint val="60000"/>
+      </a:schemeClr>
+    </dgm:linClrLst>
+    <dgm:effectClrLst/>
+    <dgm:txLinClrLst/>
+    <dgm:txFillClrLst/>
+    <dgm:txEffectClrLst/>
+  </dgm:styleLbl>
+  <dgm:styleLbl name="sibTrans1D1">
+    <dgm:fillClrLst meth="repeat">
+      <a:schemeClr val="accent1"/>
+    </dgm:fillClrLst>
+    <dgm:linClrLst meth="repeat">
+      <a:schemeClr val="accent1"/>
+    </dgm:linClrLst>
+    <dgm:effectClrLst/>
+    <dgm:txLinClrLst/>
+    <dgm:txFillClrLst meth="repeat">
+      <a:schemeClr val="tx1"/>
+    </dgm:txFillClrLst>
+    <dgm:txEffectClrLst/>
+  </dgm:styleLbl>
+  <dgm:styleLbl name="callout">
+    <dgm:fillClrLst meth="repeat">
+      <a:schemeClr val="accent1"/>
+    </dgm:fillClrLst>
+    <dgm:linClrLst meth="repeat">
+      <a:schemeClr val="accent1">
+        <a:tint val="50000"/>
+      </a:schemeClr>
+    </dgm:linClrLst>
+    <dgm:effectClrLst/>
+    <dgm:txLinClrLst/>
+    <dgm:txFillClrLst meth="repeat">
+      <a:schemeClr val="tx1"/>
+    </dgm:txFillClrLst>
+    <dgm:txEffectClrLst/>
+  </dgm:styleLbl>
+  <dgm:styleLbl name="asst0">
+    <dgm:fillClrLst meth="repeat">
+      <a:schemeClr val="accent1"/>
+    </dgm:fillClrLst>
+    <dgm:linClrLst meth="repeat">
+      <a:schemeClr val="lt1"/>
+    </dgm:linClrLst>
+    <dgm:effectClrLst/>
+    <dgm:txLinClrLst/>
+    <dgm:txFillClrLst/>
+    <dgm:txEffectClrLst/>
+  </dgm:styleLbl>
+  <dgm:styleLbl name="asst1">
+    <dgm:fillClrLst meth="repeat">
+      <a:schemeClr val="accent1"/>
+    </dgm:fillClrLst>
+    <dgm:linClrLst meth="repeat">
+      <a:schemeClr val="lt1"/>
+    </dgm:linClrLst>
+    <dgm:effectClrLst/>
+    <dgm:txLinClrLst/>
+    <dgm:txFillClrLst/>
+    <dgm:txEffectClrLst/>
+  </dgm:styleLbl>
+  <dgm:styleLbl name="asst2">
+    <dgm:fillClrLst meth="repeat">
+      <a:schemeClr val="accent1"/>
+    </dgm:fillClrLst>
+    <dgm:linClrLst meth="repeat">
+      <a:schemeClr val="lt1"/>
+    </dgm:linClrLst>
+    <dgm:effectClrLst/>
+    <dgm:txLinClrLst/>
+    <dgm:txFillClrLst/>
+    <dgm:txEffectClrLst/>
+  </dgm:styleLbl>
+  <dgm:styleLbl name="asst3">
+    <dgm:fillClrLst meth="repeat">
+      <a:schemeClr val="accent1"/>
+    </dgm:fillClrLst>
+    <dgm:linClrLst meth="repeat">
+      <a:schemeClr val="lt1"/>
+    </dgm:linClrLst>
+    <dgm:effectClrLst/>
+    <dgm:txLinClrLst/>
+    <dgm:txFillClrLst/>
+    <dgm:txEffectClrLst/>
+  </dgm:styleLbl>
+  <dgm:styleLbl name="asst4">
+    <dgm:fillClrLst meth="repeat">
+      <a:schemeClr val="accent1"/>
+    </dgm:fillClrLst>
+    <dgm:linClrLst meth="repeat">
+      <a:schemeClr val="lt1"/>
+    </dgm:linClrLst>
+    <dgm:effectClrLst/>
+    <dgm:txLinClrLst/>
+    <dgm:txFillClrLst/>
+    <dgm:txEffectClrLst/>
+  </dgm:styleLbl>
+  <dgm:styleLbl name="parChTrans2D1">
+    <dgm:fillClrLst meth="repeat">
+      <a:schemeClr val="accent1">
+        <a:tint val="60000"/>
+      </a:schemeClr>
+    </dgm:fillClrLst>
+    <dgm:linClrLst meth="repeat">
+      <a:schemeClr val="accent1">
+        <a:tint val="60000"/>
+      </a:schemeClr>
+    </dgm:linClrLst>
+    <dgm:effectClrLst/>
+    <dgm:txLinClrLst/>
+    <dgm:txFillClrLst meth="repeat">
+      <a:schemeClr val="lt1"/>
+    </dgm:txFillClrLst>
+    <dgm:txEffectClrLst/>
+  </dgm:styleLbl>
+  <dgm:styleLbl name="parChTrans2D2">
+    <dgm:fillClrLst meth="repeat">
+      <a:schemeClr val="accent1"/>
+    </dgm:fillClrLst>
+    <dgm:linClrLst meth="repeat">
+      <a:schemeClr val="accent1"/>
+    </dgm:linClrLst>
+    <dgm:effectClrLst/>
+    <dgm:txLinClrLst/>
+    <dgm:txFillClrLst meth="repeat">
+      <a:schemeClr val="lt1"/>
+    </dgm:txFillClrLst>
+    <dgm:txEffectClrLst/>
+  </dgm:styleLbl>
+  <dgm:styleLbl name="parChTrans2D3">
+    <dgm:fillClrLst meth="repeat">
+      <a:schemeClr val="accent1"/>
+    </dgm:fillClrLst>
+    <dgm:linClrLst meth="repeat">
+      <a:schemeClr val="accent1"/>
+    </dgm:linClrLst>
+    <dgm:effectClrLst/>
+    <dgm:txLinClrLst/>
+    <dgm:txFillClrLst meth="repeat">
+      <a:schemeClr val="lt1"/>
+    </dgm:txFillClrLst>
+    <dgm:txEffectClrLst/>
+  </dgm:styleLbl>
+  <dgm:styleLbl name="parChTrans2D4">
+    <dgm:fillClrLst meth="repeat">
+      <a:schemeClr val="accent1"/>
+    </dgm:fillClrLst>
+    <dgm:linClrLst meth="repeat">
+      <a:schemeClr val="accent1"/>
+    </dgm:linClrLst>
+    <dgm:effectClrLst/>
+    <dgm:txLinClrLst/>
+    <dgm:txFillClrLst meth="repeat">
+      <a:schemeClr val="lt1"/>
+    </dgm:txFillClrLst>
+    <dgm:txEffectClrLst/>
+  </dgm:styleLbl>
+  <dgm:styleLbl name="parChTrans1D1">
+    <dgm:fillClrLst meth="repeat">
+      <a:schemeClr val="accent1"/>
+    </dgm:fillClrLst>
+    <dgm:linClrLst meth="repeat">
+      <a:schemeClr val="accent1">
+        <a:shade val="60000"/>
+      </a:schemeClr>
+    </dgm:linClrLst>
+    <dgm:effectClrLst/>
+    <dgm:txLinClrLst/>
+    <dgm:txFillClrLst meth="repeat">
+      <a:schemeClr val="tx1"/>
+    </dgm:txFillClrLst>
+    <dgm:txEffectClrLst/>
+  </dgm:styleLbl>
+  <dgm:styleLbl name="parChTrans1D2">
+    <dgm:fillClrLst meth="repeat">
+      <a:schemeClr val="accent1"/>
+    </dgm:fillClrLst>
+    <dgm:linClrLst meth="repeat">
+      <a:schemeClr val="accent1">
+        <a:shade val="60000"/>
+      </a:schemeClr>
+    </dgm:linClrLst>
+    <dgm:effectClrLst/>
+    <dgm:txLinClrLst/>
+    <dgm:txFillClrLst meth="repeat">
+      <a:schemeClr val="tx1"/>
+    </dgm:txFillClrLst>
+    <dgm:txEffectClrLst/>
+  </dgm:styleLbl>
+  <dgm:styleLbl name="parChTrans1D3">
+    <dgm:fillClrLst meth="repeat">
+      <a:schemeClr val="accent1"/>
+    </dgm:fillClrLst>
+    <dgm:linClrLst meth="repeat">
+      <a:schemeClr val="accent1">
+        <a:shade val="80000"/>
+      </a:schemeClr>
+    </dgm:linClrLst>
+    <dgm:effectClrLst/>
+    <dgm:txLinClrLst/>
+    <dgm:txFillClrLst meth="repeat">
+      <a:schemeClr val="tx1"/>
+    </dgm:txFillClrLst>
+    <dgm:txEffectClrLst/>
+  </dgm:styleLbl>
+  <dgm:styleLbl name="parChTrans1D4">
+    <dgm:fillClrLst meth="repeat">
+      <a:schemeClr val="accent1"/>
+    </dgm:fillClrLst>
+    <dgm:linClrLst meth="repeat">
+      <a:schemeClr val="accent1">
+        <a:shade val="80000"/>
+      </a:schemeClr>
+    </dgm:linClrLst>
+    <dgm:effectClrLst/>
+    <dgm:txLinClrLst/>
+    <dgm:txFillClrLst meth="repeat">
+      <a:schemeClr val="tx1"/>
+    </dgm:txFillClrLst>
+    <dgm:txEffectClrLst/>
+  </dgm:styleLbl>
+  <dgm:styleLbl name="fgAcc1">
+    <dgm:fillClrLst meth="repeat">
+      <a:schemeClr val="lt1">
+        <a:alpha val="90000"/>
+      </a:schemeClr>
+    </dgm:fillClrLst>
+    <dgm:linClrLst meth="repeat">
+      <a:schemeClr val="accent1"/>
+    </dgm:linClrLst>
+    <dgm:effectClrLst/>
+    <dgm:txLinClrLst/>
+    <dgm:txFillClrLst meth="repeat">
+      <a:schemeClr val="dk1"/>
+    </dgm:txFillClrLst>
+    <dgm:txEffectClrLst/>
+  </dgm:styleLbl>
+  <dgm:styleLbl name="conFgAcc1">
+    <dgm:fillClrLst meth="repeat">
+      <a:schemeClr val="lt1">
+        <a:alpha val="90000"/>
+      </a:schemeClr>
+    </dgm:fillClrLst>
+    <dgm:linClrLst meth="repeat">
+      <a:schemeClr val="accent1"/>
+    </dgm:linClrLst>
+    <dgm:effectClrLst/>
+    <dgm:txLinClrLst/>
+    <dgm:txFillClrLst meth="repeat">
+      <a:schemeClr val="dk1"/>
+    </dgm:txFillClrLst>
+    <dgm:txEffectClrLst/>
+  </dgm:styleLbl>
+  <dgm:styleLbl name="alignAcc1">
+    <dgm:fillClrLst meth="repeat">
+      <a:schemeClr val="lt1">
+        <a:alpha val="90000"/>
+      </a:schemeClr>
+    </dgm:fillClrLst>
+    <dgm:linClrLst meth="repeat">
+      <a:schemeClr val="accent1"/>
+    </dgm:linClrLst>
+    <dgm:effectClrLst/>
+    <dgm:txLinClrLst/>
+    <dgm:txFillClrLst meth="repeat">
+      <a:schemeClr val="dk1"/>
+    </dgm:txFillClrLst>
+    <dgm:txEffectClrLst/>
+  </dgm:styleLbl>
+  <dgm:styleLbl name="trAlignAcc1">
+    <dgm:fillClrLst meth="repeat">
+      <a:schemeClr val="lt1">
+        <a:alpha val="40000"/>
+      </a:schemeClr>
+    </dgm:fillClrLst>
+    <dgm:linClrLst meth="repeat">
+      <a:schemeClr val="accent1"/>
+    </dgm:linClrLst>
+    <dgm:effectClrLst/>
+    <dgm:txLinClrLst/>
+    <dgm:txFillClrLst meth="repeat">
+      <a:schemeClr val="dk1"/>
+    </dgm:txFillClrLst>
+    <dgm:txEffectClrLst/>
+  </dgm:styleLbl>
+  <dgm:styleLbl name="bgAcc1">
+    <dgm:fillClrLst meth="repeat">
+      <a:schemeClr val="lt1">
+        <a:alpha val="90000"/>
+      </a:schemeClr>
+    </dgm:fillClrLst>
+    <dgm:linClrLst meth="repeat">
+      <a:schemeClr val="accent1"/>
+    </dgm:linClrLst>
+    <dgm:effectClrLst/>
+    <dgm:txLinClrLst/>
+    <dgm:txFillClrLst meth="repeat">
+      <a:schemeClr val="dk1"/>
+    </dgm:txFillClrLst>
+    <dgm:txEffectClrLst/>
+  </dgm:styleLbl>
+  <dgm:styleLbl name="solidFgAcc1">
+    <dgm:fillClrLst meth="repeat">
+      <a:schemeClr val="lt1"/>
+    </dgm:fillClrLst>
+    <dgm:linClrLst meth="repeat">
+      <a:schemeClr val="accent1"/>
+    </dgm:linClrLst>
+    <dgm:effectClrLst/>
+    <dgm:txLinClrLst/>
+    <dgm:txFillClrLst meth="repeat">
+      <a:schemeClr val="dk1"/>
+    </dgm:txFillClrLst>
+    <dgm:txEffectClrLst/>
+  </dgm:styleLbl>
+  <dgm:styleLbl name="solidAlignAcc1">
+    <dgm:fillClrLst meth="repeat">
+      <a:schemeClr val="lt1"/>
+    </dgm:fillClrLst>
+    <dgm:linClrLst meth="repeat">
+      <a:schemeClr val="accent1"/>
+    </dgm:linClrLst>
+    <dgm:effectClrLst/>
+    <dgm:txLinClrLst/>
+    <dgm:txFillClrLst meth="repeat">
+      <a:schemeClr val="dk1"/>
+    </dgm:txFillClrLst>
+    <dgm:txEffectClrLst/>
+  </dgm:styleLbl>
+  <dgm:styleLbl name="solidBgAcc1">
+    <dgm:fillClrLst meth="repeat">
+      <a:schemeClr val="lt1"/>
+    </dgm:fillClrLst>
+    <dgm:linClrLst meth="repeat">
+      <a:schemeClr val="accent1"/>
+    </dgm:linClrLst>
+    <dgm:effectClrLst/>
+    <dgm:txLinClrLst/>
+    <dgm:txFillClrLst meth="repeat">
+      <a:schemeClr val="dk1"/>
+    </dgm:txFillClrLst>
+    <dgm:txEffectClrLst/>
+  </dgm:styleLbl>
+  <dgm:styleLbl name="fgAccFollowNode1">
+    <dgm:fillClrLst meth="repeat">
+      <a:schemeClr val="accent1">
+        <a:alpha val="90000"/>
+        <a:tint val="40000"/>
+      </a:schemeClr>
+    </dgm:fillClrLst>
+    <dgm:linClrLst meth="repeat">
+      <a:schemeClr val="accent1">
+        <a:alpha val="90000"/>
+        <a:tint val="40000"/>
+      </a:schemeClr>
+    </dgm:linClrLst>
+    <dgm:effectClrLst/>
+    <dgm:txLinClrLst/>
+    <dgm:txFillClrLst meth="repeat">
+      <a:schemeClr val="dk1"/>
+    </dgm:txFillClrLst>
+    <dgm:txEffectClrLst/>
+  </dgm:styleLbl>
+  <dgm:styleLbl name="alignAccFollowNode1">
+    <dgm:fillClrLst meth="repeat">
+      <a:schemeClr val="accent1">
+        <a:alpha val="90000"/>
+        <a:tint val="40000"/>
+      </a:schemeClr>
+    </dgm:fillClrLst>
+    <dgm:linClrLst meth="repeat">
+      <a:schemeClr val="accent1">
+        <a:alpha val="90000"/>
+        <a:tint val="40000"/>
+      </a:schemeClr>
+    </dgm:linClrLst>
+    <dgm:effectClrLst/>
+    <dgm:txLinClrLst/>
+    <dgm:txFillClrLst meth="repeat">
+      <a:schemeClr val="dk1"/>
+    </dgm:txFillClrLst>
+    <dgm:txEffectClrLst/>
+  </dgm:styleLbl>
+  <dgm:styleLbl name="bgAccFollowNode1">
+    <dgm:fillClrLst meth="repeat">
+      <a:schemeClr val="accent1">
+        <a:alpha val="90000"/>
+        <a:tint val="40000"/>
+      </a:schemeClr>
+    </dgm:fillClrLst>
+    <dgm:linClrLst meth="repeat">
+      <a:schemeClr val="accent1">
+        <a:alpha val="90000"/>
+        <a:tint val="40000"/>
+      </a:schemeClr>
+    </dgm:linClrLst>
+    <dgm:effectClrLst/>
+    <dgm:txLinClrLst/>
+    <dgm:txFillClrLst meth="repeat">
+      <a:schemeClr val="dk1"/>
+    </dgm:txFillClrLst>
+    <dgm:txEffectClrLst/>
+  </dgm:styleLbl>
+  <dgm:styleLbl name="fgAcc0">
+    <dgm:fillClrLst meth="repeat">
+      <a:schemeClr val="lt1">
+        <a:alpha val="90000"/>
+      </a:schemeClr>
+    </dgm:fillClrLst>
+    <dgm:linClrLst meth="repeat">
+      <a:schemeClr val="accent1"/>
+    </dgm:linClrLst>
+    <dgm:effectClrLst/>
+    <dgm:txLinClrLst/>
+    <dgm:txFillClrLst meth="repeat">
+      <a:schemeClr val="dk1"/>
+    </dgm:txFillClrLst>
+    <dgm:txEffectClrLst/>
+  </dgm:styleLbl>
+  <dgm:styleLbl name="fgAcc2">
+    <dgm:fillClrLst meth="repeat">
+      <a:schemeClr val="lt1">
+        <a:alpha val="90000"/>
+      </a:schemeClr>
+    </dgm:fillClrLst>
+    <dgm:linClrLst meth="repeat">
+      <a:schemeClr val="accent1"/>
+    </dgm:linClrLst>
+    <dgm:effectClrLst/>
+    <dgm:txLinClrLst/>
+    <dgm:txFillClrLst meth="repeat">
+      <a:schemeClr val="dk1"/>
+    </dgm:txFillClrLst>
+    <dgm:txEffectClrLst/>
+  </dgm:styleLbl>
+  <dgm:styleLbl name="fgAcc3">
+    <dgm:fillClrLst meth="repeat">
+      <a:schemeClr val="lt1">
+        <a:alpha val="90000"/>
+      </a:schemeClr>
+    </dgm:fillClrLst>
+    <dgm:linClrLst meth="repeat">
+      <a:schemeClr val="accent1"/>
+    </dgm:linClrLst>
+    <dgm:effectClrLst/>
+    <dgm:txLinClrLst/>
+    <dgm:txFillClrLst meth="repeat">
+      <a:schemeClr val="dk1"/>
+    </dgm:txFillClrLst>
+    <dgm:txEffectClrLst/>
+  </dgm:styleLbl>
+  <dgm:styleLbl name="fgAcc4">
+    <dgm:fillClrLst meth="repeat">
+      <a:schemeClr val="lt1">
+        <a:alpha val="90000"/>
+      </a:schemeClr>
+    </dgm:fillClrLst>
+    <dgm:linClrLst meth="repeat">
+      <a:schemeClr val="accent1"/>
+    </dgm:linClrLst>
+    <dgm:effectClrLst/>
+    <dgm:txLinClrLst/>
+    <dgm:txFillClrLst meth="repeat">
+      <a:schemeClr val="dk1"/>
+    </dgm:txFillClrLst>
+    <dgm:txEffectClrLst/>
+  </dgm:styleLbl>
+  <dgm:styleLbl name="bgShp">
+    <dgm:fillClrLst meth="repeat">
+      <a:schemeClr val="accent1">
+        <a:tint val="40000"/>
+      </a:schemeClr>
+    </dgm:fillClrLst>
+    <dgm:linClrLst meth="repeat">
+      <a:schemeClr val="accent1"/>
+    </dgm:linClrLst>
+    <dgm:effectClrLst/>
+    <dgm:txLinClrLst/>
+    <dgm:txFillClrLst meth="repeat">
+      <a:schemeClr val="dk1"/>
+    </dgm:txFillClrLst>
+    <dgm:txEffectClrLst/>
+  </dgm:styleLbl>
+  <dgm:styleLbl name="dkBgShp">
+    <dgm:fillClrLst meth="repeat">
+      <a:schemeClr val="accent1">
+        <a:shade val="80000"/>
+      </a:schemeClr>
+    </dgm:fillClrLst>
+    <dgm:linClrLst meth="repeat">
+      <a:schemeClr val="accent1"/>
+    </dgm:linClrLst>
+    <dgm:effectClrLst/>
+    <dgm:txLinClrLst/>
+    <dgm:txFillClrLst meth="repeat">
+      <a:schemeClr val="lt1"/>
+    </dgm:txFillClrLst>
+    <dgm:txEffectClrLst/>
+  </dgm:styleLbl>
+  <dgm:styleLbl name="trBgShp">
+    <dgm:fillClrLst meth="repeat">
+      <a:schemeClr val="accent1">
+        <a:tint val="50000"/>
+        <a:alpha val="40000"/>
+      </a:schemeClr>
+    </dgm:fillClrLst>
+    <dgm:linClrLst meth="repeat">
+      <a:schemeClr val="accent1"/>
+    </dgm:linClrLst>
+    <dgm:effectClrLst/>
+    <dgm:txLinClrLst/>
+    <dgm:txFillClrLst meth="repeat">
+      <a:schemeClr val="lt1"/>
+    </dgm:txFillClrLst>
+    <dgm:txEffectClrLst/>
+  </dgm:styleLbl>
+  <dgm:styleLbl name="fgShp">
+    <dgm:fillClrLst meth="repeat">
+      <a:schemeClr val="accent1">
+        <a:tint val="60000"/>
+      </a:schemeClr>
+    </dgm:fillClrLst>
+    <dgm:linClrLst meth="repeat">
+      <a:schemeClr val="lt1"/>
+    </dgm:linClrLst>
+    <dgm:effectClrLst/>
+    <dgm:txLinClrLst/>
+    <dgm:txFillClrLst meth="repeat">
+      <a:schemeClr val="dk1"/>
+    </dgm:txFillClrLst>
+    <dgm:txEffectClrLst/>
+  </dgm:styleLbl>
+  <dgm:styleLbl name="revTx">
+    <dgm:fillClrLst meth="repeat">
+      <a:schemeClr val="lt1">
+        <a:alpha val="0"/>
+      </a:schemeClr>
+    </dgm:fillClrLst>
+    <dgm:linClrLst meth="repeat">
+      <a:schemeClr val="dk1">
+        <a:alpha val="0"/>
+      </a:schemeClr>
+    </dgm:linClrLst>
+    <dgm:effectClrLst/>
+    <dgm:txLinClrLst/>
+    <dgm:txFillClrLst meth="repeat">
+      <a:schemeClr val="tx1"/>
+    </dgm:txFillClrLst>
+    <dgm:txEffectClrLst/>
+  </dgm:styleLbl>
+</dgm:colorsDef>
+</file>
+
+<file path=ppt/diagrams/data1.xml><?xml version="1.0" encoding="utf-8"?>
+<dgm:dataModel xmlns:dgm="http://schemas.openxmlformats.org/drawingml/2006/diagram" xmlns:a="http://schemas.openxmlformats.org/drawingml/2006/main">
+  <dgm:ptLst>
+    <dgm:pt modelId="{667A4726-F110-44A2-96B6-600E297135D5}" type="doc">
+      <dgm:prSet loTypeId="urn:microsoft.com/office/officeart/2005/8/layout/process1" loCatId="process" qsTypeId="urn:microsoft.com/office/officeart/2005/8/quickstyle/simple1" qsCatId="simple" csTypeId="urn:microsoft.com/office/officeart/2005/8/colors/accent1_2" csCatId="accent1" phldr="1"/>
+      <dgm:spPr/>
+    </dgm:pt>
+    <dgm:pt modelId="{2433FD7E-500A-48DA-B90B-87A6D0DAD8E8}">
+      <dgm:prSet phldrT="[Text]"/>
+      <dgm:spPr/>
+      <dgm:t>
+        <a:bodyPr/>
+        <a:lstStyle/>
+        <a:p>
+          <a:r>
+            <a:rPr lang="en-US" dirty="0" smtClean="0"/>
+            <a:t>Login/Register</a:t>
+          </a:r>
+          <a:endParaRPr lang="en-US" dirty="0"/>
+        </a:p>
+      </dgm:t>
+    </dgm:pt>
+    <dgm:pt modelId="{2BE6566A-50FF-4F97-8268-D331920185E5}" type="parTrans" cxnId="{2E5F1FEB-B286-47B3-BC81-72FFF58355C7}">
+      <dgm:prSet/>
+      <dgm:spPr/>
+      <dgm:t>
+        <a:bodyPr/>
+        <a:lstStyle/>
+        <a:p>
+          <a:endParaRPr lang="en-US"/>
+        </a:p>
+      </dgm:t>
+    </dgm:pt>
+    <dgm:pt modelId="{15081D0D-E057-44A8-B2C7-63844E986244}" type="sibTrans" cxnId="{2E5F1FEB-B286-47B3-BC81-72FFF58355C7}">
+      <dgm:prSet/>
+      <dgm:spPr/>
+      <dgm:t>
+        <a:bodyPr/>
+        <a:lstStyle/>
+        <a:p>
+          <a:endParaRPr lang="en-US"/>
+        </a:p>
+      </dgm:t>
+    </dgm:pt>
+    <dgm:pt modelId="{1213A0DE-DE3A-4E0F-87C0-1EB121339101}">
+      <dgm:prSet phldrT="[Text]"/>
+      <dgm:spPr/>
+      <dgm:t>
+        <a:bodyPr/>
+        <a:lstStyle/>
+        <a:p>
+          <a:r>
+            <a:rPr lang="en-US" dirty="0" smtClean="0"/>
+            <a:t>Categories Selection</a:t>
+          </a:r>
+          <a:endParaRPr lang="en-US" dirty="0"/>
+        </a:p>
+      </dgm:t>
+    </dgm:pt>
+    <dgm:pt modelId="{03EF9BEE-3680-4BCA-9794-56E2A44099B9}" type="parTrans" cxnId="{BFAB3216-6B79-4FDE-A21D-0671DC1B516E}">
+      <dgm:prSet/>
+      <dgm:spPr/>
+      <dgm:t>
+        <a:bodyPr/>
+        <a:lstStyle/>
+        <a:p>
+          <a:endParaRPr lang="en-US"/>
+        </a:p>
+      </dgm:t>
+    </dgm:pt>
+    <dgm:pt modelId="{61C6B059-5604-427E-98B8-D16708F7BD8E}" type="sibTrans" cxnId="{BFAB3216-6B79-4FDE-A21D-0671DC1B516E}">
+      <dgm:prSet/>
+      <dgm:spPr/>
+      <dgm:t>
+        <a:bodyPr/>
+        <a:lstStyle/>
+        <a:p>
+          <a:endParaRPr lang="en-US"/>
+        </a:p>
+      </dgm:t>
+    </dgm:pt>
+    <dgm:pt modelId="{BC332C79-6C47-4668-91F1-F8AF6C963A7D}">
+      <dgm:prSet phldrT="[Text]"/>
+      <dgm:spPr/>
+      <dgm:t>
+        <a:bodyPr/>
+        <a:lstStyle/>
+        <a:p>
+          <a:r>
+            <a:rPr lang="en-US" dirty="0" smtClean="0"/>
+            <a:t>FLIP Kit Selection</a:t>
+          </a:r>
+          <a:endParaRPr lang="en-US" dirty="0"/>
+        </a:p>
+      </dgm:t>
+    </dgm:pt>
+    <dgm:pt modelId="{96D8C361-40F3-465A-8451-4CF6A92EE6DC}" type="parTrans" cxnId="{D5213ADB-B869-4810-AE59-532CBEDDF4E3}">
+      <dgm:prSet/>
+      <dgm:spPr/>
+      <dgm:t>
+        <a:bodyPr/>
+        <a:lstStyle/>
+        <a:p>
+          <a:endParaRPr lang="en-US"/>
+        </a:p>
+      </dgm:t>
+    </dgm:pt>
+    <dgm:pt modelId="{77860D55-A87F-47B1-9756-2E604DA5C596}" type="sibTrans" cxnId="{D5213ADB-B869-4810-AE59-532CBEDDF4E3}">
+      <dgm:prSet/>
+      <dgm:spPr/>
+      <dgm:t>
+        <a:bodyPr/>
+        <a:lstStyle/>
+        <a:p>
+          <a:endParaRPr lang="en-US"/>
+        </a:p>
+      </dgm:t>
+    </dgm:pt>
+    <dgm:pt modelId="{2F87AB4F-E645-49A1-AD0F-9C65032DB0BD}">
+      <dgm:prSet/>
+      <dgm:spPr/>
+      <dgm:t>
+        <a:bodyPr/>
+        <a:lstStyle/>
+        <a:p>
+          <a:r>
+            <a:rPr lang="en-US" dirty="0" smtClean="0"/>
+            <a:t>Tabular Navigation per Flip Kit</a:t>
+          </a:r>
+          <a:endParaRPr lang="en-US" dirty="0"/>
+        </a:p>
+      </dgm:t>
+    </dgm:pt>
+    <dgm:pt modelId="{1FEEB910-80CC-4C0C-BE9E-10603DA75690}" type="parTrans" cxnId="{EA46940D-CAEF-4B7D-A7A7-607129AEEEDF}">
+      <dgm:prSet/>
+      <dgm:spPr/>
+      <dgm:t>
+        <a:bodyPr/>
+        <a:lstStyle/>
+        <a:p>
+          <a:endParaRPr lang="en-US"/>
+        </a:p>
+      </dgm:t>
+    </dgm:pt>
+    <dgm:pt modelId="{13487FDF-0F0A-45AD-A65F-7FDD521ACAC2}" type="sibTrans" cxnId="{EA46940D-CAEF-4B7D-A7A7-607129AEEEDF}">
+      <dgm:prSet/>
+      <dgm:spPr/>
+      <dgm:t>
+        <a:bodyPr/>
+        <a:lstStyle/>
+        <a:p>
+          <a:endParaRPr lang="en-US"/>
+        </a:p>
+      </dgm:t>
+    </dgm:pt>
+    <dgm:pt modelId="{4425398A-ACF4-443F-BFED-F6003A19EC70}" type="pres">
+      <dgm:prSet presAssocID="{667A4726-F110-44A2-96B6-600E297135D5}" presName="Name0" presStyleCnt="0">
+        <dgm:presLayoutVars>
+          <dgm:dir/>
+          <dgm:resizeHandles val="exact"/>
+        </dgm:presLayoutVars>
+      </dgm:prSet>
+      <dgm:spPr/>
+    </dgm:pt>
+    <dgm:pt modelId="{31018793-3149-49DC-BEBF-DA60F1B131B8}" type="pres">
+      <dgm:prSet presAssocID="{2433FD7E-500A-48DA-B90B-87A6D0DAD8E8}" presName="node" presStyleLbl="node1" presStyleIdx="0" presStyleCnt="4">
+        <dgm:presLayoutVars>
+          <dgm:bulletEnabled val="1"/>
+        </dgm:presLayoutVars>
+      </dgm:prSet>
+      <dgm:spPr/>
+    </dgm:pt>
+    <dgm:pt modelId="{85191E87-D398-4DED-ACEC-0811F1D794C4}" type="pres">
+      <dgm:prSet presAssocID="{15081D0D-E057-44A8-B2C7-63844E986244}" presName="sibTrans" presStyleLbl="sibTrans2D1" presStyleIdx="0" presStyleCnt="3"/>
+      <dgm:spPr/>
+    </dgm:pt>
+    <dgm:pt modelId="{D7F283BD-5841-44A0-864E-A96E411ACF5C}" type="pres">
+      <dgm:prSet presAssocID="{15081D0D-E057-44A8-B2C7-63844E986244}" presName="connectorText" presStyleLbl="sibTrans2D1" presStyleIdx="0" presStyleCnt="3"/>
+      <dgm:spPr/>
+    </dgm:pt>
+    <dgm:pt modelId="{BB629AAC-D893-4910-857D-1FA566DB945F}" type="pres">
+      <dgm:prSet presAssocID="{1213A0DE-DE3A-4E0F-87C0-1EB121339101}" presName="node" presStyleLbl="node1" presStyleIdx="1" presStyleCnt="4">
+        <dgm:presLayoutVars>
+          <dgm:bulletEnabled val="1"/>
+        </dgm:presLayoutVars>
+      </dgm:prSet>
+      <dgm:spPr/>
+      <dgm:t>
+        <a:bodyPr/>
+        <a:lstStyle/>
+        <a:p>
+          <a:endParaRPr lang="en-US"/>
+        </a:p>
+      </dgm:t>
+    </dgm:pt>
+    <dgm:pt modelId="{C4F4F214-A66D-4A57-9C00-2BFBEC286572}" type="pres">
+      <dgm:prSet presAssocID="{61C6B059-5604-427E-98B8-D16708F7BD8E}" presName="sibTrans" presStyleLbl="sibTrans2D1" presStyleIdx="1" presStyleCnt="3"/>
+      <dgm:spPr/>
+    </dgm:pt>
+    <dgm:pt modelId="{B121EEBF-170E-48D0-A5E9-6D92F411BB52}" type="pres">
+      <dgm:prSet presAssocID="{61C6B059-5604-427E-98B8-D16708F7BD8E}" presName="connectorText" presStyleLbl="sibTrans2D1" presStyleIdx="1" presStyleCnt="3"/>
+      <dgm:spPr/>
+    </dgm:pt>
+    <dgm:pt modelId="{E932B47C-E8B4-423C-A9B6-DBD0A79178DF}" type="pres">
+      <dgm:prSet presAssocID="{BC332C79-6C47-4668-91F1-F8AF6C963A7D}" presName="node" presStyleLbl="node1" presStyleIdx="2" presStyleCnt="4">
+        <dgm:presLayoutVars>
+          <dgm:bulletEnabled val="1"/>
+        </dgm:presLayoutVars>
+      </dgm:prSet>
+      <dgm:spPr/>
+      <dgm:t>
+        <a:bodyPr/>
+        <a:lstStyle/>
+        <a:p>
+          <a:endParaRPr lang="en-US"/>
+        </a:p>
+      </dgm:t>
+    </dgm:pt>
+    <dgm:pt modelId="{5F7C5BC5-355B-4FA7-BC77-46AE2BF1FA6C}" type="pres">
+      <dgm:prSet presAssocID="{77860D55-A87F-47B1-9756-2E604DA5C596}" presName="sibTrans" presStyleLbl="sibTrans2D1" presStyleIdx="2" presStyleCnt="3"/>
+      <dgm:spPr/>
+    </dgm:pt>
+    <dgm:pt modelId="{B2CC9CAB-AC4A-459E-B162-3F6608A1F488}" type="pres">
+      <dgm:prSet presAssocID="{77860D55-A87F-47B1-9756-2E604DA5C596}" presName="connectorText" presStyleLbl="sibTrans2D1" presStyleIdx="2" presStyleCnt="3"/>
+      <dgm:spPr/>
+    </dgm:pt>
+    <dgm:pt modelId="{99E94813-72A5-4B6C-B1D7-092AC96C0932}" type="pres">
+      <dgm:prSet presAssocID="{2F87AB4F-E645-49A1-AD0F-9C65032DB0BD}" presName="node" presStyleLbl="node1" presStyleIdx="3" presStyleCnt="4">
+        <dgm:presLayoutVars>
+          <dgm:bulletEnabled val="1"/>
+        </dgm:presLayoutVars>
+      </dgm:prSet>
+      <dgm:spPr/>
+      <dgm:t>
+        <a:bodyPr/>
+        <a:lstStyle/>
+        <a:p>
+          <a:endParaRPr lang="en-US"/>
+        </a:p>
+      </dgm:t>
+    </dgm:pt>
+  </dgm:ptLst>
+  <dgm:cxnLst>
+    <dgm:cxn modelId="{122AF2CA-B0E0-4289-B9EE-09E64E82785A}" type="presOf" srcId="{61C6B059-5604-427E-98B8-D16708F7BD8E}" destId="{B121EEBF-170E-48D0-A5E9-6D92F411BB52}" srcOrd="1" destOrd="0" presId="urn:microsoft.com/office/officeart/2005/8/layout/process1"/>
+    <dgm:cxn modelId="{514AE47B-0794-4685-B5E6-38F03FAE51B8}" type="presOf" srcId="{BC332C79-6C47-4668-91F1-F8AF6C963A7D}" destId="{E932B47C-E8B4-423C-A9B6-DBD0A79178DF}" srcOrd="0" destOrd="0" presId="urn:microsoft.com/office/officeart/2005/8/layout/process1"/>
+    <dgm:cxn modelId="{BA1C9E6D-B9E5-4A16-8CE0-A1FB43616D60}" type="presOf" srcId="{15081D0D-E057-44A8-B2C7-63844E986244}" destId="{85191E87-D398-4DED-ACEC-0811F1D794C4}" srcOrd="0" destOrd="0" presId="urn:microsoft.com/office/officeart/2005/8/layout/process1"/>
+    <dgm:cxn modelId="{00A50EEC-E673-4614-A3FB-10B784E6A756}" type="presOf" srcId="{2433FD7E-500A-48DA-B90B-87A6D0DAD8E8}" destId="{31018793-3149-49DC-BEBF-DA60F1B131B8}" srcOrd="0" destOrd="0" presId="urn:microsoft.com/office/officeart/2005/8/layout/process1"/>
+    <dgm:cxn modelId="{2E5F1FEB-B286-47B3-BC81-72FFF58355C7}" srcId="{667A4726-F110-44A2-96B6-600E297135D5}" destId="{2433FD7E-500A-48DA-B90B-87A6D0DAD8E8}" srcOrd="0" destOrd="0" parTransId="{2BE6566A-50FF-4F97-8268-D331920185E5}" sibTransId="{15081D0D-E057-44A8-B2C7-63844E986244}"/>
+    <dgm:cxn modelId="{65DE0F08-127A-48B4-A435-1E7E931ADEC4}" type="presOf" srcId="{61C6B059-5604-427E-98B8-D16708F7BD8E}" destId="{C4F4F214-A66D-4A57-9C00-2BFBEC286572}" srcOrd="0" destOrd="0" presId="urn:microsoft.com/office/officeart/2005/8/layout/process1"/>
+    <dgm:cxn modelId="{F6FC5777-978D-4F31-8990-921737DC557B}" type="presOf" srcId="{667A4726-F110-44A2-96B6-600E297135D5}" destId="{4425398A-ACF4-443F-BFED-F6003A19EC70}" srcOrd="0" destOrd="0" presId="urn:microsoft.com/office/officeart/2005/8/layout/process1"/>
+    <dgm:cxn modelId="{EA46940D-CAEF-4B7D-A7A7-607129AEEEDF}" srcId="{667A4726-F110-44A2-96B6-600E297135D5}" destId="{2F87AB4F-E645-49A1-AD0F-9C65032DB0BD}" srcOrd="3" destOrd="0" parTransId="{1FEEB910-80CC-4C0C-BE9E-10603DA75690}" sibTransId="{13487FDF-0F0A-45AD-A65F-7FDD521ACAC2}"/>
+    <dgm:cxn modelId="{5586DC00-DF94-4F52-9F60-18F5DBAA6180}" type="presOf" srcId="{15081D0D-E057-44A8-B2C7-63844E986244}" destId="{D7F283BD-5841-44A0-864E-A96E411ACF5C}" srcOrd="1" destOrd="0" presId="urn:microsoft.com/office/officeart/2005/8/layout/process1"/>
+    <dgm:cxn modelId="{BFAB3216-6B79-4FDE-A21D-0671DC1B516E}" srcId="{667A4726-F110-44A2-96B6-600E297135D5}" destId="{1213A0DE-DE3A-4E0F-87C0-1EB121339101}" srcOrd="1" destOrd="0" parTransId="{03EF9BEE-3680-4BCA-9794-56E2A44099B9}" sibTransId="{61C6B059-5604-427E-98B8-D16708F7BD8E}"/>
+    <dgm:cxn modelId="{D3C44148-B605-42B1-8919-B636CDD564AF}" type="presOf" srcId="{77860D55-A87F-47B1-9756-2E604DA5C596}" destId="{B2CC9CAB-AC4A-459E-B162-3F6608A1F488}" srcOrd="1" destOrd="0" presId="urn:microsoft.com/office/officeart/2005/8/layout/process1"/>
+    <dgm:cxn modelId="{B83A9D28-F457-447B-94B4-43808FB7A9A2}" type="presOf" srcId="{1213A0DE-DE3A-4E0F-87C0-1EB121339101}" destId="{BB629AAC-D893-4910-857D-1FA566DB945F}" srcOrd="0" destOrd="0" presId="urn:microsoft.com/office/officeart/2005/8/layout/process1"/>
+    <dgm:cxn modelId="{D5AF359C-447C-4782-BC0A-1C035D436B63}" type="presOf" srcId="{2F87AB4F-E645-49A1-AD0F-9C65032DB0BD}" destId="{99E94813-72A5-4B6C-B1D7-092AC96C0932}" srcOrd="0" destOrd="0" presId="urn:microsoft.com/office/officeart/2005/8/layout/process1"/>
+    <dgm:cxn modelId="{D5213ADB-B869-4810-AE59-532CBEDDF4E3}" srcId="{667A4726-F110-44A2-96B6-600E297135D5}" destId="{BC332C79-6C47-4668-91F1-F8AF6C963A7D}" srcOrd="2" destOrd="0" parTransId="{96D8C361-40F3-465A-8451-4CF6A92EE6DC}" sibTransId="{77860D55-A87F-47B1-9756-2E604DA5C596}"/>
+    <dgm:cxn modelId="{01D0666C-D783-44A9-96DA-7F1AA0CE018A}" type="presOf" srcId="{77860D55-A87F-47B1-9756-2E604DA5C596}" destId="{5F7C5BC5-355B-4FA7-BC77-46AE2BF1FA6C}" srcOrd="0" destOrd="0" presId="urn:microsoft.com/office/officeart/2005/8/layout/process1"/>
+    <dgm:cxn modelId="{72233253-CC7D-4B57-ACC5-0E5CA08EF7AF}" type="presParOf" srcId="{4425398A-ACF4-443F-BFED-F6003A19EC70}" destId="{31018793-3149-49DC-BEBF-DA60F1B131B8}" srcOrd="0" destOrd="0" presId="urn:microsoft.com/office/officeart/2005/8/layout/process1"/>
+    <dgm:cxn modelId="{ECD822B0-A4E9-4C3A-BCC7-AE90C870EB9C}" type="presParOf" srcId="{4425398A-ACF4-443F-BFED-F6003A19EC70}" destId="{85191E87-D398-4DED-ACEC-0811F1D794C4}" srcOrd="1" destOrd="0" presId="urn:microsoft.com/office/officeart/2005/8/layout/process1"/>
+    <dgm:cxn modelId="{3B544F81-79D9-45CA-AEA2-977C52CBB1DB}" type="presParOf" srcId="{85191E87-D398-4DED-ACEC-0811F1D794C4}" destId="{D7F283BD-5841-44A0-864E-A96E411ACF5C}" srcOrd="0" destOrd="0" presId="urn:microsoft.com/office/officeart/2005/8/layout/process1"/>
+    <dgm:cxn modelId="{FDA2274B-C9C6-4364-A323-820C8077A933}" type="presParOf" srcId="{4425398A-ACF4-443F-BFED-F6003A19EC70}" destId="{BB629AAC-D893-4910-857D-1FA566DB945F}" srcOrd="2" destOrd="0" presId="urn:microsoft.com/office/officeart/2005/8/layout/process1"/>
+    <dgm:cxn modelId="{94DEF29D-CBA6-4069-8039-19EAA9A1E301}" type="presParOf" srcId="{4425398A-ACF4-443F-BFED-F6003A19EC70}" destId="{C4F4F214-A66D-4A57-9C00-2BFBEC286572}" srcOrd="3" destOrd="0" presId="urn:microsoft.com/office/officeart/2005/8/layout/process1"/>
+    <dgm:cxn modelId="{EB3001F7-F6E1-4DC9-8B66-3B679E56CAE1}" type="presParOf" srcId="{C4F4F214-A66D-4A57-9C00-2BFBEC286572}" destId="{B121EEBF-170E-48D0-A5E9-6D92F411BB52}" srcOrd="0" destOrd="0" presId="urn:microsoft.com/office/officeart/2005/8/layout/process1"/>
+    <dgm:cxn modelId="{85C07B9A-66CA-4430-813A-3D96296FD380}" type="presParOf" srcId="{4425398A-ACF4-443F-BFED-F6003A19EC70}" destId="{E932B47C-E8B4-423C-A9B6-DBD0A79178DF}" srcOrd="4" destOrd="0" presId="urn:microsoft.com/office/officeart/2005/8/layout/process1"/>
+    <dgm:cxn modelId="{624E97C4-E4B5-4723-88C7-45E9AF79114D}" type="presParOf" srcId="{4425398A-ACF4-443F-BFED-F6003A19EC70}" destId="{5F7C5BC5-355B-4FA7-BC77-46AE2BF1FA6C}" srcOrd="5" destOrd="0" presId="urn:microsoft.com/office/officeart/2005/8/layout/process1"/>
+    <dgm:cxn modelId="{98B0C4F0-A117-4854-8723-7C1872CA4E90}" type="presParOf" srcId="{5F7C5BC5-355B-4FA7-BC77-46AE2BF1FA6C}" destId="{B2CC9CAB-AC4A-459E-B162-3F6608A1F488}" srcOrd="0" destOrd="0" presId="urn:microsoft.com/office/officeart/2005/8/layout/process1"/>
+    <dgm:cxn modelId="{4221556A-F631-4848-854A-A87C9BD6A76A}" type="presParOf" srcId="{4425398A-ACF4-443F-BFED-F6003A19EC70}" destId="{99E94813-72A5-4B6C-B1D7-092AC96C0932}" srcOrd="6" destOrd="0" presId="urn:microsoft.com/office/officeart/2005/8/layout/process1"/>
+  </dgm:cxnLst>
+  <dgm:bg/>
+  <dgm:whole/>
+  <dgm:extLst>
+    <a:ext uri="http://schemas.microsoft.com/office/drawing/2008/diagram">
+      <dsp:dataModelExt xmlns:dsp="http://schemas.microsoft.com/office/drawing/2008/diagram" relId="rId6" minVer="http://schemas.openxmlformats.org/drawingml/2006/diagram"/>
+    </a:ext>
+  </dgm:extLst>
+</dgm:dataModel>
+</file>
+
+<file path=ppt/diagrams/drawing1.xml><?xml version="1.0" encoding="utf-8"?>
+<dsp:drawing xmlns:dgm="http://schemas.openxmlformats.org/drawingml/2006/diagram" xmlns:dsp="http://schemas.microsoft.com/office/drawing/2008/diagram" xmlns:a="http://schemas.openxmlformats.org/drawingml/2006/main">
+  <dsp:spTree>
+    <dsp:nvGrpSpPr>
+      <dsp:cNvPr id="0" name=""/>
+      <dsp:cNvGrpSpPr/>
+    </dsp:nvGrpSpPr>
+    <dsp:grpSpPr/>
+    <dsp:sp modelId="{31018793-3149-49DC-BEBF-DA60F1B131B8}">
+      <dsp:nvSpPr>
+        <dsp:cNvPr id="0" name=""/>
+        <dsp:cNvSpPr/>
+      </dsp:nvSpPr>
+      <dsp:spPr>
+        <a:xfrm>
+          <a:off x="4737" y="406133"/>
+          <a:ext cx="2071271" cy="1242762"/>
+        </a:xfrm>
+        <a:prstGeom prst="roundRect">
+          <a:avLst>
+            <a:gd name="adj" fmla="val 10000"/>
+          </a:avLst>
+        </a:prstGeom>
+        <a:solidFill>
+          <a:schemeClr val="accent1">
+            <a:hueOff val="0"/>
+            <a:satOff val="0"/>
+            <a:lumOff val="0"/>
+            <a:alphaOff val="0"/>
+          </a:schemeClr>
+        </a:solidFill>
+        <a:ln w="12700" cap="flat" cmpd="sng" algn="ctr">
+          <a:solidFill>
+            <a:schemeClr val="lt1">
+              <a:hueOff val="0"/>
+              <a:satOff val="0"/>
+              <a:lumOff val="0"/>
+              <a:alphaOff val="0"/>
+            </a:schemeClr>
+          </a:solidFill>
+          <a:prstDash val="solid"/>
+          <a:miter lim="800000"/>
+        </a:ln>
+        <a:effectLst/>
+      </dsp:spPr>
+      <dsp:style>
+        <a:lnRef idx="2">
+          <a:scrgbClr r="0" g="0" b="0"/>
+        </a:lnRef>
+        <a:fillRef idx="1">
+          <a:scrgbClr r="0" g="0" b="0"/>
+        </a:fillRef>
+        <a:effectRef idx="0">
+          <a:scrgbClr r="0" g="0" b="0"/>
+        </a:effectRef>
+        <a:fontRef idx="minor">
+          <a:schemeClr val="lt1"/>
+        </a:fontRef>
+      </dsp:style>
+      <dsp:txBody>
+        <a:bodyPr spcFirstLastPara="0" vert="horz" wrap="square" lIns="87630" tIns="87630" rIns="87630" bIns="87630" numCol="1" spcCol="1270" anchor="ctr" anchorCtr="0">
+          <a:noAutofit/>
+        </a:bodyPr>
+        <a:lstStyle/>
+        <a:p>
+          <a:pPr lvl="0" algn="ctr" defTabSz="1022350">
+            <a:lnSpc>
+              <a:spcPct val="90000"/>
+            </a:lnSpc>
+            <a:spcBef>
+              <a:spcPct val="0"/>
+            </a:spcBef>
+            <a:spcAft>
+              <a:spcPct val="35000"/>
+            </a:spcAft>
+          </a:pPr>
+          <a:r>
+            <a:rPr lang="en-US" sz="2300" kern="1200" dirty="0" smtClean="0"/>
+            <a:t>Login/Register</a:t>
+          </a:r>
+          <a:endParaRPr lang="en-US" sz="2300" kern="1200" dirty="0"/>
+        </a:p>
+      </dsp:txBody>
+      <dsp:txXfrm>
+        <a:off x="41136" y="442532"/>
+        <a:ext cx="1998473" cy="1169964"/>
+      </dsp:txXfrm>
+    </dsp:sp>
+    <dsp:sp modelId="{85191E87-D398-4DED-ACEC-0811F1D794C4}">
+      <dsp:nvSpPr>
+        <dsp:cNvPr id="0" name=""/>
+        <dsp:cNvSpPr/>
+      </dsp:nvSpPr>
+      <dsp:spPr>
+        <a:xfrm>
+          <a:off x="2283135" y="770676"/>
+          <a:ext cx="439109" cy="513675"/>
+        </a:xfrm>
+        <a:prstGeom prst="rightArrow">
+          <a:avLst>
+            <a:gd name="adj1" fmla="val 60000"/>
+            <a:gd name="adj2" fmla="val 50000"/>
+          </a:avLst>
+        </a:prstGeom>
+        <a:solidFill>
+          <a:schemeClr val="accent1">
+            <a:tint val="60000"/>
+            <a:hueOff val="0"/>
+            <a:satOff val="0"/>
+            <a:lumOff val="0"/>
+            <a:alphaOff val="0"/>
+          </a:schemeClr>
+        </a:solidFill>
+        <a:ln>
+          <a:noFill/>
+        </a:ln>
+        <a:effectLst/>
+      </dsp:spPr>
+      <dsp:style>
+        <a:lnRef idx="0">
+          <a:scrgbClr r="0" g="0" b="0"/>
+        </a:lnRef>
+        <a:fillRef idx="1">
+          <a:scrgbClr r="0" g="0" b="0"/>
+        </a:fillRef>
+        <a:effectRef idx="0">
+          <a:scrgbClr r="0" g="0" b="0"/>
+        </a:effectRef>
+        <a:fontRef idx="minor">
+          <a:schemeClr val="lt1"/>
+        </a:fontRef>
+      </dsp:style>
+      <dsp:txBody>
+        <a:bodyPr spcFirstLastPara="0" vert="horz" wrap="square" lIns="0" tIns="0" rIns="0" bIns="0" numCol="1" spcCol="1270" anchor="ctr" anchorCtr="0">
+          <a:noAutofit/>
+        </a:bodyPr>
+        <a:lstStyle/>
+        <a:p>
+          <a:pPr lvl="0" algn="ctr" defTabSz="844550">
+            <a:lnSpc>
+              <a:spcPct val="90000"/>
+            </a:lnSpc>
+            <a:spcBef>
+              <a:spcPct val="0"/>
+            </a:spcBef>
+            <a:spcAft>
+              <a:spcPct val="35000"/>
+            </a:spcAft>
+          </a:pPr>
+          <a:endParaRPr lang="en-US" sz="1900" kern="1200"/>
+        </a:p>
+      </dsp:txBody>
+      <dsp:txXfrm>
+        <a:off x="2283135" y="873411"/>
+        <a:ext cx="307376" cy="308205"/>
+      </dsp:txXfrm>
+    </dsp:sp>
+    <dsp:sp modelId="{BB629AAC-D893-4910-857D-1FA566DB945F}">
+      <dsp:nvSpPr>
+        <dsp:cNvPr id="0" name=""/>
+        <dsp:cNvSpPr/>
+      </dsp:nvSpPr>
+      <dsp:spPr>
+        <a:xfrm>
+          <a:off x="2904516" y="406133"/>
+          <a:ext cx="2071271" cy="1242762"/>
+        </a:xfrm>
+        <a:prstGeom prst="roundRect">
+          <a:avLst>
+            <a:gd name="adj" fmla="val 10000"/>
+          </a:avLst>
+        </a:prstGeom>
+        <a:solidFill>
+          <a:schemeClr val="accent1">
+            <a:hueOff val="0"/>
+            <a:satOff val="0"/>
+            <a:lumOff val="0"/>
+            <a:alphaOff val="0"/>
+          </a:schemeClr>
+        </a:solidFill>
+        <a:ln w="12700" cap="flat" cmpd="sng" algn="ctr">
+          <a:solidFill>
+            <a:schemeClr val="lt1">
+              <a:hueOff val="0"/>
+              <a:satOff val="0"/>
+              <a:lumOff val="0"/>
+              <a:alphaOff val="0"/>
+            </a:schemeClr>
+          </a:solidFill>
+          <a:prstDash val="solid"/>
+          <a:miter lim="800000"/>
+        </a:ln>
+        <a:effectLst/>
+      </dsp:spPr>
+      <dsp:style>
+        <a:lnRef idx="2">
+          <a:scrgbClr r="0" g="0" b="0"/>
+        </a:lnRef>
+        <a:fillRef idx="1">
+          <a:scrgbClr r="0" g="0" b="0"/>
+        </a:fillRef>
+        <a:effectRef idx="0">
+          <a:scrgbClr r="0" g="0" b="0"/>
+        </a:effectRef>
+        <a:fontRef idx="minor">
+          <a:schemeClr val="lt1"/>
+        </a:fontRef>
+      </dsp:style>
+      <dsp:txBody>
+        <a:bodyPr spcFirstLastPara="0" vert="horz" wrap="square" lIns="87630" tIns="87630" rIns="87630" bIns="87630" numCol="1" spcCol="1270" anchor="ctr" anchorCtr="0">
+          <a:noAutofit/>
+        </a:bodyPr>
+        <a:lstStyle/>
+        <a:p>
+          <a:pPr lvl="0" algn="ctr" defTabSz="1022350">
+            <a:lnSpc>
+              <a:spcPct val="90000"/>
+            </a:lnSpc>
+            <a:spcBef>
+              <a:spcPct val="0"/>
+            </a:spcBef>
+            <a:spcAft>
+              <a:spcPct val="35000"/>
+            </a:spcAft>
+          </a:pPr>
+          <a:r>
+            <a:rPr lang="en-US" sz="2300" kern="1200" dirty="0" smtClean="0"/>
+            <a:t>Categories Selection</a:t>
+          </a:r>
+          <a:endParaRPr lang="en-US" sz="2300" kern="1200" dirty="0"/>
+        </a:p>
+      </dsp:txBody>
+      <dsp:txXfrm>
+        <a:off x="2940915" y="442532"/>
+        <a:ext cx="1998473" cy="1169964"/>
+      </dsp:txXfrm>
+    </dsp:sp>
+    <dsp:sp modelId="{C4F4F214-A66D-4A57-9C00-2BFBEC286572}">
+      <dsp:nvSpPr>
+        <dsp:cNvPr id="0" name=""/>
+        <dsp:cNvSpPr/>
+      </dsp:nvSpPr>
+      <dsp:spPr>
+        <a:xfrm>
+          <a:off x="5182914" y="770676"/>
+          <a:ext cx="439109" cy="513675"/>
+        </a:xfrm>
+        <a:prstGeom prst="rightArrow">
+          <a:avLst>
+            <a:gd name="adj1" fmla="val 60000"/>
+            <a:gd name="adj2" fmla="val 50000"/>
+          </a:avLst>
+        </a:prstGeom>
+        <a:solidFill>
+          <a:schemeClr val="accent1">
+            <a:tint val="60000"/>
+            <a:hueOff val="0"/>
+            <a:satOff val="0"/>
+            <a:lumOff val="0"/>
+            <a:alphaOff val="0"/>
+          </a:schemeClr>
+        </a:solidFill>
+        <a:ln>
+          <a:noFill/>
+        </a:ln>
+        <a:effectLst/>
+      </dsp:spPr>
+      <dsp:style>
+        <a:lnRef idx="0">
+          <a:scrgbClr r="0" g="0" b="0"/>
+        </a:lnRef>
+        <a:fillRef idx="1">
+          <a:scrgbClr r="0" g="0" b="0"/>
+        </a:fillRef>
+        <a:effectRef idx="0">
+          <a:scrgbClr r="0" g="0" b="0"/>
+        </a:effectRef>
+        <a:fontRef idx="minor">
+          <a:schemeClr val="lt1"/>
+        </a:fontRef>
+      </dsp:style>
+      <dsp:txBody>
+        <a:bodyPr spcFirstLastPara="0" vert="horz" wrap="square" lIns="0" tIns="0" rIns="0" bIns="0" numCol="1" spcCol="1270" anchor="ctr" anchorCtr="0">
+          <a:noAutofit/>
+        </a:bodyPr>
+        <a:lstStyle/>
+        <a:p>
+          <a:pPr lvl="0" algn="ctr" defTabSz="844550">
+            <a:lnSpc>
+              <a:spcPct val="90000"/>
+            </a:lnSpc>
+            <a:spcBef>
+              <a:spcPct val="0"/>
+            </a:spcBef>
+            <a:spcAft>
+              <a:spcPct val="35000"/>
+            </a:spcAft>
+          </a:pPr>
+          <a:endParaRPr lang="en-US" sz="1900" kern="1200"/>
+        </a:p>
+      </dsp:txBody>
+      <dsp:txXfrm>
+        <a:off x="5182914" y="873411"/>
+        <a:ext cx="307376" cy="308205"/>
+      </dsp:txXfrm>
+    </dsp:sp>
+    <dsp:sp modelId="{E932B47C-E8B4-423C-A9B6-DBD0A79178DF}">
+      <dsp:nvSpPr>
+        <dsp:cNvPr id="0" name=""/>
+        <dsp:cNvSpPr/>
+      </dsp:nvSpPr>
+      <dsp:spPr>
+        <a:xfrm>
+          <a:off x="5804296" y="406133"/>
+          <a:ext cx="2071271" cy="1242762"/>
+        </a:xfrm>
+        <a:prstGeom prst="roundRect">
+          <a:avLst>
+            <a:gd name="adj" fmla="val 10000"/>
+          </a:avLst>
+        </a:prstGeom>
+        <a:solidFill>
+          <a:schemeClr val="accent1">
+            <a:hueOff val="0"/>
+            <a:satOff val="0"/>
+            <a:lumOff val="0"/>
+            <a:alphaOff val="0"/>
+          </a:schemeClr>
+        </a:solidFill>
+        <a:ln w="12700" cap="flat" cmpd="sng" algn="ctr">
+          <a:solidFill>
+            <a:schemeClr val="lt1">
+              <a:hueOff val="0"/>
+              <a:satOff val="0"/>
+              <a:lumOff val="0"/>
+              <a:alphaOff val="0"/>
+            </a:schemeClr>
+          </a:solidFill>
+          <a:prstDash val="solid"/>
+          <a:miter lim="800000"/>
+        </a:ln>
+        <a:effectLst/>
+      </dsp:spPr>
+      <dsp:style>
+        <a:lnRef idx="2">
+          <a:scrgbClr r="0" g="0" b="0"/>
+        </a:lnRef>
+        <a:fillRef idx="1">
+          <a:scrgbClr r="0" g="0" b="0"/>
+        </a:fillRef>
+        <a:effectRef idx="0">
+          <a:scrgbClr r="0" g="0" b="0"/>
+        </a:effectRef>
+        <a:fontRef idx="minor">
+          <a:schemeClr val="lt1"/>
+        </a:fontRef>
+      </dsp:style>
+      <dsp:txBody>
+        <a:bodyPr spcFirstLastPara="0" vert="horz" wrap="square" lIns="87630" tIns="87630" rIns="87630" bIns="87630" numCol="1" spcCol="1270" anchor="ctr" anchorCtr="0">
+          <a:noAutofit/>
+        </a:bodyPr>
+        <a:lstStyle/>
+        <a:p>
+          <a:pPr lvl="0" algn="ctr" defTabSz="1022350">
+            <a:lnSpc>
+              <a:spcPct val="90000"/>
+            </a:lnSpc>
+            <a:spcBef>
+              <a:spcPct val="0"/>
+            </a:spcBef>
+            <a:spcAft>
+              <a:spcPct val="35000"/>
+            </a:spcAft>
+          </a:pPr>
+          <a:r>
+            <a:rPr lang="en-US" sz="2300" kern="1200" dirty="0" smtClean="0"/>
+            <a:t>FLIP Kit Selection</a:t>
+          </a:r>
+          <a:endParaRPr lang="en-US" sz="2300" kern="1200" dirty="0"/>
+        </a:p>
+      </dsp:txBody>
+      <dsp:txXfrm>
+        <a:off x="5840695" y="442532"/>
+        <a:ext cx="1998473" cy="1169964"/>
+      </dsp:txXfrm>
+    </dsp:sp>
+    <dsp:sp modelId="{5F7C5BC5-355B-4FA7-BC77-46AE2BF1FA6C}">
+      <dsp:nvSpPr>
+        <dsp:cNvPr id="0" name=""/>
+        <dsp:cNvSpPr/>
+      </dsp:nvSpPr>
+      <dsp:spPr>
+        <a:xfrm>
+          <a:off x="8082694" y="770676"/>
+          <a:ext cx="439109" cy="513675"/>
+        </a:xfrm>
+        <a:prstGeom prst="rightArrow">
+          <a:avLst>
+            <a:gd name="adj1" fmla="val 60000"/>
+            <a:gd name="adj2" fmla="val 50000"/>
+          </a:avLst>
+        </a:prstGeom>
+        <a:solidFill>
+          <a:schemeClr val="accent1">
+            <a:tint val="60000"/>
+            <a:hueOff val="0"/>
+            <a:satOff val="0"/>
+            <a:lumOff val="0"/>
+            <a:alphaOff val="0"/>
+          </a:schemeClr>
+        </a:solidFill>
+        <a:ln>
+          <a:noFill/>
+        </a:ln>
+        <a:effectLst/>
+      </dsp:spPr>
+      <dsp:style>
+        <a:lnRef idx="0">
+          <a:scrgbClr r="0" g="0" b="0"/>
+        </a:lnRef>
+        <a:fillRef idx="1">
+          <a:scrgbClr r="0" g="0" b="0"/>
+        </a:fillRef>
+        <a:effectRef idx="0">
+          <a:scrgbClr r="0" g="0" b="0"/>
+        </a:effectRef>
+        <a:fontRef idx="minor">
+          <a:schemeClr val="lt1"/>
+        </a:fontRef>
+      </dsp:style>
+      <dsp:txBody>
+        <a:bodyPr spcFirstLastPara="0" vert="horz" wrap="square" lIns="0" tIns="0" rIns="0" bIns="0" numCol="1" spcCol="1270" anchor="ctr" anchorCtr="0">
+          <a:noAutofit/>
+        </a:bodyPr>
+        <a:lstStyle/>
+        <a:p>
+          <a:pPr lvl="0" algn="ctr" defTabSz="844550">
+            <a:lnSpc>
+              <a:spcPct val="90000"/>
+            </a:lnSpc>
+            <a:spcBef>
+              <a:spcPct val="0"/>
+            </a:spcBef>
+            <a:spcAft>
+              <a:spcPct val="35000"/>
+            </a:spcAft>
+          </a:pPr>
+          <a:endParaRPr lang="en-US" sz="1900" kern="1200"/>
+        </a:p>
+      </dsp:txBody>
+      <dsp:txXfrm>
+        <a:off x="8082694" y="873411"/>
+        <a:ext cx="307376" cy="308205"/>
+      </dsp:txXfrm>
+    </dsp:sp>
+    <dsp:sp modelId="{99E94813-72A5-4B6C-B1D7-092AC96C0932}">
+      <dsp:nvSpPr>
+        <dsp:cNvPr id="0" name=""/>
+        <dsp:cNvSpPr/>
+      </dsp:nvSpPr>
+      <dsp:spPr>
+        <a:xfrm>
+          <a:off x="8704075" y="406133"/>
+          <a:ext cx="2071271" cy="1242762"/>
+        </a:xfrm>
+        <a:prstGeom prst="roundRect">
+          <a:avLst>
+            <a:gd name="adj" fmla="val 10000"/>
+          </a:avLst>
+        </a:prstGeom>
+        <a:solidFill>
+          <a:schemeClr val="accent1">
+            <a:hueOff val="0"/>
+            <a:satOff val="0"/>
+            <a:lumOff val="0"/>
+            <a:alphaOff val="0"/>
+          </a:schemeClr>
+        </a:solidFill>
+        <a:ln w="12700" cap="flat" cmpd="sng" algn="ctr">
+          <a:solidFill>
+            <a:schemeClr val="lt1">
+              <a:hueOff val="0"/>
+              <a:satOff val="0"/>
+              <a:lumOff val="0"/>
+              <a:alphaOff val="0"/>
+            </a:schemeClr>
+          </a:solidFill>
+          <a:prstDash val="solid"/>
+          <a:miter lim="800000"/>
+        </a:ln>
+        <a:effectLst/>
+      </dsp:spPr>
+      <dsp:style>
+        <a:lnRef idx="2">
+          <a:scrgbClr r="0" g="0" b="0"/>
+        </a:lnRef>
+        <a:fillRef idx="1">
+          <a:scrgbClr r="0" g="0" b="0"/>
+        </a:fillRef>
+        <a:effectRef idx="0">
+          <a:scrgbClr r="0" g="0" b="0"/>
+        </a:effectRef>
+        <a:fontRef idx="minor">
+          <a:schemeClr val="lt1"/>
+        </a:fontRef>
+      </dsp:style>
+      <dsp:txBody>
+        <a:bodyPr spcFirstLastPara="0" vert="horz" wrap="square" lIns="87630" tIns="87630" rIns="87630" bIns="87630" numCol="1" spcCol="1270" anchor="ctr" anchorCtr="0">
+          <a:noAutofit/>
+        </a:bodyPr>
+        <a:lstStyle/>
+        <a:p>
+          <a:pPr lvl="0" algn="ctr" defTabSz="1022350">
+            <a:lnSpc>
+              <a:spcPct val="90000"/>
+            </a:lnSpc>
+            <a:spcBef>
+              <a:spcPct val="0"/>
+            </a:spcBef>
+            <a:spcAft>
+              <a:spcPct val="35000"/>
+            </a:spcAft>
+          </a:pPr>
+          <a:r>
+            <a:rPr lang="en-US" sz="2300" kern="1200" dirty="0" smtClean="0"/>
+            <a:t>Tabular Navigation per Flip Kit</a:t>
+          </a:r>
+          <a:endParaRPr lang="en-US" sz="2300" kern="1200" dirty="0"/>
+        </a:p>
+      </dsp:txBody>
+      <dsp:txXfrm>
+        <a:off x="8740474" y="442532"/>
+        <a:ext cx="1998473" cy="1169964"/>
+      </dsp:txXfrm>
+    </dsp:sp>
+  </dsp:spTree>
+</dsp:drawing>
+</file>
+
+<file path=ppt/diagrams/layout1.xml><?xml version="1.0" encoding="utf-8"?>
+<dgm:layoutDef xmlns:dgm="http://schemas.openxmlformats.org/drawingml/2006/diagram" xmlns:a="http://schemas.openxmlformats.org/drawingml/2006/main" uniqueId="urn:microsoft.com/office/officeart/2005/8/layout/process1">
+  <dgm:title val=""/>
+  <dgm:desc val=""/>
+  <dgm:catLst>
+    <dgm:cat type="process" pri="1000"/>
+    <dgm:cat type="convert" pri="15000"/>
+  </dgm:catLst>
+  <dgm:sampData useDef="1">
+    <dgm:dataModel>
+      <dgm:ptLst/>
+      <dgm:bg/>
+      <dgm:whole/>
+    </dgm:dataModel>
+  </dgm:sampData>
+  <dgm:styleData>
+    <dgm:dataModel>
+      <dgm:ptLst>
+        <dgm:pt modelId="0" type="doc"/>
+        <dgm:pt modelId="1"/>
+        <dgm:pt modelId="2"/>
+      </dgm:ptLst>
+      <dgm:cxnLst>
+        <dgm:cxn modelId="3" srcId="0" destId="1" srcOrd="0" destOrd="0"/>
+        <dgm:cxn modelId="4" srcId="0" destId="2" srcOrd="1" destOrd="0"/>
+      </dgm:cxnLst>
+      <dgm:bg/>
+      <dgm:whole/>
+    </dgm:dataModel>
+  </dgm:styleData>
+  <dgm:clrData>
+    <dgm:dataModel>
+      <dgm:ptLst>
+        <dgm:pt modelId="0" type="doc"/>
+        <dgm:pt modelId="1"/>
+        <dgm:pt modelId="2"/>
+        <dgm:pt modelId="3"/>
+        <dgm:pt modelId="4"/>
+      </dgm:ptLst>
+      <dgm:cxnLst>
+        <dgm:cxn modelId="5" srcId="0" destId="1" srcOrd="0" destOrd="0"/>
+        <dgm:cxn modelId="6" srcId="0" destId="2" srcOrd="1" destOrd="0"/>
+        <dgm:cxn modelId="7" srcId="0" destId="3" srcOrd="2" destOrd="0"/>
+        <dgm:cxn modelId="8" srcId="0" destId="4" srcOrd="3" destOrd="0"/>
+      </dgm:cxnLst>
+      <dgm:bg/>
+      <dgm:whole/>
+    </dgm:dataModel>
+  </dgm:clrData>
+  <dgm:layoutNode name="Name0">
+    <dgm:varLst>
+      <dgm:dir/>
+      <dgm:resizeHandles val="exact"/>
+    </dgm:varLst>
+    <dgm:choose name="Name1">
+      <dgm:if name="Name2" func="var" arg="dir" op="equ" val="norm">
+        <dgm:alg type="lin"/>
+      </dgm:if>
+      <dgm:else name="Name3">
+        <dgm:alg type="lin">
+          <dgm:param type="linDir" val="fromR"/>
+        </dgm:alg>
+      </dgm:else>
+    </dgm:choose>
+    <dgm:shape xmlns:r="http://schemas.openxmlformats.org/officeDocument/2006/relationships" r:blip="">
+      <dgm:adjLst/>
+    </dgm:shape>
+    <dgm:presOf/>
+    <dgm:constrLst>
+      <dgm:constr type="w" for="ch" ptType="node" refType="w"/>
+      <dgm:constr type="h" for="ch" ptType="node" op="equ"/>
+      <dgm:constr type="primFontSz" for="ch" ptType="node" op="equ" val="65"/>
+      <dgm:constr type="w" for="ch" ptType="sibTrans" refType="w" refFor="ch" refPtType="node" op="equ" fact="0.4"/>
+      <dgm:constr type="h" for="ch" ptType="sibTrans" op="equ"/>
+      <dgm:constr type="primFontSz" for="des" forName="connectorText" op="equ" val="55"/>
+      <dgm:constr type="primFontSz" for="des" forName="connectorText" refType="primFontSz" refFor="ch" refPtType="node" op="lte" fact="0.8"/>
+    </dgm:constrLst>
+    <dgm:ruleLst/>
+    <dgm:forEach name="nodesForEach" axis="ch" ptType="node">
+      <dgm:layoutNode name="node">
+        <dgm:varLst>
+          <dgm:bulletEnabled val="1"/>
+        </dgm:varLst>
+        <dgm:alg type="tx"/>
+        <dgm:shape xmlns:r="http://schemas.openxmlformats.org/officeDocument/2006/relationships" type="roundRect" r:blip="">
+          <dgm:adjLst>
+            <dgm:adj idx="1" val="0.1"/>
+          </dgm:adjLst>
+        </dgm:shape>
+        <dgm:presOf axis="desOrSelf" ptType="node"/>
+        <dgm:constrLst>
+          <dgm:constr type="h" refType="w" fact="0.6"/>
+          <dgm:constr type="tMarg" refType="primFontSz" fact="0.3"/>
+          <dgm:constr type="bMarg" refType="primFontSz" fact="0.3"/>
+          <dgm:constr type="lMarg" refType="primFontSz" fact="0.3"/>
+          <dgm:constr type="rMarg" refType="primFontSz" fact="0.3"/>
+        </dgm:constrLst>
+        <dgm:ruleLst>
+          <dgm:rule type="primFontSz" val="18" fact="NaN" max="NaN"/>
+          <dgm:rule type="h" val="NaN" fact="1.5" max="NaN"/>
+          <dgm:rule type="primFontSz" val="5" fact="NaN" max="NaN"/>
+          <dgm:rule type="h" val="INF" fact="NaN" max="NaN"/>
+        </dgm:ruleLst>
+      </dgm:layoutNode>
+      <dgm:forEach name="sibTransForEach" axis="followSib" ptType="sibTrans" cnt="1">
+        <dgm:layoutNode name="sibTrans">
+          <dgm:alg type="conn">
+            <dgm:param type="begPts" val="auto"/>
+            <dgm:param type="endPts" val="auto"/>
+          </dgm:alg>
+          <dgm:shape xmlns:r="http://schemas.openxmlformats.org/officeDocument/2006/relationships" type="conn" r:blip="">
+            <dgm:adjLst/>
+          </dgm:shape>
+          <dgm:presOf axis="self"/>
+          <dgm:constrLst>
+            <dgm:constr type="h" refType="w" fact="0.62"/>
+            <dgm:constr type="connDist"/>
+            <dgm:constr type="begPad" refType="connDist" fact="0.25"/>
+            <dgm:constr type="endPad" refType="connDist" fact="0.22"/>
+          </dgm:constrLst>
+          <dgm:ruleLst/>
+          <dgm:layoutNode name="connectorText">
+            <dgm:alg type="tx">
+              <dgm:param type="autoTxRot" val="grav"/>
+            </dgm:alg>
+            <dgm:shape xmlns:r="http://schemas.openxmlformats.org/officeDocument/2006/relationships" type="conn" r:blip="" hideGeom="1">
+              <dgm:adjLst/>
+            </dgm:shape>
+            <dgm:presOf axis="self"/>
+            <dgm:constrLst>
+              <dgm:constr type="lMarg"/>
+              <dgm:constr type="rMarg"/>
+              <dgm:constr type="tMarg"/>
+              <dgm:constr type="bMarg"/>
+            </dgm:constrLst>
+            <dgm:ruleLst>
+              <dgm:rule type="primFontSz" val="5" fact="NaN" max="NaN"/>
+            </dgm:ruleLst>
+          </dgm:layoutNode>
+        </dgm:layoutNode>
+      </dgm:forEach>
+    </dgm:forEach>
+  </dgm:layoutNode>
+</dgm:layoutDef>
+</file>
+
+<file path=ppt/diagrams/quickStyle1.xml><?xml version="1.0" encoding="utf-8"?>
+<dgm:styleDef xmlns:dgm="http://schemas.openxmlformats.org/drawingml/2006/diagram" xmlns:a="http://schemas.openxmlformats.org/drawingml/2006/main" uniqueId="urn:microsoft.com/office/officeart/2005/8/quickstyle/simple1">
+  <dgm:title val=""/>
+  <dgm:desc val=""/>
+  <dgm:catLst>
+    <dgm:cat type="simple" pri="10100"/>
+  </dgm:catLst>
+  <dgm:scene3d>
+    <a:camera prst="orthographicFront"/>
+    <a:lightRig rig="threePt" dir="t"/>
+  </dgm:scene3d>
+  <dgm:styleLbl name="node0">
+    <dgm:scene3d>
+      <a:camera prst="orthographicFront"/>
+      <a:lightRig rig="threePt" dir="t"/>
+    </dgm:scene3d>
+    <dgm:sp3d/>
+    <dgm:txPr/>
+    <dgm:style>
+      <a:lnRef idx="2">
+        <a:scrgbClr r="0" g="0" b="0"/>
+      </a:lnRef>
+      <a:fillRef idx="1">
+        <a:scrgbClr r="0" g="0" b="0"/>
+      </a:fillRef>
+      <a:effectRef idx="0">
+        <a:scrgbClr r="0" g="0" b="0"/>
+      </a:effectRef>
+      <a:fontRef idx="minor">
+        <a:schemeClr val="lt1"/>
+      </a:fontRef>
+    </dgm:style>
+  </dgm:styleLbl>
+  <dgm:styleLbl name="lnNode1">
+    <dgm:scene3d>
+      <a:camera prst="orthographicFront"/>
+      <a:lightRig rig="threePt" dir="t"/>
+    </dgm:scene3d>
+    <dgm:sp3d/>
+    <dgm:txPr/>
+    <dgm:style>
+      <a:lnRef idx="2">
+        <a:scrgbClr r="0" g="0" b="0"/>
+      </a:lnRef>
+      <a:fillRef idx="1">
+        <a:scrgbClr r="0" g="0" b="0"/>
+      </a:fillRef>
+      <a:effectRef idx="0">
+        <a:scrgbClr r="0" g="0" b="0"/>
+      </a:effectRef>
+      <a:fontRef idx="minor">
+        <a:schemeClr val="lt1"/>
+      </a:fontRef>
+    </dgm:style>
+  </dgm:styleLbl>
+  <dgm:styleLbl name="vennNode1">
+    <dgm:scene3d>
+      <a:camera prst="orthographicFront"/>
+      <a:lightRig rig="threePt" dir="t"/>
+    </dgm:scene3d>
+    <dgm:sp3d/>
+    <dgm:txPr/>
+    <dgm:style>
+      <a:lnRef idx="2">
+        <a:scrgbClr r="0" g="0" b="0"/>
+      </a:lnRef>
+      <a:fillRef idx="1">
+        <a:scrgbClr r="0" g="0" b="0"/>
+      </a:fillRef>
+      <a:effectRef idx="0">
+        <a:scrgbClr r="0" g="0" b="0"/>
+      </a:effectRef>
+      <a:fontRef idx="minor">
+        <a:schemeClr val="tx1"/>
+      </a:fontRef>
+    </dgm:style>
+  </dgm:styleLbl>
+  <dgm:styleLbl name="alignNode1">
+    <dgm:scene3d>
+      <a:camera prst="orthographicFront"/>
+      <a:lightRig rig="threePt" dir="t"/>
+    </dgm:scene3d>
+    <dgm:sp3d/>
+    <dgm:txPr/>
+    <dgm:style>
+      <a:lnRef idx="2">
+        <a:scrgbClr r="0" g="0" b="0"/>
+      </a:lnRef>
+      <a:fillRef idx="1">
+        <a:scrgbClr r="0" g="0" b="0"/>
+      </a:fillRef>
+      <a:effectRef idx="0">
+        <a:scrgbClr r="0" g="0" b="0"/>
+      </a:effectRef>
+      <a:fontRef idx="minor">
+        <a:schemeClr val="lt1"/>
+      </a:fontRef>
+    </dgm:style>
+  </dgm:styleLbl>
+  <dgm:styleLbl name="node1">
+    <dgm:scene3d>
+      <a:camera prst="orthographicFront"/>
+      <a:lightRig rig="threePt" dir="t"/>
+    </dgm:scene3d>
+    <dgm:sp3d/>
+    <dgm:txPr/>
+    <dgm:style>
+      <a:lnRef idx="2">
+        <a:scrgbClr r="0" g="0" b="0"/>
+      </a:lnRef>
+      <a:fillRef idx="1">
+        <a:scrgbClr r="0" g="0" b="0"/>
+      </a:fillRef>
+      <a:effectRef idx="0">
+        <a:scrgbClr r="0" g="0" b="0"/>
+      </a:effectRef>
+      <a:fontRef idx="minor">
+        <a:schemeClr val="lt1"/>
+      </a:fontRef>
+    </dgm:style>
+  </dgm:styleLbl>
+  <dgm:styleLbl name="node2">
+    <dgm:scene3d>
+      <a:camera prst="orthographicFront"/>
+      <a:lightRig rig="threePt" dir="t"/>
+    </dgm:scene3d>
+    <dgm:sp3d/>
+    <dgm:txPr/>
+    <dgm:style>
+      <a:lnRef idx="2">
+        <a:scrgbClr r="0" g="0" b="0"/>
+      </a:lnRef>
+      <a:fillRef idx="1">
+        <a:scrgbClr r="0" g="0" b="0"/>
+      </a:fillRef>
+      <a:effectRef idx="0">
+        <a:scrgbClr r="0" g="0" b="0"/>
+      </a:effectRef>
+      <a:fontRef idx="minor">
+        <a:schemeClr val="lt1"/>
+      </a:fontRef>
+    </dgm:style>
+  </dgm:styleLbl>
+  <dgm:styleLbl name="node3">
+    <dgm:scene3d>
+      <a:camera prst="orthographicFront"/>
+      <a:lightRig rig="threePt" dir="t"/>
+    </dgm:scene3d>
+    <dgm:sp3d/>
+    <dgm:txPr/>
+    <dgm:style>
+      <a:lnRef idx="2">
+        <a:scrgbClr r="0" g="0" b="0"/>
+      </a:lnRef>
+      <a:fillRef idx="1">
+        <a:scrgbClr r="0" g="0" b="0"/>
+      </a:fillRef>
+      <a:effectRef idx="0">
+        <a:scrgbClr r="0" g="0" b="0"/>
+      </a:effectRef>
+      <a:fontRef idx="minor">
+        <a:schemeClr val="lt1"/>
+      </a:fontRef>
+    </dgm:style>
+  </dgm:styleLbl>
+  <dgm:styleLbl name="node4">
+    <dgm:scene3d>
+      <a:camera prst="orthographicFront"/>
+      <a:lightRig rig="threePt" dir="t"/>
+    </dgm:scene3d>
+    <dgm:sp3d/>
+    <dgm:txPr/>
+    <dgm:style>
+      <a:lnRef idx="2">
+        <a:scrgbClr r="0" g="0" b="0"/>
+      </a:lnRef>
+      <a:fillRef idx="1">
+        <a:scrgbClr r="0" g="0" b="0"/>
+      </a:fillRef>
+      <a:effectRef idx="0">
+        <a:scrgbClr r="0" g="0" b="0"/>
+      </a:effectRef>
+      <a:fontRef idx="minor">
+        <a:schemeClr val="lt1"/>
+      </a:fontRef>
+    </dgm:style>
+  </dgm:styleLbl>
+  <dgm:styleLbl name="fgImgPlace1">
+    <dgm:scene3d>
+      <a:camera prst="orthographicFront"/>
+      <a:lightRig rig="threePt" dir="t"/>
+    </dgm:scene3d>
+    <dgm:sp3d/>
+    <dgm:txPr/>
+    <dgm:style>
+      <a:lnRef idx="2">
+        <a:scrgbClr r="0" g="0" b="0"/>
+      </a:lnRef>
+      <a:fillRef idx="1">
+        <a:scrgbClr r="0" g="0" b="0"/>
+      </a:fillRef>
+      <a:effectRef idx="0">
+        <a:scrgbClr r="0" g="0" b="0"/>
+      </a:effectRef>
+      <a:fontRef idx="minor"/>
+    </dgm:style>
+  </dgm:styleLbl>
+  <dgm:styleLbl name="alignImgPlace1">
+    <dgm:scene3d>
+      <a:camera prst="orthographicFront"/>
+      <a:lightRig rig="threePt" dir="t"/>
+    </dgm:scene3d>
+    <dgm:sp3d/>
+    <dgm:txPr/>
+    <dgm:style>
+      <a:lnRef idx="2">
+        <a:scrgbClr r="0" g="0" b="0"/>
+      </a:lnRef>
+      <a:fillRef idx="1">
+        <a:scrgbClr r="0" g="0" b="0"/>
+      </a:fillRef>
+      <a:effectRef idx="0">
+        <a:scrgbClr r="0" g="0" b="0"/>
+      </a:effectRef>
+      <a:fontRef idx="minor"/>
+    </dgm:style>
+  </dgm:styleLbl>
+  <dgm:styleLbl name="bgImgPlace1">
+    <dgm:scene3d>
+      <a:camera prst="orthographicFront"/>
+      <a:lightRig rig="threePt" dir="t"/>
+    </dgm:scene3d>
+    <dgm:sp3d/>
+    <dgm:txPr/>
+    <dgm:style>
+      <a:lnRef idx="2">
+        <a:scrgbClr r="0" g="0" b="0"/>
+      </a:lnRef>
+      <a:fillRef idx="1">
+        <a:scrgbClr r="0" g="0" b="0"/>
+      </a:fillRef>
+      <a:effectRef idx="0">
+        <a:scrgbClr r="0" g="0" b="0"/>
+      </a:effectRef>
+      <a:fontRef idx="minor"/>
+    </dgm:style>
+  </dgm:styleLbl>
+  <dgm:styleLbl name="sibTrans2D1">
+    <dgm:scene3d>
+      <a:camera prst="orthographicFront"/>
+      <a:lightRig rig="threePt" dir="t"/>
+    </dgm:scene3d>
+    <dgm:sp3d/>
+    <dgm:txPr/>
+    <dgm:style>
+      <a:lnRef idx="0">
+        <a:scrgbClr r="0" g="0" b="0"/>
+      </a:lnRef>
+      <a:fillRef idx="1">
+        <a:scrgbClr r="0" g="0" b="0"/>
+      </a:fillRef>
+      <a:effectRef idx="0">
+        <a:scrgbClr r="0" g="0" b="0"/>
+      </a:effectRef>
+      <a:fontRef idx="minor">
+        <a:schemeClr val="lt1"/>
+      </a:fontRef>
+    </dgm:style>
+  </dgm:styleLbl>
+  <dgm:styleLbl name="fgSibTrans2D1">
+    <dgm:scene3d>
+      <a:camera prst="orthographicFront"/>
+      <a:lightRig rig="threePt" dir="t"/>
+    </dgm:scene3d>
+    <dgm:sp3d/>
+    <dgm:txPr/>
+    <dgm:style>
+      <a:lnRef idx="0">
+        <a:scrgbClr r="0" g="0" b="0"/>
+      </a:lnRef>
+      <a:fillRef idx="1">
+        <a:scrgbClr r="0" g="0" b="0"/>
+      </a:fillRef>
+      <a:effectRef idx="0">
+        <a:scrgbClr r="0" g="0" b="0"/>
+      </a:effectRef>
+      <a:fontRef idx="minor">
+        <a:schemeClr val="lt1"/>
+      </a:fontRef>
+    </dgm:style>
+  </dgm:styleLbl>
+  <dgm:styleLbl name="bgSibTrans2D1">
+    <dgm:scene3d>
+      <a:camera prst="orthographicFront"/>
+      <a:lightRig rig="threePt" dir="t"/>
+    </dgm:scene3d>
+    <dgm:sp3d/>
+    <dgm:txPr/>
+    <dgm:style>
+      <a:lnRef idx="0">
+        <a:scrgbClr r="0" g="0" b="0"/>
+      </a:lnRef>
+      <a:fillRef idx="1">
+        <a:scrgbClr r="0" g="0" b="0"/>
+      </a:fillRef>
+      <a:effectRef idx="0">
+        <a:scrgbClr r="0" g="0" b="0"/>
+      </a:effectRef>
+      <a:fontRef idx="minor">
+        <a:schemeClr val="lt1"/>
+      </a:fontRef>
+    </dgm:style>
+  </dgm:styleLbl>
+  <dgm:styleLbl name="sibTrans1D1">
+    <dgm:scene3d>
+      <a:camera prst="orthographicFront"/>
+      <a:lightRig rig="threePt" dir="t"/>
+    </dgm:scene3d>
+    <dgm:sp3d/>
+    <dgm:txPr/>
+    <dgm:style>
+      <a:lnRef idx="1">
+        <a:scrgbClr r="0" g="0" b="0"/>
+      </a:lnRef>
+      <a:fillRef idx="0">
+        <a:scrgbClr r="0" g="0" b="0"/>
+      </a:fillRef>
+      <a:effectRef idx="0">
+        <a:scrgbClr r="0" g="0" b="0"/>
+      </a:effectRef>
+      <a:fontRef idx="minor"/>
+    </dgm:style>
+  </dgm:styleLbl>
+  <dgm:styleLbl name="callout">
+    <dgm:scene3d>
+      <a:camera prst="orthographicFront"/>
+      <a:lightRig rig="threePt" dir="t"/>
+    </dgm:scene3d>
+    <dgm:sp3d/>
+    <dgm:txPr/>
+    <dgm:style>
+      <a:lnRef idx="2">
+        <a:scrgbClr r="0" g="0" b="0"/>
+      </a:lnRef>
+      <a:fillRef idx="1">
+        <a:scrgbClr r="0" g="0" b="0"/>
+      </a:fillRef>
+      <a:effectRef idx="0">
+        <a:scrgbClr r="0" g="0" b="0"/>
+      </a:effectRef>
+      <a:fontRef idx="minor"/>
+    </dgm:style>
+  </dgm:styleLbl>
+  <dgm:styleLbl name="asst0">
+    <dgm:scene3d>
+      <a:camera prst="orthographicFront"/>
+      <a:lightRig rig="threePt" dir="t"/>
+    </dgm:scene3d>
+    <dgm:sp3d/>
+    <dgm:txPr/>
+    <dgm:style>
+      <a:lnRef idx="2">
+        <a:scrgbClr r="0" g="0" b="0"/>
+      </a:lnRef>
+      <a:fillRef idx="1">
+        <a:scrgbClr r="0" g="0" b="0"/>
+      </a:fillRef>
+      <a:effectRef idx="0">
+        <a:scrgbClr r="0" g="0" b="0"/>
+      </a:effectRef>
+      <a:fontRef idx="minor">
+        <a:schemeClr val="lt1"/>
+      </a:fontRef>
+    </dgm:style>
+  </dgm:styleLbl>
+  <dgm:styleLbl name="asst1">
+    <dgm:scene3d>
+      <a:camera prst="orthographicFront"/>
+      <a:lightRig rig="threePt" dir="t"/>
+    </dgm:scene3d>
+    <dgm:sp3d/>
+    <dgm:txPr/>
+    <dgm:style>
+      <a:lnRef idx="2">
+        <a:scrgbClr r="0" g="0" b="0"/>
+      </a:lnRef>
+      <a:fillRef idx="1">
+        <a:scrgbClr r="0" g="0" b="0"/>
+      </a:fillRef>
+      <a:effectRef idx="0">
+        <a:scrgbClr r="0" g="0" b="0"/>
+      </a:effectRef>
+      <a:fontRef idx="minor">
+        <a:schemeClr val="lt1"/>
+      </a:fontRef>
+    </dgm:style>
+  </dgm:styleLbl>
+  <dgm:styleLbl name="asst2">
+    <dgm:scene3d>
+      <a:camera prst="orthographicFront"/>
+      <a:lightRig rig="threePt" dir="t"/>
+    </dgm:scene3d>
+    <dgm:sp3d/>
+    <dgm:txPr/>
+    <dgm:style>
+      <a:lnRef idx="2">
+        <a:scrgbClr r="0" g="0" b="0"/>
+      </a:lnRef>
+      <a:fillRef idx="1">
+        <a:scrgbClr r="0" g="0" b="0"/>
+      </a:fillRef>
+      <a:effectRef idx="0">
+        <a:scrgbClr r="0" g="0" b="0"/>
+      </a:effectRef>
+      <a:fontRef idx="minor">
+        <a:schemeClr val="lt1"/>
+      </a:fontRef>
+    </dgm:style>
+  </dgm:styleLbl>
+  <dgm:styleLbl name="asst3">
+    <dgm:scene3d>
+      <a:camera prst="orthographicFront"/>
+      <a:lightRig rig="threePt" dir="t"/>
+    </dgm:scene3d>
+    <dgm:sp3d/>
+    <dgm:txPr/>
+    <dgm:style>
+      <a:lnRef idx="2">
+        <a:scrgbClr r="0" g="0" b="0"/>
+      </a:lnRef>
+      <a:fillRef idx="1">
+        <a:scrgbClr r="0" g="0" b="0"/>
+      </a:fillRef>
+      <a:effectRef idx="0">
+        <a:scrgbClr r="0" g="0" b="0"/>
+      </a:effectRef>
+      <a:fontRef idx="minor">
+        <a:schemeClr val="lt1"/>
+      </a:fontRef>
+    </dgm:style>
+  </dgm:styleLbl>
+  <dgm:styleLbl name="asst4">
+    <dgm:scene3d>
+      <a:camera prst="orthographicFront"/>
+      <a:lightRig rig="threePt" dir="t"/>
+    </dgm:scene3d>
+    <dgm:sp3d/>
+    <dgm:txPr/>
+    <dgm:style>
+      <a:lnRef idx="2">
+        <a:scrgbClr r="0" g="0" b="0"/>
+      </a:lnRef>
+      <a:fillRef idx="1">
+        <a:scrgbClr r="0" g="0" b="0"/>
+      </a:fillRef>
+      <a:effectRef idx="0">
+        <a:scrgbClr r="0" g="0" b="0"/>
+      </a:effectRef>
+      <a:fontRef idx="minor">
+        <a:schemeClr val="lt1"/>
+      </a:fontRef>
+    </dgm:style>
+  </dgm:styleLbl>
+  <dgm:styleLbl name="parChTrans2D1">
+    <dgm:scene3d>
+      <a:camera prst="orthographicFront"/>
+      <a:lightRig rig="threePt" dir="t"/>
+    </dgm:scene3d>
+    <dgm:sp3d/>
+    <dgm:txPr/>
+    <dgm:style>
+      <a:lnRef idx="2">
+        <a:scrgbClr r="0" g="0" b="0"/>
+      </a:lnRef>
+      <a:fillRef idx="1">
+        <a:scrgbClr r="0" g="0" b="0"/>
+      </a:fillRef>
+      <a:effectRef idx="0">
+        <a:scrgbClr r="0" g="0" b="0"/>
+      </a:effectRef>
+      <a:fontRef idx="minor">
+        <a:schemeClr val="lt1"/>
+      </a:fontRef>
+    </dgm:style>
+  </dgm:styleLbl>
+  <dgm:styleLbl name="parChTrans2D2">
+    <dgm:scene3d>
+      <a:camera prst="orthographicFront"/>
+      <a:lightRig rig="threePt" dir="t"/>
+    </dgm:scene3d>
+    <dgm:sp3d/>
+    <dgm:txPr/>
+    <dgm:style>
+      <a:lnRef idx="2">
+        <a:scrgbClr r="0" g="0" b="0"/>
+      </a:lnRef>
+      <a:fillRef idx="1">
+        <a:scrgbClr r="0" g="0" b="0"/>
+      </a:fillRef>
+      <a:effectRef idx="0">
+        <a:scrgbClr r="0" g="0" b="0"/>
+      </a:effectRef>
+      <a:fontRef idx="minor">
+        <a:schemeClr val="lt1"/>
+      </a:fontRef>
+    </dgm:style>
+  </dgm:styleLbl>
+  <dgm:styleLbl name="parChTrans2D3">
+    <dgm:scene3d>
+      <a:camera prst="orthographicFront"/>
+      <a:lightRig rig="threePt" dir="t"/>
+    </dgm:scene3d>
+    <dgm:sp3d/>
+    <dgm:txPr/>
+    <dgm:style>
+      <a:lnRef idx="2">
+        <a:scrgbClr r="0" g="0" b="0"/>
+      </a:lnRef>
+      <a:fillRef idx="1">
+        <a:scrgbClr r="0" g="0" b="0"/>
+      </a:fillRef>
+      <a:effectRef idx="0">
+        <a:scrgbClr r="0" g="0" b="0"/>
+      </a:effectRef>
+      <a:fontRef idx="minor">
+        <a:schemeClr val="lt1"/>
+      </a:fontRef>
+    </dgm:style>
+  </dgm:styleLbl>
+  <dgm:styleLbl name="parChTrans2D4">
+    <dgm:scene3d>
+      <a:camera prst="orthographicFront"/>
+      <a:lightRig rig="threePt" dir="t"/>
+    </dgm:scene3d>
+    <dgm:sp3d/>
+    <dgm:txPr/>
+    <dgm:style>
+      <a:lnRef idx="2">
+        <a:scrgbClr r="0" g="0" b="0"/>
+      </a:lnRef>
+      <a:fillRef idx="1">
+        <a:scrgbClr r="0" g="0" b="0"/>
+      </a:fillRef>
+      <a:effectRef idx="0">
+        <a:scrgbClr r="0" g="0" b="0"/>
+      </a:effectRef>
+      <a:fontRef idx="minor">
+        <a:schemeClr val="lt1"/>
+      </a:fontRef>
+    </dgm:style>
+  </dgm:styleLbl>
+  <dgm:styleLbl name="parChTrans1D1">
+    <dgm:scene3d>
+      <a:camera prst="orthographicFront"/>
+      <a:lightRig rig="threePt" dir="t"/>
+    </dgm:scene3d>
+    <dgm:sp3d/>
+    <dgm:txPr/>
+    <dgm:style>
+      <a:lnRef idx="2">
+        <a:scrgbClr r="0" g="0" b="0"/>
+      </a:lnRef>
+      <a:fillRef idx="0">
+        <a:scrgbClr r="0" g="0" b="0"/>
+      </a:fillRef>
+      <a:effectRef idx="0">
+        <a:scrgbClr r="0" g="0" b="0"/>
+      </a:effectRef>
+      <a:fontRef idx="minor"/>
+    </dgm:style>
+  </dgm:styleLbl>
+  <dgm:styleLbl name="parChTrans1D2">
+    <dgm:scene3d>
+      <a:camera prst="orthographicFront"/>
+      <a:lightRig rig="threePt" dir="t"/>
+    </dgm:scene3d>
+    <dgm:sp3d/>
+    <dgm:txPr/>
+    <dgm:style>
+      <a:lnRef idx="2">
+        <a:scrgbClr r="0" g="0" b="0"/>
+      </a:lnRef>
+      <a:fillRef idx="0">
+        <a:scrgbClr r="0" g="0" b="0"/>
+      </a:fillRef>
+      <a:effectRef idx="0">
+        <a:scrgbClr r="0" g="0" b="0"/>
+      </a:effectRef>
+      <a:fontRef idx="minor"/>
+    </dgm:style>
+  </dgm:styleLbl>
+  <dgm:styleLbl name="parChTrans1D3">
+    <dgm:scene3d>
+      <a:camera prst="orthographicFront"/>
+      <a:lightRig rig="threePt" dir="t"/>
+    </dgm:scene3d>
+    <dgm:sp3d/>
+    <dgm:txPr/>
+    <dgm:style>
+      <a:lnRef idx="2">
+        <a:scrgbClr r="0" g="0" b="0"/>
+      </a:lnRef>
+      <a:fillRef idx="0">
+        <a:scrgbClr r="0" g="0" b="0"/>
+      </a:fillRef>
+      <a:effectRef idx="0">
+        <a:scrgbClr r="0" g="0" b="0"/>
+      </a:effectRef>
+      <a:fontRef idx="minor"/>
+    </dgm:style>
+  </dgm:styleLbl>
+  <dgm:styleLbl name="parChTrans1D4">
+    <dgm:scene3d>
+      <a:camera prst="orthographicFront"/>
+      <a:lightRig rig="threePt" dir="t"/>
+    </dgm:scene3d>
+    <dgm:sp3d/>
+    <dgm:txPr/>
+    <dgm:style>
+      <a:lnRef idx="2">
+        <a:scrgbClr r="0" g="0" b="0"/>
+      </a:lnRef>
+      <a:fillRef idx="0">
+        <a:scrgbClr r="0" g="0" b="0"/>
+      </a:fillRef>
+      <a:effectRef idx="0">
+        <a:scrgbClr r="0" g="0" b="0"/>
+      </a:effectRef>
+      <a:fontRef idx="minor"/>
+    </dgm:style>
+  </dgm:styleLbl>
+  <dgm:styleLbl name="fgAcc1">
+    <dgm:scene3d>
+      <a:camera prst="orthographicFront"/>
+      <a:lightRig rig="threePt" dir="t"/>
+    </dgm:scene3d>
+    <dgm:sp3d/>
+    <dgm:txPr/>
+    <dgm:style>
+      <a:lnRef idx="2">
+        <a:scrgbClr r="0" g="0" b="0"/>
+      </a:lnRef>
+      <a:fillRef idx="1">
+        <a:scrgbClr r="0" g="0" b="0"/>
+      </a:fillRef>
+      <a:effectRef idx="0">
+        <a:scrgbClr r="0" g="0" b="0"/>
+      </a:effectRef>
+      <a:fontRef idx="minor"/>
+    </dgm:style>
+  </dgm:styleLbl>
+  <dgm:styleLbl name="conFgAcc1">
+    <dgm:scene3d>
+      <a:camera prst="orthographicFront"/>
+      <a:lightRig rig="threePt" dir="t"/>
+    </dgm:scene3d>
+    <dgm:sp3d/>
+    <dgm:txPr/>
+    <dgm:style>
+      <a:lnRef idx="2">
+        <a:scrgbClr r="0" g="0" b="0"/>
+      </a:lnRef>
+      <a:fillRef idx="1">
+        <a:scrgbClr r="0" g="0" b="0"/>
+      </a:fillRef>
+      <a:effectRef idx="0">
+        <a:scrgbClr r="0" g="0" b="0"/>
+      </a:effectRef>
+      <a:fontRef idx="minor"/>
+    </dgm:style>
+  </dgm:styleLbl>
+  <dgm:styleLbl name="alignAcc1">
+    <dgm:scene3d>
+      <a:camera prst="orthographicFront"/>
+      <a:lightRig rig="threePt" dir="t"/>
+    </dgm:scene3d>
+    <dgm:sp3d/>
+    <dgm:txPr/>
+    <dgm:style>
+      <a:lnRef idx="2">
+        <a:scrgbClr r="0" g="0" b="0"/>
+      </a:lnRef>
+      <a:fillRef idx="1">
+        <a:scrgbClr r="0" g="0" b="0"/>
+      </a:fillRef>
+      <a:effectRef idx="0">
+        <a:scrgbClr r="0" g="0" b="0"/>
+      </a:effectRef>
+      <a:fontRef idx="minor"/>
+    </dgm:style>
+  </dgm:styleLbl>
+  <dgm:styleLbl name="trAlignAcc1">
+    <dgm:scene3d>
+      <a:camera prst="orthographicFront"/>
+      <a:lightRig rig="threePt" dir="t"/>
+    </dgm:scene3d>
+    <dgm:sp3d/>
+    <dgm:txPr/>
+    <dgm:style>
+      <a:lnRef idx="1">
+        <a:scrgbClr r="0" g="0" b="0"/>
+      </a:lnRef>
+      <a:fillRef idx="1">
+        <a:scrgbClr r="0" g="0" b="0"/>
+      </a:fillRef>
+      <a:effectRef idx="0">
+        <a:scrgbClr r="0" g="0" b="0"/>
+      </a:effectRef>
+      <a:fontRef idx="minor"/>
+    </dgm:style>
+  </dgm:styleLbl>
+  <dgm:styleLbl name="bgAcc1">
+    <dgm:scene3d>
+      <a:camera prst="orthographicFront"/>
+      <a:lightRig rig="threePt" dir="t"/>
+    </dgm:scene3d>
+    <dgm:sp3d/>
+    <dgm:txPr/>
+    <dgm:style>
+      <a:lnRef idx="2">
+        <a:scrgbClr r="0" g="0" b="0"/>
+      </a:lnRef>
+      <a:fillRef idx="1">
+        <a:scrgbClr r="0" g="0" b="0"/>
+      </a:fillRef>
+      <a:effectRef idx="0">
+        <a:scrgbClr r="0" g="0" b="0"/>
+      </a:effectRef>
+      <a:fontRef idx="minor"/>
+    </dgm:style>
+  </dgm:styleLbl>
+  <dgm:styleLbl name="solidFgAcc1">
+    <dgm:scene3d>
+      <a:camera prst="orthographicFront"/>
+      <a:lightRig rig="threePt" dir="t"/>
+    </dgm:scene3d>
+    <dgm:sp3d/>
+    <dgm:txPr/>
+    <dgm:style>
+      <a:lnRef idx="2">
+        <a:scrgbClr r="0" g="0" b="0"/>
+      </a:lnRef>
+      <a:fillRef idx="1">
+        <a:scrgbClr r="0" g="0" b="0"/>
+      </a:fillRef>
+      <a:effectRef idx="0">
+        <a:scrgbClr r="0" g="0" b="0"/>
+      </a:effectRef>
+      <a:fontRef idx="minor"/>
+    </dgm:style>
+  </dgm:styleLbl>
+  <dgm:styleLbl name="solidAlignAcc1">
+    <dgm:scene3d>
+      <a:camera prst="orthographicFront"/>
+      <a:lightRig rig="threePt" dir="t"/>
+    </dgm:scene3d>
+    <dgm:sp3d/>
+    <dgm:txPr/>
+    <dgm:style>
+      <a:lnRef idx="2">
+        <a:scrgbClr r="0" g="0" b="0"/>
+      </a:lnRef>
+      <a:fillRef idx="1">
+        <a:scrgbClr r="0" g="0" b="0"/>
+      </a:fillRef>
+      <a:effectRef idx="0">
+        <a:scrgbClr r="0" g="0" b="0"/>
+      </a:effectRef>
+      <a:fontRef idx="minor"/>
+    </dgm:style>
+  </dgm:styleLbl>
+  <dgm:styleLbl name="solidBgAcc1">
+    <dgm:scene3d>
+      <a:camera prst="orthographicFront"/>
+      <a:lightRig rig="threePt" dir="t"/>
+    </dgm:scene3d>
+    <dgm:sp3d/>
+    <dgm:txPr/>
+    <dgm:style>
+      <a:lnRef idx="2">
+        <a:scrgbClr r="0" g="0" b="0"/>
+      </a:lnRef>
+      <a:fillRef idx="1">
+        <a:scrgbClr r="0" g="0" b="0"/>
+      </a:fillRef>
+      <a:effectRef idx="0">
+        <a:scrgbClr r="0" g="0" b="0"/>
+      </a:effectRef>
+      <a:fontRef idx="minor"/>
+    </dgm:style>
+  </dgm:styleLbl>
+  <dgm:styleLbl name="fgAccFollowNode1">
+    <dgm:scene3d>
+      <a:camera prst="orthographicFront"/>
+      <a:lightRig rig="threePt" dir="t"/>
+    </dgm:scene3d>
+    <dgm:sp3d/>
+    <dgm:txPr/>
+    <dgm:style>
+      <a:lnRef idx="2">
+        <a:scrgbClr r="0" g="0" b="0"/>
+      </a:lnRef>
+      <a:fillRef idx="1">
+        <a:scrgbClr r="0" g="0" b="0"/>
+      </a:fillRef>
+      <a:effectRef idx="0">
+        <a:scrgbClr r="0" g="0" b="0"/>
+      </a:effectRef>
+      <a:fontRef idx="minor"/>
+    </dgm:style>
+  </dgm:styleLbl>
+  <dgm:styleLbl name="alignAccFollowNode1">
+    <dgm:scene3d>
+      <a:camera prst="orthographicFront"/>
+      <a:lightRig rig="threePt" dir="t"/>
+    </dgm:scene3d>
+    <dgm:sp3d/>
+    <dgm:txPr/>
+    <dgm:style>
+      <a:lnRef idx="2">
+        <a:scrgbClr r="0" g="0" b="0"/>
+      </a:lnRef>
+      <a:fillRef idx="1">
+        <a:scrgbClr r="0" g="0" b="0"/>
+      </a:fillRef>
+      <a:effectRef idx="0">
+        <a:scrgbClr r="0" g="0" b="0"/>
+      </a:effectRef>
+      <a:fontRef idx="minor"/>
+    </dgm:style>
+  </dgm:styleLbl>
+  <dgm:styleLbl name="bgAccFollowNode1">
+    <dgm:scene3d>
+      <a:camera prst="orthographicFront"/>
+      <a:lightRig rig="threePt" dir="t"/>
+    </dgm:scene3d>
+    <dgm:sp3d/>
+    <dgm:txPr/>
+    <dgm:style>
+      <a:lnRef idx="2">
+        <a:scrgbClr r="0" g="0" b="0"/>
+      </a:lnRef>
+      <a:fillRef idx="1">
+        <a:scrgbClr r="0" g="0" b="0"/>
+      </a:fillRef>
+      <a:effectRef idx="0">
+        <a:scrgbClr r="0" g="0" b="0"/>
+      </a:effectRef>
+      <a:fontRef idx="minor"/>
+    </dgm:style>
+  </dgm:styleLbl>
+  <dgm:styleLbl name="fgAcc0">
+    <dgm:scene3d>
+      <a:camera prst="orthographicFront"/>
+      <a:lightRig rig="threePt" dir="t"/>
+    </dgm:scene3d>
+    <dgm:sp3d/>
+    <dgm:txPr/>
+    <dgm:style>
+      <a:lnRef idx="2">
+        <a:scrgbClr r="0" g="0" b="0"/>
+      </a:lnRef>
+      <a:fillRef idx="1">
+        <a:scrgbClr r="0" g="0" b="0"/>
+      </a:fillRef>
+      <a:effectRef idx="0">
+        <a:scrgbClr r="0" g="0" b="0"/>
+      </a:effectRef>
+      <a:fontRef idx="minor"/>
+    </dgm:style>
+  </dgm:styleLbl>
+  <dgm:styleLbl name="fgAcc2">
+    <dgm:scene3d>
+      <a:camera prst="orthographicFront"/>
+      <a:lightRig rig="threePt" dir="t"/>
+    </dgm:scene3d>
+    <dgm:sp3d/>
+    <dgm:txPr/>
+    <dgm:style>
+      <a:lnRef idx="2">
+        <a:scrgbClr r="0" g="0" b="0"/>
+      </a:lnRef>
+      <a:fillRef idx="1">
+        <a:scrgbClr r="0" g="0" b="0"/>
+      </a:fillRef>
+      <a:effectRef idx="0">
+        <a:scrgbClr r="0" g="0" b="0"/>
+      </a:effectRef>
+      <a:fontRef idx="minor"/>
+    </dgm:style>
+  </dgm:styleLbl>
+  <dgm:styleLbl name="fgAcc3">
+    <dgm:scene3d>
+      <a:camera prst="orthographicFront"/>
+      <a:lightRig rig="threePt" dir="t"/>
+    </dgm:scene3d>
+    <dgm:sp3d/>
+    <dgm:txPr/>
+    <dgm:style>
+      <a:lnRef idx="2">
+        <a:scrgbClr r="0" g="0" b="0"/>
+      </a:lnRef>
+      <a:fillRef idx="1">
+        <a:scrgbClr r="0" g="0" b="0"/>
+      </a:fillRef>
+      <a:effectRef idx="0">
+        <a:scrgbClr r="0" g="0" b="0"/>
+      </a:effectRef>
+      <a:fontRef idx="minor"/>
+    </dgm:style>
+  </dgm:styleLbl>
+  <dgm:styleLbl name="fgAcc4">
+    <dgm:scene3d>
+      <a:camera prst="orthographicFront"/>
+      <a:lightRig rig="threePt" dir="t"/>
+    </dgm:scene3d>
+    <dgm:sp3d/>
+    <dgm:txPr/>
+    <dgm:style>
+      <a:lnRef idx="2">
+        <a:scrgbClr r="0" g="0" b="0"/>
+      </a:lnRef>
+      <a:fillRef idx="1">
+        <a:scrgbClr r="0" g="0" b="0"/>
+      </a:fillRef>
+      <a:effectRef idx="0">
+        <a:scrgbClr r="0" g="0" b="0"/>
+      </a:effectRef>
+      <a:fontRef idx="minor"/>
+    </dgm:style>
+  </dgm:styleLbl>
+  <dgm:styleLbl name="bgShp">
+    <dgm:scene3d>
+      <a:camera prst="orthographicFront"/>
+      <a:lightRig rig="threePt" dir="t"/>
+    </dgm:scene3d>
+    <dgm:sp3d/>
+    <dgm:txPr/>
+    <dgm:style>
+      <a:lnRef idx="0">
+        <a:scrgbClr r="0" g="0" b="0"/>
+      </a:lnRef>
+      <a:fillRef idx="1">
+        <a:scrgbClr r="0" g="0" b="0"/>
+      </a:fillRef>
+      <a:effectRef idx="0">
+        <a:scrgbClr r="0" g="0" b="0"/>
+      </a:effectRef>
+      <a:fontRef idx="minor"/>
+    </dgm:style>
+  </dgm:styleLbl>
+  <dgm:styleLbl name="dkBgShp">
+    <dgm:scene3d>
+      <a:camera prst="orthographicFront"/>
+      <a:lightRig rig="threePt" dir="t"/>
+    </dgm:scene3d>
+    <dgm:sp3d/>
+    <dgm:txPr/>
+    <dgm:style>
+      <a:lnRef idx="0">
+        <a:scrgbClr r="0" g="0" b="0"/>
+      </a:lnRef>
+      <a:fillRef idx="1">
+        <a:scrgbClr r="0" g="0" b="0"/>
+      </a:fillRef>
+      <a:effectRef idx="0">
+        <a:scrgbClr r="0" g="0" b="0"/>
+      </a:effectRef>
+      <a:fontRef idx="minor"/>
+    </dgm:style>
+  </dgm:styleLbl>
+  <dgm:styleLbl name="trBgShp">
+    <dgm:scene3d>
+      <a:camera prst="orthographicFront"/>
+      <a:lightRig rig="threePt" dir="t"/>
+    </dgm:scene3d>
+    <dgm:sp3d/>
+    <dgm:txPr/>
+    <dgm:style>
+      <a:lnRef idx="0">
+        <a:scrgbClr r="0" g="0" b="0"/>
+      </a:lnRef>
+      <a:fillRef idx="1">
+        <a:scrgbClr r="0" g="0" b="0"/>
+      </a:fillRef>
+      <a:effectRef idx="0">
+        <a:scrgbClr r="0" g="0" b="0"/>
+      </a:effectRef>
+      <a:fontRef idx="minor"/>
+    </dgm:style>
+  </dgm:styleLbl>
+  <dgm:styleLbl name="fgShp">
+    <dgm:scene3d>
+      <a:camera prst="orthographicFront"/>
+      <a:lightRig rig="threePt" dir="t"/>
+    </dgm:scene3d>
+    <dgm:sp3d/>
+    <dgm:txPr/>
+    <dgm:style>
+      <a:lnRef idx="2">
+        <a:scrgbClr r="0" g="0" b="0"/>
+      </a:lnRef>
+      <a:fillRef idx="1">
+        <a:scrgbClr r="0" g="0" b="0"/>
+      </a:fillRef>
+      <a:effectRef idx="0">
+        <a:scrgbClr r="0" g="0" b="0"/>
+      </a:effectRef>
+      <a:fontRef idx="minor"/>
+    </dgm:style>
+  </dgm:styleLbl>
+  <dgm:styleLbl name="revTx">
+    <dgm:scene3d>
+      <a:camera prst="orthographicFront"/>
+      <a:lightRig rig="threePt" dir="t"/>
+    </dgm:scene3d>
+    <dgm:sp3d/>
+    <dgm:txPr/>
+    <dgm:style>
+      <a:lnRef idx="0">
+        <a:scrgbClr r="0" g="0" b="0"/>
+      </a:lnRef>
+      <a:fillRef idx="0">
+        <a:scrgbClr r="0" g="0" b="0"/>
+      </a:fillRef>
+      <a:effectRef idx="0">
+        <a:scrgbClr r="0" g="0" b="0"/>
+      </a:effectRef>
+      <a:fontRef idx="minor"/>
+    </dgm:style>
+  </dgm:styleLbl>
+</dgm:styleDef>
+</file>
+
 <file path=ppt/notesMasters/notesMaster1.xml><?xml version="1.0" encoding="utf-8"?>
 <p:notesMaster xmlns:a="http://schemas.openxmlformats.org/drawingml/2006/main" xmlns:r="http://schemas.openxmlformats.org/officeDocument/2006/relationships" xmlns:p="http://schemas.openxmlformats.org/presentationml/2006/main">
   <p:cSld>
@@ -202,7 +2948,7 @@
           <a:p>
             <a:fld id="{3676F64B-4494-497F-BD3F-0058818BD5A8}" type="datetimeFigureOut">
               <a:rPr lang="en-US" smtClean="0"/>
-              <a:t>2/19/2016</a:t>
+              <a:t>2/20/2016</a:t>
             </a:fld>
             <a:endParaRPr lang="en-US"/>
           </a:p>
@@ -769,7 +3515,7 @@
           <a:p>
             <a:fld id="{B940BE36-5E5B-4B95-A615-09361596CA7E}" type="datetimeFigureOut">
               <a:rPr lang="en-US" smtClean="0"/>
-              <a:t>2/19/2016</a:t>
+              <a:t>2/20/2016</a:t>
             </a:fld>
             <a:endParaRPr lang="en-US"/>
           </a:p>
@@ -951,7 +3697,7 @@
           <a:p>
             <a:fld id="{B940BE36-5E5B-4B95-A615-09361596CA7E}" type="datetimeFigureOut">
               <a:rPr lang="en-US" smtClean="0"/>
-              <a:t>2/19/2016</a:t>
+              <a:t>2/20/2016</a:t>
             </a:fld>
             <a:endParaRPr lang="en-US"/>
           </a:p>
@@ -1143,7 +3889,7 @@
           <a:p>
             <a:fld id="{B940BE36-5E5B-4B95-A615-09361596CA7E}" type="datetimeFigureOut">
               <a:rPr lang="en-US" smtClean="0"/>
-              <a:t>2/19/2016</a:t>
+              <a:t>2/20/2016</a:t>
             </a:fld>
             <a:endParaRPr lang="en-US"/>
           </a:p>
@@ -1325,7 +4071,7 @@
           <a:p>
             <a:fld id="{B940BE36-5E5B-4B95-A615-09361596CA7E}" type="datetimeFigureOut">
               <a:rPr lang="en-US" smtClean="0"/>
-              <a:t>2/19/2016</a:t>
+              <a:t>2/20/2016</a:t>
             </a:fld>
             <a:endParaRPr lang="en-US"/>
           </a:p>
@@ -1583,7 +4329,7 @@
           <a:p>
             <a:fld id="{B940BE36-5E5B-4B95-A615-09361596CA7E}" type="datetimeFigureOut">
               <a:rPr lang="en-US" smtClean="0"/>
-              <a:t>2/19/2016</a:t>
+              <a:t>2/20/2016</a:t>
             </a:fld>
             <a:endParaRPr lang="en-US"/>
           </a:p>
@@ -1827,7 +4573,7 @@
           <a:p>
             <a:fld id="{B940BE36-5E5B-4B95-A615-09361596CA7E}" type="datetimeFigureOut">
               <a:rPr lang="en-US" smtClean="0"/>
-              <a:t>2/19/2016</a:t>
+              <a:t>2/20/2016</a:t>
             </a:fld>
             <a:endParaRPr lang="en-US"/>
           </a:p>
@@ -2206,7 +4952,7 @@
           <a:p>
             <a:fld id="{B940BE36-5E5B-4B95-A615-09361596CA7E}" type="datetimeFigureOut">
               <a:rPr lang="en-US" smtClean="0"/>
-              <a:t>2/19/2016</a:t>
+              <a:t>2/20/2016</a:t>
             </a:fld>
             <a:endParaRPr lang="en-US"/>
           </a:p>
@@ -2336,7 +5082,7 @@
           <a:p>
             <a:fld id="{B940BE36-5E5B-4B95-A615-09361596CA7E}" type="datetimeFigureOut">
               <a:rPr lang="en-US" smtClean="0"/>
-              <a:t>2/19/2016</a:t>
+              <a:t>2/20/2016</a:t>
             </a:fld>
             <a:endParaRPr lang="en-US"/>
           </a:p>
@@ -2443,7 +5189,7 @@
           <a:p>
             <a:fld id="{B940BE36-5E5B-4B95-A615-09361596CA7E}" type="datetimeFigureOut">
               <a:rPr lang="en-US" smtClean="0"/>
-              <a:t>2/19/2016</a:t>
+              <a:t>2/20/2016</a:t>
             </a:fld>
             <a:endParaRPr lang="en-US"/>
           </a:p>
@@ -2732,7 +5478,7 @@
           <a:p>
             <a:fld id="{B940BE36-5E5B-4B95-A615-09361596CA7E}" type="datetimeFigureOut">
               <a:rPr lang="en-US" smtClean="0"/>
-              <a:t>2/19/2016</a:t>
+              <a:t>2/20/2016</a:t>
             </a:fld>
             <a:endParaRPr lang="en-US"/>
           </a:p>
@@ -2997,7 +5743,7 @@
           <a:p>
             <a:fld id="{B940BE36-5E5B-4B95-A615-09361596CA7E}" type="datetimeFigureOut">
               <a:rPr lang="en-US" smtClean="0"/>
-              <a:t>2/19/2016</a:t>
+              <a:t>2/20/2016</a:t>
             </a:fld>
             <a:endParaRPr lang="en-US"/>
           </a:p>
@@ -3222,7 +5968,7 @@
           <a:p>
             <a:fld id="{B940BE36-5E5B-4B95-A615-09361596CA7E}" type="datetimeFigureOut">
               <a:rPr lang="en-US" smtClean="0"/>
-              <a:t>2/19/2016</a:t>
+              <a:t>2/20/2016</a:t>
             </a:fld>
             <a:endParaRPr lang="en-US"/>
           </a:p>
@@ -3764,16 +6510,7 @@
                 </a:solidFill>
                 <a:latin typeface="Big John" panose="02000000000000000000" pitchFamily="50" charset="0"/>
               </a:rPr>
-              <a:t>virtual </a:t>
-            </a:r>
-            <a:r>
-              <a:rPr lang="en-US" sz="8000" spc="-150" dirty="0" smtClean="0">
-                <a:solidFill>
-                  <a:schemeClr val="bg1"/>
-                </a:solidFill>
-                <a:latin typeface="Big John" panose="02000000000000000000" pitchFamily="50" charset="0"/>
-              </a:rPr>
-              <a:t>flip kit</a:t>
+              <a:t>virtual flip kit</a:t>
             </a:r>
             <a:r>
               <a:rPr lang="en-US" sz="9600" spc="-150" dirty="0" smtClean="0">
@@ -4093,8 +6830,8 @@
         </p:nvSpPr>
         <p:spPr>
           <a:xfrm>
-            <a:off x="421105" y="1636295"/>
-            <a:ext cx="11526253" cy="3539430"/>
+            <a:off x="425116" y="1636295"/>
+            <a:ext cx="10328228" cy="4832092"/>
           </a:xfrm>
           <a:prstGeom prst="rect">
             <a:avLst/>
@@ -4121,29 +6858,8 @@
                 </a:solidFill>
                 <a:cs typeface="Arial" panose="020B0604020202020204" pitchFamily="34" charset="0"/>
               </a:rPr>
-              <a:t>We created an application that virtualizes FLIP Kits from the Children’s Museum of Houston</a:t>
-            </a:r>
-          </a:p>
-          <a:p>
-            <a:pPr marL="285750" indent="-285750">
-              <a:buFont typeface="Arial" panose="020B0604020202020204" pitchFamily="34" charset="0"/>
-              <a:buChar char="•"/>
-            </a:pPr>
-            <a:endParaRPr lang="en-US" sz="3200" dirty="0" smtClean="0">
-              <a:solidFill>
-                <a:schemeClr val="tx1">
-                  <a:lumMod val="65000"/>
-                  <a:lumOff val="35000"/>
-                </a:schemeClr>
-              </a:solidFill>
-              <a:cs typeface="Arial" panose="020B0604020202020204" pitchFamily="34" charset="0"/>
-            </a:endParaRPr>
-          </a:p>
-          <a:p>
-            <a:pPr marL="285750" indent="-285750">
-              <a:buFont typeface="Arial" panose="020B0604020202020204" pitchFamily="34" charset="0"/>
-              <a:buChar char="•"/>
-            </a:pPr>
+              <a:t>We created an application that virtualizes FLIP Kits from the Children’s Museum of </a:t>
+            </a:r>
             <a:r>
               <a:rPr lang="en-US" sz="3200" dirty="0" smtClean="0">
                 <a:solidFill>
@@ -4154,7 +6870,130 @@
                 </a:solidFill>
                 <a:cs typeface="Arial" panose="020B0604020202020204" pitchFamily="34" charset="0"/>
               </a:rPr>
-              <a:t>Features of “Virtual Flip Kit”</a:t>
+              <a:t>Houston</a:t>
+            </a:r>
+            <a:endParaRPr lang="en-US" sz="3200" dirty="0">
+              <a:solidFill>
+                <a:schemeClr val="tx1">
+                  <a:lumMod val="65000"/>
+                  <a:lumOff val="35000"/>
+                </a:schemeClr>
+              </a:solidFill>
+              <a:cs typeface="Arial" panose="020B0604020202020204" pitchFamily="34" charset="0"/>
+            </a:endParaRPr>
+          </a:p>
+          <a:p>
+            <a:pPr marL="285750" indent="-285750">
+              <a:buFont typeface="Arial" panose="020B0604020202020204" pitchFamily="34" charset="0"/>
+              <a:buChar char="•"/>
+            </a:pPr>
+            <a:r>
+              <a:rPr lang="en-US" sz="3200" dirty="0" smtClean="0">
+                <a:solidFill>
+                  <a:schemeClr val="tx1">
+                    <a:lumMod val="65000"/>
+                    <a:lumOff val="35000"/>
+                  </a:schemeClr>
+                </a:solidFill>
+                <a:cs typeface="Arial" panose="020B0604020202020204" pitchFamily="34" charset="0"/>
+              </a:rPr>
+              <a:t>Technologies we used</a:t>
+            </a:r>
+          </a:p>
+          <a:p>
+            <a:pPr lvl="1"/>
+            <a:r>
+              <a:rPr lang="en-US" sz="2800" dirty="0" smtClean="0">
+                <a:solidFill>
+                  <a:schemeClr val="tx1">
+                    <a:lumMod val="65000"/>
+                    <a:lumOff val="35000"/>
+                  </a:schemeClr>
+                </a:solidFill>
+                <a:cs typeface="Arial" panose="020B0604020202020204" pitchFamily="34" charset="0"/>
+              </a:rPr>
+              <a:t>- Ionic Framework, ASP.NET, MySQL,</a:t>
+            </a:r>
+          </a:p>
+          <a:p>
+            <a:pPr lvl="1"/>
+            <a:r>
+              <a:rPr lang="en-US" sz="2800" dirty="0">
+                <a:solidFill>
+                  <a:schemeClr val="tx1">
+                    <a:lumMod val="65000"/>
+                    <a:lumOff val="35000"/>
+                  </a:schemeClr>
+                </a:solidFill>
+                <a:cs typeface="Arial" panose="020B0604020202020204" pitchFamily="34" charset="0"/>
+              </a:rPr>
+              <a:t> </a:t>
+            </a:r>
+            <a:r>
+              <a:rPr lang="en-US" sz="2800" dirty="0" smtClean="0">
+                <a:solidFill>
+                  <a:schemeClr val="tx1">
+                    <a:lumMod val="65000"/>
+                    <a:lumOff val="35000"/>
+                  </a:schemeClr>
+                </a:solidFill>
+                <a:cs typeface="Arial" panose="020B0604020202020204" pitchFamily="34" charset="0"/>
+              </a:rPr>
+              <a:t> Node.js, HTML</a:t>
+            </a:r>
+          </a:p>
+          <a:p>
+            <a:pPr lvl="1"/>
+            <a:endParaRPr lang="en-US" sz="2800" dirty="0" smtClean="0">
+              <a:solidFill>
+                <a:schemeClr val="tx1">
+                  <a:lumMod val="65000"/>
+                  <a:lumOff val="35000"/>
+                </a:schemeClr>
+              </a:solidFill>
+              <a:cs typeface="Arial" panose="020B0604020202020204" pitchFamily="34" charset="0"/>
+            </a:endParaRPr>
+          </a:p>
+          <a:p>
+            <a:pPr marL="285750" indent="-285750">
+              <a:buFont typeface="Arial" panose="020B0604020202020204" pitchFamily="34" charset="0"/>
+              <a:buChar char="•"/>
+            </a:pPr>
+            <a:r>
+              <a:rPr lang="en-US" sz="3200" dirty="0" smtClean="0">
+                <a:solidFill>
+                  <a:schemeClr val="tx1">
+                    <a:lumMod val="65000"/>
+                    <a:lumOff val="35000"/>
+                  </a:schemeClr>
+                </a:solidFill>
+                <a:cs typeface="Arial" panose="020B0604020202020204" pitchFamily="34" charset="0"/>
+              </a:rPr>
+              <a:t>Features of “Virtual </a:t>
+            </a:r>
+            <a:r>
+              <a:rPr lang="en-US" sz="3200" dirty="0" smtClean="0">
+                <a:solidFill>
+                  <a:schemeClr val="tx1">
+                    <a:lumMod val="65000"/>
+                    <a:lumOff val="35000"/>
+                  </a:schemeClr>
+                </a:solidFill>
+                <a:cs typeface="Arial" panose="020B0604020202020204" pitchFamily="34" charset="0"/>
+              </a:rPr>
+              <a:t>FLIP </a:t>
+            </a:r>
+            <a:r>
+              <a:rPr lang="en-US" sz="3200" dirty="0" smtClean="0">
+                <a:solidFill>
+                  <a:schemeClr val="tx1">
+                    <a:lumMod val="65000"/>
+                    <a:lumOff val="35000"/>
+                  </a:schemeClr>
+                </a:solidFill>
+                <a:cs typeface="Arial" panose="020B0604020202020204" pitchFamily="34" charset="0"/>
+              </a:rPr>
+              <a:t>Kit”</a:t>
             </a:r>
           </a:p>
           <a:p>
@@ -4213,6 +7052,36 @@
           </a:p>
         </p:txBody>
       </p:sp>
+      <p:pic>
+        <p:nvPicPr>
+          <p:cNvPr id="11" name="Picture 10"/>
+          <p:cNvPicPr>
+            <a:picLocks noChangeAspect="1"/>
+          </p:cNvPicPr>
+          <p:nvPr/>
+        </p:nvPicPr>
+        <p:blipFill>
+          <a:blip r:embed="rId2" cstate="print">
+            <a:extLst>
+              <a:ext uri="{28A0092B-C50C-407E-A947-70E740481C1C}">
+                <a14:useLocalDpi xmlns:a14="http://schemas.microsoft.com/office/drawing/2010/main" val="0"/>
+              </a:ext>
+            </a:extLst>
+          </a:blip>
+          <a:stretch>
+            <a:fillRect/>
+          </a:stretch>
+        </p:blipFill>
+        <p:spPr>
+          <a:xfrm>
+            <a:off x="6416566" y="2638842"/>
+            <a:ext cx="5674103" cy="4219157"/>
+          </a:xfrm>
+          <a:prstGeom prst="rect">
+            <a:avLst/>
+          </a:prstGeom>
+        </p:spPr>
+      </p:pic>
     </p:spTree>
     <p:extLst>
       <p:ext uri="{BB962C8B-B14F-4D97-AF65-F5344CB8AC3E}">
@@ -4275,6 +7144,50 @@
       </p:grpSpPr>
       <p:sp>
         <p:nvSpPr>
+          <p:cNvPr id="8" name="Curved Left Arrow 7"/>
+          <p:cNvSpPr/>
+          <p:nvPr/>
+        </p:nvSpPr>
+        <p:spPr>
+          <a:xfrm rot="1314003">
+            <a:off x="9397283" y="4498561"/>
+            <a:ext cx="935181" cy="1652154"/>
+          </a:xfrm>
+          <a:prstGeom prst="curvedLeftArrow">
+            <a:avLst/>
+          </a:prstGeom>
+        </p:spPr>
+        <p:style>
+          <a:lnRef idx="2">
+            <a:schemeClr val="accent1">
+              <a:shade val="50000"/>
+            </a:schemeClr>
+          </a:lnRef>
+          <a:fillRef idx="1">
+            <a:schemeClr val="accent1"/>
+          </a:fillRef>
+          <a:effectRef idx="0">
+            <a:schemeClr val="accent1"/>
+          </a:effectRef>
+          <a:fontRef idx="minor">
+            <a:schemeClr val="lt1"/>
+          </a:fontRef>
+        </p:style>
+        <p:txBody>
+          <a:bodyPr rtlCol="0" anchor="ctr"/>
+          <a:lstStyle/>
+          <a:p>
+            <a:pPr algn="ctr"/>
+            <a:endParaRPr lang="en-US">
+              <a:solidFill>
+                <a:schemeClr val="tx1"/>
+              </a:solidFill>
+            </a:endParaRPr>
+          </a:p>
+        </p:txBody>
+      </p:sp>
+      <p:sp>
+        <p:nvSpPr>
           <p:cNvPr id="2" name="Title 1"/>
           <p:cNvSpPr>
             <a:spLocks noGrp="1"/>
@@ -4369,6 +7282,192 @@
           </a:fontRef>
         </p:style>
       </p:cxnSp>
+      <p:sp>
+        <p:nvSpPr>
+          <p:cNvPr id="4" name="TextBox 3"/>
+          <p:cNvSpPr txBox="1"/>
+          <p:nvPr/>
+        </p:nvSpPr>
+        <p:spPr>
+          <a:xfrm>
+            <a:off x="486502" y="1598104"/>
+            <a:ext cx="10328228" cy="2062103"/>
+          </a:xfrm>
+          <a:prstGeom prst="rect">
+            <a:avLst/>
+          </a:prstGeom>
+          <a:noFill/>
+        </p:spPr>
+        <p:txBody>
+          <a:bodyPr wrap="square" rtlCol="0">
+            <a:spAutoFit/>
+          </a:bodyPr>
+          <a:lstStyle/>
+          <a:p>
+            <a:pPr marL="285750" indent="-285750">
+              <a:buFont typeface="Arial" panose="020B0604020202020204" pitchFamily="34" charset="0"/>
+              <a:buChar char="•"/>
+            </a:pPr>
+            <a:r>
+              <a:rPr lang="en-US" sz="3200" dirty="0" smtClean="0">
+                <a:solidFill>
+                  <a:schemeClr val="tx1">
+                    <a:lumMod val="65000"/>
+                    <a:lumOff val="35000"/>
+                  </a:schemeClr>
+                </a:solidFill>
+                <a:cs typeface="Arial" panose="020B0604020202020204" pitchFamily="34" charset="0"/>
+              </a:rPr>
+              <a:t>Mobile Friendly (Ionic Framework)</a:t>
+            </a:r>
+          </a:p>
+          <a:p>
+            <a:pPr marL="285750" indent="-285750">
+              <a:buFont typeface="Arial" panose="020B0604020202020204" pitchFamily="34" charset="0"/>
+              <a:buChar char="•"/>
+            </a:pPr>
+            <a:endParaRPr lang="en-US" sz="3200" dirty="0">
+              <a:solidFill>
+                <a:schemeClr val="tx1">
+                  <a:lumMod val="65000"/>
+                  <a:lumOff val="35000"/>
+                </a:schemeClr>
+              </a:solidFill>
+              <a:cs typeface="Arial" panose="020B0604020202020204" pitchFamily="34" charset="0"/>
+            </a:endParaRPr>
+          </a:p>
+          <a:p>
+            <a:pPr marL="285750" indent="-285750">
+              <a:buFont typeface="Arial" panose="020B0604020202020204" pitchFamily="34" charset="0"/>
+              <a:buChar char="•"/>
+            </a:pPr>
+            <a:r>
+              <a:rPr lang="en-US" sz="3200" dirty="0" smtClean="0">
+                <a:solidFill>
+                  <a:schemeClr val="tx1">
+                    <a:lumMod val="65000"/>
+                    <a:lumOff val="35000"/>
+                  </a:schemeClr>
+                </a:solidFill>
+                <a:cs typeface="Arial" panose="020B0604020202020204" pitchFamily="34" charset="0"/>
+              </a:rPr>
+              <a:t>Intuitive Control Path</a:t>
+            </a:r>
+          </a:p>
+          <a:p>
+            <a:pPr marL="285750" indent="-285750">
+              <a:buFont typeface="Arial" panose="020B0604020202020204" pitchFamily="34" charset="0"/>
+              <a:buChar char="•"/>
+            </a:pPr>
+            <a:endParaRPr lang="en-US" sz="3200" dirty="0">
+              <a:solidFill>
+                <a:schemeClr val="tx1">
+                  <a:lumMod val="65000"/>
+                  <a:lumOff val="35000"/>
+                </a:schemeClr>
+              </a:solidFill>
+              <a:cs typeface="Arial" panose="020B0604020202020204" pitchFamily="34" charset="0"/>
+            </a:endParaRPr>
+          </a:p>
+        </p:txBody>
+      </p:sp>
+      <p:graphicFrame>
+        <p:nvGraphicFramePr>
+          <p:cNvPr id="6" name="Diagram 5"/>
+          <p:cNvGraphicFramePr/>
+          <p:nvPr>
+            <p:extLst>
+              <p:ext uri="{D42A27DB-BD31-4B8C-83A1-F6EECF244321}">
+                <p14:modId xmlns:p14="http://schemas.microsoft.com/office/powerpoint/2010/main" val="1499253580"/>
+              </p:ext>
+            </p:extLst>
+          </p:nvPr>
+        </p:nvGraphicFramePr>
+        <p:xfrm>
+          <a:off x="486502" y="2932607"/>
+          <a:ext cx="10780084" cy="2055029"/>
+        </p:xfrm>
+        <a:graphic>
+          <a:graphicData uri="http://schemas.openxmlformats.org/drawingml/2006/diagram">
+            <dgm:relIds xmlns:dgm="http://schemas.openxmlformats.org/drawingml/2006/diagram" xmlns:r="http://schemas.openxmlformats.org/officeDocument/2006/relationships" r:dm="rId2" r:lo="rId3" r:qs="rId4" r:cs="rId5"/>
+          </a:graphicData>
+        </a:graphic>
+      </p:graphicFrame>
+      <p:sp>
+        <p:nvSpPr>
+          <p:cNvPr id="9" name="Rectangle 8"/>
+          <p:cNvSpPr/>
+          <p:nvPr/>
+        </p:nvSpPr>
+        <p:spPr>
+          <a:xfrm>
+            <a:off x="486502" y="4987636"/>
+            <a:ext cx="8512025" cy="1461375"/>
+          </a:xfrm>
+          <a:prstGeom prst="rect">
+            <a:avLst/>
+          </a:prstGeom>
+          <a:solidFill>
+            <a:schemeClr val="accent1">
+              <a:lumMod val="40000"/>
+              <a:lumOff val="60000"/>
+            </a:schemeClr>
+          </a:solidFill>
+        </p:spPr>
+        <p:style>
+          <a:lnRef idx="2">
+            <a:schemeClr val="accent1">
+              <a:shade val="50000"/>
+            </a:schemeClr>
+          </a:lnRef>
+          <a:fillRef idx="1">
+            <a:schemeClr val="accent1"/>
+          </a:fillRef>
+          <a:effectRef idx="0">
+            <a:schemeClr val="accent1"/>
+          </a:effectRef>
+          <a:fontRef idx="minor">
+            <a:schemeClr val="lt1"/>
+          </a:fontRef>
+        </p:style>
+        <p:txBody>
+          <a:bodyPr rtlCol="0" anchor="ctr"/>
+          <a:lstStyle/>
+          <a:p>
+            <a:pPr algn="ctr"/>
+            <a:endParaRPr lang="en-US"/>
+          </a:p>
+        </p:txBody>
+      </p:sp>
+      <p:pic>
+        <p:nvPicPr>
+          <p:cNvPr id="10" name="Picture 9"/>
+          <p:cNvPicPr>
+            <a:picLocks noChangeAspect="1"/>
+          </p:cNvPicPr>
+          <p:nvPr/>
+        </p:nvPicPr>
+        <p:blipFill rotWithShape="1">
+          <a:blip r:embed="rId7">
+            <a:extLst>
+              <a:ext uri="{28A0092B-C50C-407E-A947-70E740481C1C}">
+                <a14:useLocalDpi xmlns:a14="http://schemas.microsoft.com/office/drawing/2010/main" val="0"/>
+              </a:ext>
+            </a:extLst>
+          </a:blip>
+          <a:srcRect l="20710" t="80166" r="20909" b="5433"/>
+          <a:stretch/>
+        </p:blipFill>
+        <p:spPr>
+          <a:xfrm>
+            <a:off x="618744" y="5132189"/>
+            <a:ext cx="8249276" cy="1133319"/>
+          </a:xfrm>
+          <a:prstGeom prst="rect">
+            <a:avLst/>
+          </a:prstGeom>
+        </p:spPr>
+      </p:pic>
     </p:spTree>
     <p:extLst>
       <p:ext uri="{BB962C8B-B14F-4D97-AF65-F5344CB8AC3E}">
@@ -4525,6 +7624,188 @@
           </a:fontRef>
         </p:style>
       </p:cxnSp>
+      <p:sp>
+        <p:nvSpPr>
+          <p:cNvPr id="4" name="TextBox 3"/>
+          <p:cNvSpPr txBox="1"/>
+          <p:nvPr/>
+        </p:nvSpPr>
+        <p:spPr>
+          <a:xfrm>
+            <a:off x="425116" y="1636295"/>
+            <a:ext cx="10328228" cy="4524315"/>
+          </a:xfrm>
+          <a:prstGeom prst="rect">
+            <a:avLst/>
+          </a:prstGeom>
+          <a:noFill/>
+        </p:spPr>
+        <p:txBody>
+          <a:bodyPr wrap="square" rtlCol="0">
+            <a:spAutoFit/>
+          </a:bodyPr>
+          <a:lstStyle/>
+          <a:p>
+            <a:pPr marL="285750" indent="-285750">
+              <a:buFont typeface="Arial" panose="020B0604020202020204" pitchFamily="34" charset="0"/>
+              <a:buChar char="•"/>
+            </a:pPr>
+            <a:r>
+              <a:rPr lang="en-US" sz="3200" dirty="0" smtClean="0">
+                <a:solidFill>
+                  <a:schemeClr val="tx1">
+                    <a:lumMod val="65000"/>
+                    <a:lumOff val="35000"/>
+                  </a:schemeClr>
+                </a:solidFill>
+                <a:cs typeface="Arial" panose="020B0604020202020204" pitchFamily="34" charset="0"/>
+              </a:rPr>
+              <a:t>Allows users to interact with digital environment</a:t>
+            </a:r>
+            <a:endParaRPr lang="en-US" sz="3200" dirty="0">
+              <a:solidFill>
+                <a:schemeClr val="tx1">
+                  <a:lumMod val="65000"/>
+                  <a:lumOff val="35000"/>
+                </a:schemeClr>
+              </a:solidFill>
+              <a:cs typeface="Arial" panose="020B0604020202020204" pitchFamily="34" charset="0"/>
+            </a:endParaRPr>
+          </a:p>
+          <a:p>
+            <a:pPr marL="285750" indent="-285750">
+              <a:buFont typeface="Arial" panose="020B0604020202020204" pitchFamily="34" charset="0"/>
+              <a:buChar char="•"/>
+            </a:pPr>
+            <a:endParaRPr lang="en-US" sz="3200" dirty="0" smtClean="0">
+              <a:solidFill>
+                <a:schemeClr val="tx1">
+                  <a:lumMod val="65000"/>
+                  <a:lumOff val="35000"/>
+                </a:schemeClr>
+              </a:solidFill>
+              <a:cs typeface="Arial" panose="020B0604020202020204" pitchFamily="34" charset="0"/>
+            </a:endParaRPr>
+          </a:p>
+          <a:p>
+            <a:pPr marL="285750" indent="-285750">
+              <a:buFont typeface="Arial" panose="020B0604020202020204" pitchFamily="34" charset="0"/>
+              <a:buChar char="•"/>
+            </a:pPr>
+            <a:endParaRPr lang="en-US" sz="3200" dirty="0" smtClean="0">
+              <a:solidFill>
+                <a:schemeClr val="tx1">
+                  <a:lumMod val="65000"/>
+                  <a:lumOff val="35000"/>
+                </a:schemeClr>
+              </a:solidFill>
+              <a:cs typeface="Arial" panose="020B0604020202020204" pitchFamily="34" charset="0"/>
+            </a:endParaRPr>
+          </a:p>
+          <a:p>
+            <a:pPr marL="285750" indent="-285750">
+              <a:buFont typeface="Arial" panose="020B0604020202020204" pitchFamily="34" charset="0"/>
+              <a:buChar char="•"/>
+            </a:pPr>
+            <a:endParaRPr lang="en-US" sz="3200" dirty="0" smtClean="0">
+              <a:solidFill>
+                <a:schemeClr val="tx1">
+                  <a:lumMod val="65000"/>
+                  <a:lumOff val="35000"/>
+                </a:schemeClr>
+              </a:solidFill>
+              <a:cs typeface="Arial" panose="020B0604020202020204" pitchFamily="34" charset="0"/>
+            </a:endParaRPr>
+          </a:p>
+          <a:p>
+            <a:pPr marL="285750" indent="-285750">
+              <a:buFont typeface="Arial" panose="020B0604020202020204" pitchFamily="34" charset="0"/>
+              <a:buChar char="•"/>
+            </a:pPr>
+            <a:r>
+              <a:rPr lang="en-US" sz="3200" dirty="0" smtClean="0">
+                <a:solidFill>
+                  <a:schemeClr val="tx1">
+                    <a:lumMod val="65000"/>
+                    <a:lumOff val="35000"/>
+                  </a:schemeClr>
+                </a:solidFill>
+                <a:cs typeface="Arial" panose="020B0604020202020204" pitchFamily="34" charset="0"/>
+              </a:rPr>
+              <a:t>Mixed digital-physical environments</a:t>
+            </a:r>
+            <a:endParaRPr lang="en-US" sz="3200" dirty="0">
+              <a:solidFill>
+                <a:schemeClr val="tx1">
+                  <a:lumMod val="65000"/>
+                  <a:lumOff val="35000"/>
+                </a:schemeClr>
+              </a:solidFill>
+              <a:cs typeface="Arial" panose="020B0604020202020204" pitchFamily="34" charset="0"/>
+            </a:endParaRPr>
+          </a:p>
+          <a:p>
+            <a:pPr marL="285750" indent="-285750">
+              <a:buFont typeface="Arial" panose="020B0604020202020204" pitchFamily="34" charset="0"/>
+              <a:buChar char="•"/>
+            </a:pPr>
+            <a:endParaRPr lang="en-US" sz="3200" dirty="0" smtClean="0">
+              <a:solidFill>
+                <a:schemeClr val="tx1">
+                  <a:lumMod val="65000"/>
+                  <a:lumOff val="35000"/>
+                </a:schemeClr>
+              </a:solidFill>
+              <a:cs typeface="Arial" panose="020B0604020202020204" pitchFamily="34" charset="0"/>
+            </a:endParaRPr>
+          </a:p>
+          <a:p>
+            <a:pPr marL="285750" indent="-285750">
+              <a:buFont typeface="Arial" panose="020B0604020202020204" pitchFamily="34" charset="0"/>
+              <a:buChar char="•"/>
+            </a:pPr>
+            <a:endParaRPr lang="en-US" sz="3200" dirty="0">
+              <a:solidFill>
+                <a:schemeClr val="tx1">
+                  <a:lumMod val="65000"/>
+                  <a:lumOff val="35000"/>
+                </a:schemeClr>
+              </a:solidFill>
+              <a:cs typeface="Arial" panose="020B0604020202020204" pitchFamily="34" charset="0"/>
+            </a:endParaRPr>
+          </a:p>
+          <a:p>
+            <a:pPr marL="285750" indent="-285750">
+              <a:buFont typeface="Arial" panose="020B0604020202020204" pitchFamily="34" charset="0"/>
+              <a:buChar char="•"/>
+            </a:pPr>
+            <a:endParaRPr lang="en-US" sz="3200" dirty="0" smtClean="0">
+              <a:solidFill>
+                <a:schemeClr val="tx1">
+                  <a:lumMod val="65000"/>
+                  <a:lumOff val="35000"/>
+                </a:schemeClr>
+              </a:solidFill>
+              <a:cs typeface="Arial" panose="020B0604020202020204" pitchFamily="34" charset="0"/>
+            </a:endParaRPr>
+          </a:p>
+          <a:p>
+            <a:pPr marL="285750" indent="-285750">
+              <a:buFont typeface="Arial" panose="020B0604020202020204" pitchFamily="34" charset="0"/>
+              <a:buChar char="•"/>
+            </a:pPr>
+            <a:endParaRPr lang="en-US" sz="3200" dirty="0">
+              <a:solidFill>
+                <a:schemeClr val="tx1">
+                  <a:lumMod val="65000"/>
+                  <a:lumOff val="35000"/>
+                </a:schemeClr>
+              </a:solidFill>
+              <a:cs typeface="Arial" panose="020B0604020202020204" pitchFamily="34" charset="0"/>
+            </a:endParaRPr>
+          </a:p>
+        </p:txBody>
+      </p:sp>
     </p:spTree>
     <p:extLst>
       <p:ext uri="{BB962C8B-B14F-4D97-AF65-F5344CB8AC3E}">
@@ -4587,6 +7868,292 @@
       </p:grpSpPr>
       <p:sp>
         <p:nvSpPr>
+          <p:cNvPr id="5" name="TextBox 4"/>
+          <p:cNvSpPr txBox="1"/>
+          <p:nvPr/>
+        </p:nvSpPr>
+        <p:spPr>
+          <a:xfrm>
+            <a:off x="425116" y="1636295"/>
+            <a:ext cx="10328228" cy="7478970"/>
+          </a:xfrm>
+          <a:prstGeom prst="rect">
+            <a:avLst/>
+          </a:prstGeom>
+          <a:noFill/>
+        </p:spPr>
+        <p:txBody>
+          <a:bodyPr wrap="square" rtlCol="0">
+            <a:spAutoFit/>
+          </a:bodyPr>
+          <a:lstStyle/>
+          <a:p>
+            <a:pPr marL="285750" indent="-285750">
+              <a:buFont typeface="Arial" panose="020B0604020202020204" pitchFamily="34" charset="0"/>
+              <a:buChar char="•"/>
+            </a:pPr>
+            <a:r>
+              <a:rPr lang="en-US" sz="3200" dirty="0" smtClean="0">
+                <a:solidFill>
+                  <a:schemeClr val="tx1">
+                    <a:lumMod val="65000"/>
+                    <a:lumOff val="35000"/>
+                  </a:schemeClr>
+                </a:solidFill>
+                <a:cs typeface="Arial" panose="020B0604020202020204" pitchFamily="34" charset="0"/>
+              </a:rPr>
+              <a:t>Survey collection after completion of FLIP Kits</a:t>
+            </a:r>
+          </a:p>
+          <a:p>
+            <a:pPr marL="285750" indent="-285750">
+              <a:buFont typeface="Arial" panose="020B0604020202020204" pitchFamily="34" charset="0"/>
+              <a:buChar char="•"/>
+            </a:pPr>
+            <a:endParaRPr lang="en-US" sz="3200" dirty="0">
+              <a:solidFill>
+                <a:schemeClr val="tx1">
+                  <a:lumMod val="65000"/>
+                  <a:lumOff val="35000"/>
+                </a:schemeClr>
+              </a:solidFill>
+              <a:cs typeface="Arial" panose="020B0604020202020204" pitchFamily="34" charset="0"/>
+            </a:endParaRPr>
+          </a:p>
+          <a:p>
+            <a:pPr marL="285750" indent="-285750">
+              <a:buFont typeface="Arial" panose="020B0604020202020204" pitchFamily="34" charset="0"/>
+              <a:buChar char="•"/>
+            </a:pPr>
+            <a:endParaRPr lang="en-US" sz="3200" dirty="0" smtClean="0">
+              <a:solidFill>
+                <a:schemeClr val="tx1">
+                  <a:lumMod val="65000"/>
+                  <a:lumOff val="35000"/>
+                </a:schemeClr>
+              </a:solidFill>
+              <a:cs typeface="Arial" panose="020B0604020202020204" pitchFamily="34" charset="0"/>
+            </a:endParaRPr>
+          </a:p>
+          <a:p>
+            <a:endParaRPr lang="en-US" sz="3200" dirty="0" smtClean="0">
+              <a:solidFill>
+                <a:schemeClr val="tx1">
+                  <a:lumMod val="65000"/>
+                  <a:lumOff val="35000"/>
+                </a:schemeClr>
+              </a:solidFill>
+              <a:cs typeface="Arial" panose="020B0604020202020204" pitchFamily="34" charset="0"/>
+            </a:endParaRPr>
+          </a:p>
+          <a:p>
+            <a:endParaRPr lang="en-US" sz="3200" dirty="0" smtClean="0">
+              <a:solidFill>
+                <a:schemeClr val="tx1">
+                  <a:lumMod val="65000"/>
+                  <a:lumOff val="35000"/>
+                </a:schemeClr>
+              </a:solidFill>
+              <a:cs typeface="Arial" panose="020B0604020202020204" pitchFamily="34" charset="0"/>
+            </a:endParaRPr>
+          </a:p>
+          <a:p>
+            <a:pPr marL="285750" indent="-285750">
+              <a:buFont typeface="Arial" panose="020B0604020202020204" pitchFamily="34" charset="0"/>
+              <a:buChar char="•"/>
+            </a:pPr>
+            <a:endParaRPr lang="en-US" sz="3200" dirty="0" smtClean="0">
+              <a:solidFill>
+                <a:schemeClr val="tx1">
+                  <a:lumMod val="65000"/>
+                  <a:lumOff val="35000"/>
+                </a:schemeClr>
+              </a:solidFill>
+              <a:cs typeface="Arial" panose="020B0604020202020204" pitchFamily="34" charset="0"/>
+            </a:endParaRPr>
+          </a:p>
+          <a:p>
+            <a:pPr marL="285750" indent="-285750">
+              <a:buFont typeface="Arial" panose="020B0604020202020204" pitchFamily="34" charset="0"/>
+              <a:buChar char="•"/>
+            </a:pPr>
+            <a:endParaRPr lang="en-US" sz="3200" dirty="0">
+              <a:solidFill>
+                <a:schemeClr val="tx1">
+                  <a:lumMod val="65000"/>
+                  <a:lumOff val="35000"/>
+                </a:schemeClr>
+              </a:solidFill>
+              <a:cs typeface="Arial" panose="020B0604020202020204" pitchFamily="34" charset="0"/>
+            </a:endParaRPr>
+          </a:p>
+          <a:p>
+            <a:pPr marL="285750" indent="-285750">
+              <a:buFont typeface="Arial" panose="020B0604020202020204" pitchFamily="34" charset="0"/>
+              <a:buChar char="•"/>
+            </a:pPr>
+            <a:endParaRPr lang="en-US" sz="3200" dirty="0" smtClean="0">
+              <a:solidFill>
+                <a:schemeClr val="tx1">
+                  <a:lumMod val="65000"/>
+                  <a:lumOff val="35000"/>
+                </a:schemeClr>
+              </a:solidFill>
+              <a:cs typeface="Arial" panose="020B0604020202020204" pitchFamily="34" charset="0"/>
+            </a:endParaRPr>
+          </a:p>
+          <a:p>
+            <a:pPr marL="285750" indent="-285750">
+              <a:buFont typeface="Arial" panose="020B0604020202020204" pitchFamily="34" charset="0"/>
+              <a:buChar char="•"/>
+            </a:pPr>
+            <a:endParaRPr lang="en-US" sz="3200" dirty="0">
+              <a:solidFill>
+                <a:schemeClr val="tx1">
+                  <a:lumMod val="65000"/>
+                  <a:lumOff val="35000"/>
+                </a:schemeClr>
+              </a:solidFill>
+              <a:cs typeface="Arial" panose="020B0604020202020204" pitchFamily="34" charset="0"/>
+            </a:endParaRPr>
+          </a:p>
+          <a:p>
+            <a:pPr marL="285750" indent="-285750">
+              <a:buFont typeface="Arial" panose="020B0604020202020204" pitchFamily="34" charset="0"/>
+              <a:buChar char="•"/>
+            </a:pPr>
+            <a:r>
+              <a:rPr lang="en-US" sz="3200" dirty="0" smtClean="0">
+                <a:solidFill>
+                  <a:schemeClr val="tx1">
+                    <a:lumMod val="65000"/>
+                    <a:lumOff val="35000"/>
+                  </a:schemeClr>
+                </a:solidFill>
+                <a:cs typeface="Arial" panose="020B0604020202020204" pitchFamily="34" charset="0"/>
+              </a:rPr>
+              <a:t>Tracks usage of each FLIP Kit in the database</a:t>
+            </a:r>
+          </a:p>
+          <a:p>
+            <a:pPr marL="285750" indent="-285750">
+              <a:buFont typeface="Arial" panose="020B0604020202020204" pitchFamily="34" charset="0"/>
+              <a:buChar char="•"/>
+            </a:pPr>
+            <a:endParaRPr lang="en-US" sz="3200" dirty="0">
+              <a:solidFill>
+                <a:schemeClr val="tx1">
+                  <a:lumMod val="65000"/>
+                  <a:lumOff val="35000"/>
+                </a:schemeClr>
+              </a:solidFill>
+              <a:cs typeface="Arial" panose="020B0604020202020204" pitchFamily="34" charset="0"/>
+            </a:endParaRPr>
+          </a:p>
+          <a:p>
+            <a:pPr marL="285750" indent="-285750">
+              <a:buFont typeface="Arial" panose="020B0604020202020204" pitchFamily="34" charset="0"/>
+              <a:buChar char="•"/>
+            </a:pPr>
+            <a:endParaRPr lang="en-US" sz="3200" dirty="0" smtClean="0">
+              <a:solidFill>
+                <a:schemeClr val="tx1">
+                  <a:lumMod val="65000"/>
+                  <a:lumOff val="35000"/>
+                </a:schemeClr>
+              </a:solidFill>
+              <a:cs typeface="Arial" panose="020B0604020202020204" pitchFamily="34" charset="0"/>
+            </a:endParaRPr>
+          </a:p>
+          <a:p>
+            <a:pPr marL="285750" indent="-285750">
+              <a:buFont typeface="Arial" panose="020B0604020202020204" pitchFamily="34" charset="0"/>
+              <a:buChar char="•"/>
+            </a:pPr>
+            <a:endParaRPr lang="en-US" sz="3200" dirty="0">
+              <a:solidFill>
+                <a:schemeClr val="tx1">
+                  <a:lumMod val="65000"/>
+                  <a:lumOff val="35000"/>
+                </a:schemeClr>
+              </a:solidFill>
+              <a:cs typeface="Arial" panose="020B0604020202020204" pitchFamily="34" charset="0"/>
+            </a:endParaRPr>
+          </a:p>
+          <a:p>
+            <a:pPr marL="285750" indent="-285750">
+              <a:buFont typeface="Arial" panose="020B0604020202020204" pitchFamily="34" charset="0"/>
+              <a:buChar char="•"/>
+            </a:pPr>
+            <a:endParaRPr lang="en-US" sz="3200" dirty="0" smtClean="0">
+              <a:solidFill>
+                <a:schemeClr val="tx1">
+                  <a:lumMod val="65000"/>
+                  <a:lumOff val="35000"/>
+                </a:schemeClr>
+              </a:solidFill>
+              <a:cs typeface="Arial" panose="020B0604020202020204" pitchFamily="34" charset="0"/>
+            </a:endParaRPr>
+          </a:p>
+          <a:p>
+            <a:pPr marL="285750" indent="-285750">
+              <a:buFont typeface="Arial" panose="020B0604020202020204" pitchFamily="34" charset="0"/>
+              <a:buChar char="•"/>
+            </a:pPr>
+            <a:endParaRPr lang="en-US" sz="3200" dirty="0">
+              <a:solidFill>
+                <a:schemeClr val="tx1">
+                  <a:lumMod val="65000"/>
+                  <a:lumOff val="35000"/>
+                </a:schemeClr>
+              </a:solidFill>
+              <a:cs typeface="Arial" panose="020B0604020202020204" pitchFamily="34" charset="0"/>
+            </a:endParaRPr>
+          </a:p>
+        </p:txBody>
+      </p:sp>
+      <p:sp>
+        <p:nvSpPr>
+          <p:cNvPr id="6" name="Right Arrow 5"/>
+          <p:cNvSpPr/>
+          <p:nvPr/>
+        </p:nvSpPr>
+        <p:spPr>
+          <a:xfrm>
+            <a:off x="3616036" y="3512127"/>
+            <a:ext cx="2348346" cy="394854"/>
+          </a:xfrm>
+          <a:prstGeom prst="rightArrow">
+            <a:avLst/>
+          </a:prstGeom>
+        </p:spPr>
+        <p:style>
+          <a:lnRef idx="2">
+            <a:schemeClr val="accent1">
+              <a:shade val="50000"/>
+            </a:schemeClr>
+          </a:lnRef>
+          <a:fillRef idx="1">
+            <a:schemeClr val="accent1"/>
+          </a:fillRef>
+          <a:effectRef idx="0">
+            <a:schemeClr val="accent1"/>
+          </a:effectRef>
+          <a:fontRef idx="minor">
+            <a:schemeClr val="lt1"/>
+          </a:fontRef>
+        </p:style>
+        <p:txBody>
+          <a:bodyPr rtlCol="0" anchor="ctr"/>
+          <a:lstStyle/>
+          <a:p>
+            <a:pPr algn="ctr"/>
+            <a:endParaRPr lang="en-US"/>
+          </a:p>
+        </p:txBody>
+      </p:sp>
+      <p:sp>
+        <p:nvSpPr>
           <p:cNvPr id="2" name="Title 1"/>
           <p:cNvSpPr>
             <a:spLocks noGrp="1"/>
@@ -4681,6 +8248,35 @@
           </a:fontRef>
         </p:style>
       </p:cxnSp>
+      <p:pic>
+        <p:nvPicPr>
+          <p:cNvPr id="4" name="Picture 3"/>
+          <p:cNvPicPr>
+            <a:picLocks noChangeAspect="1"/>
+          </p:cNvPicPr>
+          <p:nvPr/>
+        </p:nvPicPr>
+        <p:blipFill rotWithShape="1">
+          <a:blip r:embed="rId2">
+            <a:extLst>
+              <a:ext uri="{28A0092B-C50C-407E-A947-70E740481C1C}">
+                <a14:useLocalDpi xmlns:a14="http://schemas.microsoft.com/office/drawing/2010/main" val="0"/>
+              </a:ext>
+            </a:extLst>
+          </a:blip>
+          <a:srcRect l="13820" t="-323" r="8992" b="8496"/>
+          <a:stretch/>
+        </p:blipFill>
+        <p:spPr>
+          <a:xfrm>
+            <a:off x="1163784" y="2286062"/>
+            <a:ext cx="2763982" cy="3551905"/>
+          </a:xfrm>
+          <a:prstGeom prst="rect">
+            <a:avLst/>
+          </a:prstGeom>
+        </p:spPr>
+      </p:pic>
     </p:spTree>
     <p:extLst>
       <p:ext uri="{BB962C8B-B14F-4D97-AF65-F5344CB8AC3E}">
@@ -4828,6 +8424,337 @@
     </mc:Choice>
     <mc:Fallback xmlns="">
       <p:transition spd="med">
+        <p:fade/>
+      </p:transition>
+    </mc:Fallback>
+  </mc:AlternateContent>
+  <p:timing>
+    <p:tnLst>
+      <p:par>
+        <p:cTn id="1" dur="indefinite" restart="never" nodeType="tmRoot"/>
+      </p:par>
+    </p:tnLst>
+  </p:timing>
+</p:sld>
+</file>
+
+<file path=ppt/slides/slide7.xml><?xml version="1.0" encoding="utf-8"?>
+<p:sld xmlns:a="http://schemas.openxmlformats.org/drawingml/2006/main" xmlns:r="http://schemas.openxmlformats.org/officeDocument/2006/relationships" xmlns:p="http://schemas.openxmlformats.org/presentationml/2006/main">
+  <p:cSld>
+    <p:bg>
+      <p:bgPr>
+        <a:solidFill>
+          <a:schemeClr val="accent1">
+            <a:lumMod val="60000"/>
+            <a:lumOff val="40000"/>
+          </a:schemeClr>
+        </a:solidFill>
+        <a:effectLst/>
+      </p:bgPr>
+    </p:bg>
+    <p:spTree>
+      <p:nvGrpSpPr>
+        <p:cNvPr id="1" name=""/>
+        <p:cNvGrpSpPr/>
+        <p:nvPr/>
+      </p:nvGrpSpPr>
+      <p:grpSpPr>
+        <a:xfrm>
+          <a:off x="0" y="0"/>
+          <a:ext cx="0" cy="0"/>
+          <a:chOff x="0" y="0"/>
+          <a:chExt cx="0" cy="0"/>
+        </a:xfrm>
+      </p:grpSpPr>
+      <p:sp>
+        <p:nvSpPr>
+          <p:cNvPr id="2" name="Title 1"/>
+          <p:cNvSpPr>
+            <a:spLocks noGrp="1"/>
+          </p:cNvSpPr>
+          <p:nvPr>
+            <p:ph type="title"/>
+          </p:nvPr>
+        </p:nvSpPr>
+        <p:spPr>
+          <a:xfrm>
+            <a:off x="618744" y="145669"/>
+            <a:ext cx="10515600" cy="1325563"/>
+          </a:xfrm>
+          <a:effectLst>
+            <a:outerShdw blurRad="50800" dist="38100" dir="5400000" algn="t" rotWithShape="0">
+              <a:prstClr val="black">
+                <a:alpha val="41000"/>
+              </a:prstClr>
+            </a:outerShdw>
+          </a:effectLst>
+        </p:spPr>
+        <p:txBody>
+          <a:bodyPr>
+            <a:noAutofit/>
+          </a:bodyPr>
+          <a:lstStyle/>
+          <a:p>
+            <a:pPr algn="ctr"/>
+            <a:r>
+              <a:rPr lang="en-US" sz="9600" dirty="0" smtClean="0">
+                <a:solidFill>
+                  <a:schemeClr val="bg1"/>
+                </a:solidFill>
+                <a:latin typeface="Bebas Neue" panose="020B0606020202050201" pitchFamily="34" charset="0"/>
+              </a:rPr>
+              <a:t>Roadmap to the future</a:t>
+            </a:r>
+            <a:endParaRPr lang="en-US" sz="9600" dirty="0">
+              <a:solidFill>
+                <a:schemeClr val="bg1"/>
+              </a:solidFill>
+              <a:latin typeface="Bebas Neue" panose="020B0606020202050201" pitchFamily="34" charset="0"/>
+            </a:endParaRPr>
+          </a:p>
+        </p:txBody>
+      </p:sp>
+      <p:cxnSp>
+        <p:nvCxnSpPr>
+          <p:cNvPr id="34" name="Straight Connector 33"/>
+          <p:cNvCxnSpPr/>
+          <p:nvPr/>
+        </p:nvCxnSpPr>
+        <p:spPr>
+          <a:xfrm flipV="1">
+            <a:off x="0" y="1313280"/>
+            <a:ext cx="12192000" cy="8736"/>
+          </a:xfrm>
+          <a:prstGeom prst="line">
+            <a:avLst/>
+          </a:prstGeom>
+          <a:ln w="19050">
+            <a:solidFill>
+              <a:schemeClr val="tx1">
+                <a:lumMod val="50000"/>
+                <a:lumOff val="50000"/>
+                <a:alpha val="41000"/>
+              </a:schemeClr>
+            </a:solidFill>
+          </a:ln>
+          <a:effectLst>
+            <a:outerShdw blurRad="50800" dist="38100" dir="8100000" algn="tr" rotWithShape="0">
+              <a:schemeClr val="tx1">
+                <a:lumMod val="50000"/>
+                <a:lumOff val="50000"/>
+                <a:alpha val="47000"/>
+              </a:schemeClr>
+            </a:outerShdw>
+          </a:effectLst>
+        </p:spPr>
+        <p:style>
+          <a:lnRef idx="1">
+            <a:schemeClr val="accent6"/>
+          </a:lnRef>
+          <a:fillRef idx="0">
+            <a:schemeClr val="accent6"/>
+          </a:fillRef>
+          <a:effectRef idx="0">
+            <a:schemeClr val="accent6"/>
+          </a:effectRef>
+          <a:fontRef idx="minor">
+            <a:schemeClr val="tx1"/>
+          </a:fontRef>
+        </p:style>
+      </p:cxnSp>
+      <p:sp>
+        <p:nvSpPr>
+          <p:cNvPr id="5" name="TextBox 4"/>
+          <p:cNvSpPr txBox="1"/>
+          <p:nvPr/>
+        </p:nvSpPr>
+        <p:spPr>
+          <a:xfrm>
+            <a:off x="425116" y="1636295"/>
+            <a:ext cx="10328228" cy="5016758"/>
+          </a:xfrm>
+          <a:prstGeom prst="rect">
+            <a:avLst/>
+          </a:prstGeom>
+          <a:noFill/>
+        </p:spPr>
+        <p:txBody>
+          <a:bodyPr wrap="square" rtlCol="0">
+            <a:spAutoFit/>
+          </a:bodyPr>
+          <a:lstStyle/>
+          <a:p>
+            <a:pPr marL="285750" indent="-285750">
+              <a:buFont typeface="Arial" panose="020B0604020202020204" pitchFamily="34" charset="0"/>
+              <a:buChar char="•"/>
+            </a:pPr>
+            <a:r>
+              <a:rPr lang="en-US" sz="3200" dirty="0" smtClean="0">
+                <a:solidFill>
+                  <a:schemeClr val="tx1">
+                    <a:lumMod val="65000"/>
+                    <a:lumOff val="35000"/>
+                  </a:schemeClr>
+                </a:solidFill>
+                <a:cs typeface="Arial" panose="020B0604020202020204" pitchFamily="34" charset="0"/>
+              </a:rPr>
+              <a:t>FLIP Kits Recommendations algorithm</a:t>
+            </a:r>
+          </a:p>
+          <a:p>
+            <a:pPr marL="285750" indent="-285750">
+              <a:buFont typeface="Arial" panose="020B0604020202020204" pitchFamily="34" charset="0"/>
+              <a:buChar char="•"/>
+            </a:pPr>
+            <a:endParaRPr lang="en-US" sz="3200" dirty="0">
+              <a:solidFill>
+                <a:schemeClr val="tx1">
+                  <a:lumMod val="65000"/>
+                  <a:lumOff val="35000"/>
+                </a:schemeClr>
+              </a:solidFill>
+              <a:cs typeface="Arial" panose="020B0604020202020204" pitchFamily="34" charset="0"/>
+            </a:endParaRPr>
+          </a:p>
+          <a:p>
+            <a:pPr marL="285750" indent="-285750">
+              <a:buFont typeface="Arial" panose="020B0604020202020204" pitchFamily="34" charset="0"/>
+              <a:buChar char="•"/>
+            </a:pPr>
+            <a:endParaRPr lang="en-US" sz="3200" dirty="0" smtClean="0">
+              <a:solidFill>
+                <a:schemeClr val="tx1">
+                  <a:lumMod val="65000"/>
+                  <a:lumOff val="35000"/>
+                </a:schemeClr>
+              </a:solidFill>
+              <a:cs typeface="Arial" panose="020B0604020202020204" pitchFamily="34" charset="0"/>
+            </a:endParaRPr>
+          </a:p>
+          <a:p>
+            <a:endParaRPr lang="en-US" sz="3200" dirty="0" smtClean="0">
+              <a:solidFill>
+                <a:schemeClr val="tx1">
+                  <a:lumMod val="65000"/>
+                  <a:lumOff val="35000"/>
+                </a:schemeClr>
+              </a:solidFill>
+              <a:cs typeface="Arial" panose="020B0604020202020204" pitchFamily="34" charset="0"/>
+            </a:endParaRPr>
+          </a:p>
+          <a:p>
+            <a:pPr marL="285750" indent="-285750">
+              <a:buFont typeface="Arial" panose="020B0604020202020204" pitchFamily="34" charset="0"/>
+              <a:buChar char="•"/>
+            </a:pPr>
+            <a:r>
+              <a:rPr lang="en-US" sz="3200" dirty="0" smtClean="0">
+                <a:solidFill>
+                  <a:schemeClr val="tx1">
+                    <a:lumMod val="65000"/>
+                    <a:lumOff val="35000"/>
+                  </a:schemeClr>
+                </a:solidFill>
+                <a:cs typeface="Arial" panose="020B0604020202020204" pitchFamily="34" charset="0"/>
+              </a:rPr>
+              <a:t>Social media sharing</a:t>
+            </a:r>
+          </a:p>
+          <a:p>
+            <a:pPr marL="285750" indent="-285750">
+              <a:buFont typeface="Arial" panose="020B0604020202020204" pitchFamily="34" charset="0"/>
+              <a:buChar char="•"/>
+            </a:pPr>
+            <a:endParaRPr lang="en-US" sz="3200" dirty="0">
+              <a:solidFill>
+                <a:schemeClr val="tx1">
+                  <a:lumMod val="65000"/>
+                  <a:lumOff val="35000"/>
+                </a:schemeClr>
+              </a:solidFill>
+              <a:cs typeface="Arial" panose="020B0604020202020204" pitchFamily="34" charset="0"/>
+            </a:endParaRPr>
+          </a:p>
+          <a:p>
+            <a:pPr marL="285750" indent="-285750">
+              <a:buFont typeface="Arial" panose="020B0604020202020204" pitchFamily="34" charset="0"/>
+              <a:buChar char="•"/>
+            </a:pPr>
+            <a:endParaRPr lang="en-US" sz="3200" dirty="0" smtClean="0">
+              <a:solidFill>
+                <a:schemeClr val="tx1">
+                  <a:lumMod val="65000"/>
+                  <a:lumOff val="35000"/>
+                </a:schemeClr>
+              </a:solidFill>
+              <a:cs typeface="Arial" panose="020B0604020202020204" pitchFamily="34" charset="0"/>
+            </a:endParaRPr>
+          </a:p>
+          <a:p>
+            <a:pPr marL="285750" indent="-285750">
+              <a:buFont typeface="Arial" panose="020B0604020202020204" pitchFamily="34" charset="0"/>
+              <a:buChar char="•"/>
+            </a:pPr>
+            <a:endParaRPr lang="en-US" sz="3200" dirty="0">
+              <a:solidFill>
+                <a:schemeClr val="tx1">
+                  <a:lumMod val="65000"/>
+                  <a:lumOff val="35000"/>
+                </a:schemeClr>
+              </a:solidFill>
+              <a:cs typeface="Arial" panose="020B0604020202020204" pitchFamily="34" charset="0"/>
+            </a:endParaRPr>
+          </a:p>
+          <a:p>
+            <a:pPr marL="285750" indent="-285750">
+              <a:buFont typeface="Arial" panose="020B0604020202020204" pitchFamily="34" charset="0"/>
+              <a:buChar char="•"/>
+            </a:pPr>
+            <a:endParaRPr lang="en-US" sz="3200" dirty="0" smtClean="0">
+              <a:solidFill>
+                <a:schemeClr val="tx1">
+                  <a:lumMod val="65000"/>
+                  <a:lumOff val="35000"/>
+                </a:schemeClr>
+              </a:solidFill>
+              <a:cs typeface="Arial" panose="020B0604020202020204" pitchFamily="34" charset="0"/>
+            </a:endParaRPr>
+          </a:p>
+          <a:p>
+            <a:pPr marL="285750" indent="-285750">
+              <a:buFont typeface="Arial" panose="020B0604020202020204" pitchFamily="34" charset="0"/>
+              <a:buChar char="•"/>
+            </a:pPr>
+            <a:endParaRPr lang="en-US" sz="3200" dirty="0">
+              <a:solidFill>
+                <a:schemeClr val="tx1">
+                  <a:lumMod val="65000"/>
+                  <a:lumOff val="35000"/>
+                </a:schemeClr>
+              </a:solidFill>
+              <a:cs typeface="Arial" panose="020B0604020202020204" pitchFamily="34" charset="0"/>
+            </a:endParaRPr>
+          </a:p>
+        </p:txBody>
+      </p:sp>
+    </p:spTree>
+    <p:extLst>
+      <p:ext uri="{BB962C8B-B14F-4D97-AF65-F5344CB8AC3E}">
+        <p14:creationId xmlns:p14="http://schemas.microsoft.com/office/powerpoint/2010/main" val="2034172408"/>
+      </p:ext>
+    </p:extLst>
+  </p:cSld>
+  <p:clrMapOvr>
+    <a:masterClrMapping/>
+  </p:clrMapOvr>
+  <mc:AlternateContent xmlns:mc="http://schemas.openxmlformats.org/markup-compatibility/2006" xmlns:p14="http://schemas.microsoft.com/office/powerpoint/2010/main">
+    <mc:Choice Requires="p14">
+      <p:transition spd="slow" p14:dur="1300">
+        <p14:pan dir="u"/>
+      </p:transition>
+    </mc:Choice>
+    <mc:Fallback xmlns="">
+      <p:transition spd="slow">
         <p:fade/>
       </p:transition>
     </mc:Fallback>

--- a/Presentation.pptx
+++ b/Presentation.pptx
@@ -119,6 +119,32 @@
     </p:ext>
   </p:extLst>
 </p:presentation>
+</file>
+
+<file path=ppt/commentAuthors.xml><?xml version="1.0" encoding="utf-8"?>
+<p:cmAuthorLst xmlns:a="http://schemas.openxmlformats.org/drawingml/2006/main" xmlns:r="http://schemas.openxmlformats.org/officeDocument/2006/relationships" xmlns:p="http://schemas.openxmlformats.org/presentationml/2006/main">
+  <p:cmAuthor id="1" name="Monica Tran" initials="MT" lastIdx="1" clrIdx="0">
+    <p:extLst>
+      <p:ext uri="{19B8F6BF-5375-455C-9EA6-DF929625EA0E}">
+        <p15:presenceInfo xmlns:p15="http://schemas.microsoft.com/office/powerpoint/2012/main" userId="83e7c4e507979443" providerId="Windows Live"/>
+      </p:ext>
+    </p:extLst>
+  </p:cmAuthor>
+</p:cmAuthorLst>
+</file>
+
+<file path=ppt/comments/comment1.xml><?xml version="1.0" encoding="utf-8"?>
+<p:cmLst xmlns:a="http://schemas.openxmlformats.org/drawingml/2006/main" xmlns:r="http://schemas.openxmlformats.org/officeDocument/2006/relationships" xmlns:p="http://schemas.openxmlformats.org/presentationml/2006/main">
+  <p:cm authorId="1" dt="2016-02-20T08:48:30.398" idx="1">
+    <p:pos x="10" y="10"/>
+    <p:text>Bullets 1 &amp; 2: Monica, Bullet 3:</p:text>
+    <p:extLst>
+      <p:ext uri="{C676402C-5697-4E1C-873F-D02D1690AC5C}">
+        <p15:threadingInfo xmlns:p15="http://schemas.microsoft.com/office/powerpoint/2012/main" timeZoneBias="360"/>
+      </p:ext>
+    </p:extLst>
+  </p:cm>
+</p:cmLst>
 </file>
 
 <file path=ppt/diagrams/colors1.xml><?xml version="1.0" encoding="utf-8"?>

--- a/Presentation.pptx
+++ b/Presentation.pptx
@@ -5,16 +5,14 @@
     <p:sldMasterId id="2147483648" r:id="rId1"/>
   </p:sldMasterIdLst>
   <p:notesMasterIdLst>
-    <p:notesMasterId r:id="rId9"/>
+    <p:notesMasterId r:id="rId7"/>
   </p:notesMasterIdLst>
   <p:sldIdLst>
     <p:sldId id="256" r:id="rId2"/>
     <p:sldId id="259" r:id="rId3"/>
     <p:sldId id="267" r:id="rId4"/>
     <p:sldId id="270" r:id="rId5"/>
-    <p:sldId id="268" r:id="rId6"/>
-    <p:sldId id="269" r:id="rId7"/>
-    <p:sldId id="271" r:id="rId8"/>
+    <p:sldId id="269" r:id="rId6"/>
   </p:sldIdLst>
   <p:sldSz cx="12192000" cy="6858000"/>
   <p:notesSz cx="6858000" cy="9144000"/>
@@ -131,20 +129,6 @@
     </p:extLst>
   </p:cmAuthor>
 </p:cmAuthorLst>
-</file>
-
-<file path=ppt/comments/comment1.xml><?xml version="1.0" encoding="utf-8"?>
-<p:cmLst xmlns:a="http://schemas.openxmlformats.org/drawingml/2006/main" xmlns:r="http://schemas.openxmlformats.org/officeDocument/2006/relationships" xmlns:p="http://schemas.openxmlformats.org/presentationml/2006/main">
-  <p:cm authorId="1" dt="2016-02-20T08:48:30.398" idx="1">
-    <p:pos x="10" y="10"/>
-    <p:text>Bullets 1 &amp; 2: Monica, Bullet 3:</p:text>
-    <p:extLst>
-      <p:ext uri="{C676402C-5697-4E1C-873F-D02D1690AC5C}">
-        <p15:threadingInfo xmlns:p15="http://schemas.microsoft.com/office/powerpoint/2012/main" timeZoneBias="360"/>
-      </p:ext>
-    </p:extLst>
-  </p:cm>
-</p:cmLst>
 </file>
 
 <file path=ppt/diagrams/colors1.xml><?xml version="1.0" encoding="utf-8"?>
@@ -1065,14 +1049,35 @@
         </dgm:presLayoutVars>
       </dgm:prSet>
       <dgm:spPr/>
+      <dgm:t>
+        <a:bodyPr/>
+        <a:lstStyle/>
+        <a:p>
+          <a:endParaRPr lang="en-US"/>
+        </a:p>
+      </dgm:t>
     </dgm:pt>
     <dgm:pt modelId="{85191E87-D398-4DED-ACEC-0811F1D794C4}" type="pres">
       <dgm:prSet presAssocID="{15081D0D-E057-44A8-B2C7-63844E986244}" presName="sibTrans" presStyleLbl="sibTrans2D1" presStyleIdx="0" presStyleCnt="3"/>
       <dgm:spPr/>
+      <dgm:t>
+        <a:bodyPr/>
+        <a:lstStyle/>
+        <a:p>
+          <a:endParaRPr lang="en-US"/>
+        </a:p>
+      </dgm:t>
     </dgm:pt>
     <dgm:pt modelId="{D7F283BD-5841-44A0-864E-A96E411ACF5C}" type="pres">
       <dgm:prSet presAssocID="{15081D0D-E057-44A8-B2C7-63844E986244}" presName="connectorText" presStyleLbl="sibTrans2D1" presStyleIdx="0" presStyleCnt="3"/>
       <dgm:spPr/>
+      <dgm:t>
+        <a:bodyPr/>
+        <a:lstStyle/>
+        <a:p>
+          <a:endParaRPr lang="en-US"/>
+        </a:p>
+      </dgm:t>
     </dgm:pt>
     <dgm:pt modelId="{BB629AAC-D893-4910-857D-1FA566DB945F}" type="pres">
       <dgm:prSet presAssocID="{1213A0DE-DE3A-4E0F-87C0-1EB121339101}" presName="node" presStyleLbl="node1" presStyleIdx="1" presStyleCnt="4">
@@ -1092,10 +1097,24 @@
     <dgm:pt modelId="{C4F4F214-A66D-4A57-9C00-2BFBEC286572}" type="pres">
       <dgm:prSet presAssocID="{61C6B059-5604-427E-98B8-D16708F7BD8E}" presName="sibTrans" presStyleLbl="sibTrans2D1" presStyleIdx="1" presStyleCnt="3"/>
       <dgm:spPr/>
+      <dgm:t>
+        <a:bodyPr/>
+        <a:lstStyle/>
+        <a:p>
+          <a:endParaRPr lang="en-US"/>
+        </a:p>
+      </dgm:t>
     </dgm:pt>
     <dgm:pt modelId="{B121EEBF-170E-48D0-A5E9-6D92F411BB52}" type="pres">
       <dgm:prSet presAssocID="{61C6B059-5604-427E-98B8-D16708F7BD8E}" presName="connectorText" presStyleLbl="sibTrans2D1" presStyleIdx="1" presStyleCnt="3"/>
       <dgm:spPr/>
+      <dgm:t>
+        <a:bodyPr/>
+        <a:lstStyle/>
+        <a:p>
+          <a:endParaRPr lang="en-US"/>
+        </a:p>
+      </dgm:t>
     </dgm:pt>
     <dgm:pt modelId="{E932B47C-E8B4-423C-A9B6-DBD0A79178DF}" type="pres">
       <dgm:prSet presAssocID="{BC332C79-6C47-4668-91F1-F8AF6C963A7D}" presName="node" presStyleLbl="node1" presStyleIdx="2" presStyleCnt="4">
@@ -1115,10 +1134,24 @@
     <dgm:pt modelId="{5F7C5BC5-355B-4FA7-BC77-46AE2BF1FA6C}" type="pres">
       <dgm:prSet presAssocID="{77860D55-A87F-47B1-9756-2E604DA5C596}" presName="sibTrans" presStyleLbl="sibTrans2D1" presStyleIdx="2" presStyleCnt="3"/>
       <dgm:spPr/>
+      <dgm:t>
+        <a:bodyPr/>
+        <a:lstStyle/>
+        <a:p>
+          <a:endParaRPr lang="en-US"/>
+        </a:p>
+      </dgm:t>
     </dgm:pt>
     <dgm:pt modelId="{B2CC9CAB-AC4A-459E-B162-3F6608A1F488}" type="pres">
       <dgm:prSet presAssocID="{77860D55-A87F-47B1-9756-2E604DA5C596}" presName="connectorText" presStyleLbl="sibTrans2D1" presStyleIdx="2" presStyleCnt="3"/>
       <dgm:spPr/>
+      <dgm:t>
+        <a:bodyPr/>
+        <a:lstStyle/>
+        <a:p>
+          <a:endParaRPr lang="en-US"/>
+        </a:p>
+      </dgm:t>
     </dgm:pt>
     <dgm:pt modelId="{99E94813-72A5-4B6C-B1D7-092AC96C0932}" type="pres">
       <dgm:prSet presAssocID="{2F87AB4F-E645-49A1-AD0F-9C65032DB0BD}" presName="node" presStyleLbl="node1" presStyleIdx="3" presStyleCnt="4">
@@ -3391,7 +3424,7 @@
           <a:p>
             <a:fld id="{1B857648-3486-4D0A-B75E-794986C9FD60}" type="slidenum">
               <a:rPr lang="en-US" smtClean="0"/>
-              <a:t>6</a:t>
+              <a:t>5</a:t>
             </a:fld>
             <a:endParaRPr lang="en-US"/>
           </a:p>
@@ -6856,8 +6889,8 @@
         </p:nvSpPr>
         <p:spPr>
           <a:xfrm>
-            <a:off x="425116" y="1636295"/>
-            <a:ext cx="10328228" cy="4832092"/>
+            <a:off x="171116" y="1382295"/>
+            <a:ext cx="10328228" cy="5570756"/>
           </a:xfrm>
           <a:prstGeom prst="rect">
             <a:avLst/>
@@ -6875,7 +6908,7 @@
               <a:buChar char="•"/>
             </a:pPr>
             <a:r>
-              <a:rPr lang="en-US" sz="3200" dirty="0" smtClean="0">
+              <a:rPr lang="en-US" sz="2800" dirty="0" smtClean="0">
                 <a:solidFill>
                   <a:schemeClr val="tx1">
                     <a:lumMod val="65000"/>
@@ -6887,48 +6920,6 @@
               <a:t>We created an application that virtualizes FLIP Kits from the Children’s Museum of </a:t>
             </a:r>
             <a:r>
-              <a:rPr lang="en-US" sz="3200" dirty="0" smtClean="0">
-                <a:solidFill>
-                  <a:schemeClr val="tx1">
-                    <a:lumMod val="65000"/>
-                    <a:lumOff val="35000"/>
-                  </a:schemeClr>
-                </a:solidFill>
-                <a:cs typeface="Arial" panose="020B0604020202020204" pitchFamily="34" charset="0"/>
-              </a:rPr>
-              <a:t>Houston</a:t>
-            </a:r>
-            <a:endParaRPr lang="en-US" sz="3200" dirty="0">
-              <a:solidFill>
-                <a:schemeClr val="tx1">
-                  <a:lumMod val="65000"/>
-                  <a:lumOff val="35000"/>
-                </a:schemeClr>
-              </a:solidFill>
-              <a:cs typeface="Arial" panose="020B0604020202020204" pitchFamily="34" charset="0"/>
-            </a:endParaRPr>
-          </a:p>
-          <a:p>
-            <a:pPr marL="285750" indent="-285750">
-              <a:buFont typeface="Arial" panose="020B0604020202020204" pitchFamily="34" charset="0"/>
-              <a:buChar char="•"/>
-            </a:pPr>
-            <a:r>
-              <a:rPr lang="en-US" sz="3200" dirty="0" smtClean="0">
-                <a:solidFill>
-                  <a:schemeClr val="tx1">
-                    <a:lumMod val="65000"/>
-                    <a:lumOff val="35000"/>
-                  </a:schemeClr>
-                </a:solidFill>
-                <a:cs typeface="Arial" panose="020B0604020202020204" pitchFamily="34" charset="0"/>
-              </a:rPr>
-              <a:t>Technologies we used</a:t>
-            </a:r>
-          </a:p>
-          <a:p>
-            <a:pPr lvl="1"/>
-            <a:r>
               <a:rPr lang="en-US" sz="2800" dirty="0" smtClean="0">
                 <a:solidFill>
                   <a:schemeClr val="tx1">
@@ -6938,7 +6929,124 @@
                 </a:solidFill>
                 <a:cs typeface="Arial" panose="020B0604020202020204" pitchFamily="34" charset="0"/>
               </a:rPr>
-              <a:t>- Ionic Framework, ASP.NET, MySQL,</a:t>
+              <a:t>Housto</a:t>
+            </a:r>
+            <a:r>
+              <a:rPr lang="en-US" sz="2800" dirty="0" smtClean="0">
+                <a:solidFill>
+                  <a:schemeClr val="tx1">
+                    <a:lumMod val="65000"/>
+                    <a:lumOff val="35000"/>
+                  </a:schemeClr>
+                </a:solidFill>
+                <a:cs typeface="Arial" panose="020B0604020202020204" pitchFamily="34" charset="0"/>
+              </a:rPr>
+              <a:t>n</a:t>
+            </a:r>
+          </a:p>
+          <a:p>
+            <a:pPr marL="285750" indent="-285750">
+              <a:buFont typeface="Arial" panose="020B0604020202020204" pitchFamily="34" charset="0"/>
+              <a:buChar char="•"/>
+            </a:pPr>
+            <a:endParaRPr lang="en-US" sz="2800" dirty="0">
+              <a:solidFill>
+                <a:schemeClr val="tx1">
+                  <a:lumMod val="65000"/>
+                  <a:lumOff val="35000"/>
+                </a:schemeClr>
+              </a:solidFill>
+              <a:cs typeface="Arial" panose="020B0604020202020204" pitchFamily="34" charset="0"/>
+            </a:endParaRPr>
+          </a:p>
+          <a:p>
+            <a:pPr marL="285750" indent="-285750">
+              <a:buFont typeface="Arial" panose="020B0604020202020204" pitchFamily="34" charset="0"/>
+              <a:buChar char="•"/>
+            </a:pPr>
+            <a:r>
+              <a:rPr lang="en-US" sz="2800" dirty="0" smtClean="0">
+                <a:solidFill>
+                  <a:schemeClr val="tx1">
+                    <a:lumMod val="65000"/>
+                    <a:lumOff val="35000"/>
+                  </a:schemeClr>
+                </a:solidFill>
+                <a:cs typeface="Arial" panose="020B0604020202020204" pitchFamily="34" charset="0"/>
+              </a:rPr>
+              <a:t>Requirements</a:t>
+            </a:r>
+          </a:p>
+          <a:p>
+            <a:pPr marL="914400" lvl="1" indent="-457200">
+              <a:buFontTx/>
+              <a:buChar char="-"/>
+            </a:pPr>
+            <a:r>
+              <a:rPr lang="en-US" sz="2800" b="1" dirty="0" smtClean="0">
+                <a:solidFill>
+                  <a:schemeClr val="tx1">
+                    <a:lumMod val="65000"/>
+                    <a:lumOff val="35000"/>
+                  </a:schemeClr>
+                </a:solidFill>
+                <a:cs typeface="Arial" panose="020B0604020202020204" pitchFamily="34" charset="0"/>
+              </a:rPr>
+              <a:t>User Accounts, Categories Selection,</a:t>
+            </a:r>
+          </a:p>
+          <a:p>
+            <a:pPr lvl="1"/>
+            <a:r>
+              <a:rPr lang="en-US" sz="2800" b="1" dirty="0" smtClean="0">
+                <a:solidFill>
+                  <a:schemeClr val="tx1">
+                    <a:lumMod val="65000"/>
+                    <a:lumOff val="35000"/>
+                  </a:schemeClr>
+                </a:solidFill>
+                <a:cs typeface="Arial" panose="020B0604020202020204" pitchFamily="34" charset="0"/>
+              </a:rPr>
+              <a:t>	Virtualization of Kit Activities, </a:t>
+            </a:r>
+          </a:p>
+          <a:p>
+            <a:pPr lvl="1"/>
+            <a:r>
+              <a:rPr lang="en-US" sz="2800" b="1" dirty="0">
+                <a:solidFill>
+                  <a:schemeClr val="tx1">
+                    <a:lumMod val="65000"/>
+                    <a:lumOff val="35000"/>
+                  </a:schemeClr>
+                </a:solidFill>
+                <a:cs typeface="Arial" panose="020B0604020202020204" pitchFamily="34" charset="0"/>
+              </a:rPr>
+              <a:t>	</a:t>
+            </a:r>
+            <a:r>
+              <a:rPr lang="en-US" sz="2800" b="1" dirty="0" smtClean="0">
+                <a:solidFill>
+                  <a:schemeClr val="tx1">
+                    <a:lumMod val="65000"/>
+                    <a:lumOff val="35000"/>
+                  </a:schemeClr>
+                </a:solidFill>
+                <a:cs typeface="Arial" panose="020B0604020202020204" pitchFamily="34" charset="0"/>
+              </a:rPr>
+              <a:t>Data Collection</a:t>
+            </a:r>
+            <a:r>
+              <a:rPr lang="en-US" sz="2800" dirty="0" smtClean="0">
+                <a:solidFill>
+                  <a:schemeClr val="tx1">
+                    <a:lumMod val="65000"/>
+                    <a:lumOff val="35000"/>
+                  </a:schemeClr>
+                </a:solidFill>
+                <a:cs typeface="Arial" panose="020B0604020202020204" pitchFamily="34" charset="0"/>
+              </a:rPr>
+              <a:t>, Recommendations, </a:t>
             </a:r>
           </a:p>
           <a:p>
@@ -6953,7 +7061,7 @@
                 </a:solidFill>
                 <a:cs typeface="Arial" panose="020B0604020202020204" pitchFamily="34" charset="0"/>
               </a:rPr>
-              <a:t> </a:t>
+              <a:t>	</a:t>
             </a:r>
             <a:r>
               <a:rPr lang="en-US" sz="2800" dirty="0" smtClean="0">
@@ -6965,11 +7073,68 @@
                 </a:solidFill>
                 <a:cs typeface="Arial" panose="020B0604020202020204" pitchFamily="34" charset="0"/>
               </a:rPr>
-              <a:t> Node.js, HTML</a:t>
+              <a:t>Social Media Sharing, E-Book </a:t>
             </a:r>
           </a:p>
           <a:p>
             <a:pPr lvl="1"/>
+            <a:r>
+              <a:rPr lang="en-US" sz="2800" dirty="0">
+                <a:solidFill>
+                  <a:schemeClr val="tx1">
+                    <a:lumMod val="65000"/>
+                    <a:lumOff val="35000"/>
+                  </a:schemeClr>
+                </a:solidFill>
+                <a:cs typeface="Arial" panose="020B0604020202020204" pitchFamily="34" charset="0"/>
+              </a:rPr>
+              <a:t>	</a:t>
+            </a:r>
+            <a:r>
+              <a:rPr lang="en-US" sz="2800" dirty="0" smtClean="0">
+                <a:solidFill>
+                  <a:schemeClr val="tx1">
+                    <a:lumMod val="65000"/>
+                    <a:lumOff val="35000"/>
+                  </a:schemeClr>
+                </a:solidFill>
+                <a:cs typeface="Arial" panose="020B0604020202020204" pitchFamily="34" charset="0"/>
+              </a:rPr>
+              <a:t>Functionality</a:t>
+            </a:r>
+          </a:p>
+          <a:p>
+            <a:pPr marL="285750" indent="-285750">
+              <a:buFont typeface="Arial" panose="020B0604020202020204" pitchFamily="34" charset="0"/>
+              <a:buChar char="•"/>
+            </a:pPr>
+            <a:endParaRPr lang="en-US" sz="2800" dirty="0">
+              <a:solidFill>
+                <a:schemeClr val="tx1">
+                  <a:lumMod val="65000"/>
+                  <a:lumOff val="35000"/>
+                </a:schemeClr>
+              </a:solidFill>
+              <a:cs typeface="Arial" panose="020B0604020202020204" pitchFamily="34" charset="0"/>
+            </a:endParaRPr>
+          </a:p>
+          <a:p>
+            <a:pPr marL="285750" indent="-285750">
+              <a:buFont typeface="Arial" panose="020B0604020202020204" pitchFamily="34" charset="0"/>
+              <a:buChar char="•"/>
+            </a:pPr>
+            <a:r>
+              <a:rPr lang="en-US" sz="2800" dirty="0" smtClean="0">
+                <a:solidFill>
+                  <a:schemeClr val="tx1">
+                    <a:lumMod val="65000"/>
+                    <a:lumOff val="35000"/>
+                  </a:schemeClr>
+                </a:solidFill>
+                <a:cs typeface="Arial" panose="020B0604020202020204" pitchFamily="34" charset="0"/>
+              </a:rPr>
+              <a:t>Technologies utilized</a:t>
+            </a:r>
             <a:endParaRPr lang="en-US" sz="2800" dirty="0" smtClean="0">
               <a:solidFill>
                 <a:schemeClr val="tx1">
@@ -6981,12 +7146,9 @@
             </a:endParaRPr>
           </a:p>
           <a:p>
-            <a:pPr marL="285750" indent="-285750">
-              <a:buFont typeface="Arial" panose="020B0604020202020204" pitchFamily="34" charset="0"/>
-              <a:buChar char="•"/>
-            </a:pPr>
-            <a:r>
-              <a:rPr lang="en-US" sz="3200" dirty="0" smtClean="0">
+            <a:pPr lvl="1"/>
+            <a:r>
+              <a:rPr lang="en-US" sz="2400" dirty="0" smtClean="0">
                 <a:solidFill>
                   <a:schemeClr val="tx1">
                     <a:lumMod val="65000"/>
@@ -6995,10 +7157,13 @@
                 </a:solidFill>
                 <a:cs typeface="Arial" panose="020B0604020202020204" pitchFamily="34" charset="0"/>
               </a:rPr>
-              <a:t>Features of “Virtual </a:t>
-            </a:r>
-            <a:r>
-              <a:rPr lang="en-US" sz="3200" dirty="0" smtClean="0">
+              <a:t>- Ionic Framework, ASP.NET, MySQL,</a:t>
+            </a:r>
+          </a:p>
+          <a:p>
+            <a:pPr lvl="1"/>
+            <a:r>
+              <a:rPr lang="en-US" sz="2400" dirty="0">
                 <a:solidFill>
                   <a:schemeClr val="tx1">
                     <a:lumMod val="65000"/>
@@ -7007,10 +7172,10 @@
                 </a:solidFill>
                 <a:cs typeface="Arial" panose="020B0604020202020204" pitchFamily="34" charset="0"/>
               </a:rPr>
-              <a:t>FLIP </a:t>
-            </a:r>
-            <a:r>
-              <a:rPr lang="en-US" sz="3200" dirty="0" smtClean="0">
+              <a:t> </a:t>
+            </a:r>
+            <a:r>
+              <a:rPr lang="en-US" sz="2400" dirty="0" smtClean="0">
                 <a:solidFill>
                   <a:schemeClr val="tx1">
                     <a:lumMod val="65000"/>
@@ -7019,13 +7184,10 @@
                 </a:solidFill>
                 <a:cs typeface="Arial" panose="020B0604020202020204" pitchFamily="34" charset="0"/>
               </a:rPr>
-              <a:t>Kit”</a:t>
-            </a:r>
-          </a:p>
-          <a:p>
-            <a:pPr lvl="1"/>
-            <a:r>
-              <a:rPr lang="en-US" sz="3200" dirty="0" smtClean="0">
+              <a:t> Node.js, </a:t>
+            </a:r>
+            <a:r>
+              <a:rPr lang="en-US" sz="2400" dirty="0" smtClean="0">
                 <a:solidFill>
                   <a:schemeClr val="tx1">
                     <a:lumMod val="65000"/>
@@ -7034,39 +7196,9 @@
                 </a:solidFill>
                 <a:cs typeface="Arial" panose="020B0604020202020204" pitchFamily="34" charset="0"/>
               </a:rPr>
-              <a:t>- Interactive User Interface</a:t>
-            </a:r>
-          </a:p>
-          <a:p>
-            <a:pPr lvl="1"/>
-            <a:r>
-              <a:rPr lang="en-US" sz="3200" dirty="0" smtClean="0">
-                <a:solidFill>
-                  <a:schemeClr val="tx1">
-                    <a:lumMod val="65000"/>
-                    <a:lumOff val="35000"/>
-                  </a:schemeClr>
-                </a:solidFill>
-                <a:cs typeface="Arial" panose="020B0604020202020204" pitchFamily="34" charset="0"/>
-              </a:rPr>
-              <a:t>- Virtualized Activities</a:t>
-            </a:r>
-          </a:p>
-          <a:p>
-            <a:pPr lvl="1"/>
-            <a:r>
-              <a:rPr lang="en-US" sz="3200" dirty="0" smtClean="0">
-                <a:solidFill>
-                  <a:schemeClr val="tx1">
-                    <a:lumMod val="65000"/>
-                    <a:lumOff val="35000"/>
-                  </a:schemeClr>
-                </a:solidFill>
-                <a:cs typeface="Arial" panose="020B0604020202020204" pitchFamily="34" charset="0"/>
-              </a:rPr>
-              <a:t>- Data Collection</a:t>
-            </a:r>
-            <a:endParaRPr lang="en-US" sz="3200" dirty="0">
+              <a:t>HTML</a:t>
+            </a:r>
+            <a:endParaRPr lang="en-US" sz="2400" dirty="0">
               <a:solidFill>
                 <a:schemeClr val="tx1">
                   <a:lumMod val="65000"/>
@@ -7100,7 +7232,7 @@
         </p:blipFill>
         <p:spPr>
           <a:xfrm>
-            <a:off x="6416566" y="2638842"/>
+            <a:off x="6543566" y="2638842"/>
             <a:ext cx="5674103" cy="4219157"/>
           </a:xfrm>
           <a:prstGeom prst="rect">
@@ -7566,7 +7698,7 @@
         </p:nvSpPr>
         <p:spPr>
           <a:xfrm>
-            <a:off x="618744" y="145669"/>
+            <a:off x="618744" y="272669"/>
             <a:ext cx="10515600" cy="1325563"/>
           </a:xfrm>
           <a:effectLst>
@@ -7610,7 +7742,7 @@
         </p:nvCxnSpPr>
         <p:spPr>
           <a:xfrm flipV="1">
-            <a:off x="0" y="1313280"/>
+            <a:off x="0" y="1440280"/>
             <a:ext cx="12192000" cy="8736"/>
           </a:xfrm>
           <a:prstGeom prst="line">
@@ -7658,8 +7790,8 @@
         </p:nvSpPr>
         <p:spPr>
           <a:xfrm>
-            <a:off x="425116" y="1636295"/>
-            <a:ext cx="10328228" cy="4524315"/>
+            <a:off x="1568116" y="1763295"/>
+            <a:ext cx="10328228" cy="3046988"/>
           </a:xfrm>
           <a:prstGeom prst="rect">
             <a:avLst/>
@@ -7686,7 +7818,46 @@
                 </a:solidFill>
                 <a:cs typeface="Arial" panose="020B0604020202020204" pitchFamily="34" charset="0"/>
               </a:rPr>
-              <a:t>Allows users to interact with digital environment</a:t>
+              <a:t>Allows users to interact with digital </a:t>
+            </a:r>
+            <a:r>
+              <a:rPr lang="en-US" sz="3200" dirty="0" smtClean="0">
+                <a:solidFill>
+                  <a:schemeClr val="tx1">
+                    <a:lumMod val="65000"/>
+                    <a:lumOff val="35000"/>
+                  </a:schemeClr>
+                </a:solidFill>
+                <a:cs typeface="Arial" panose="020B0604020202020204" pitchFamily="34" charset="0"/>
+              </a:rPr>
+              <a:t>environment</a:t>
+            </a:r>
+            <a:endParaRPr lang="en-US" sz="3200" dirty="0" smtClean="0">
+              <a:solidFill>
+                <a:schemeClr val="tx1">
+                  <a:lumMod val="65000"/>
+                  <a:lumOff val="35000"/>
+                </a:schemeClr>
+              </a:solidFill>
+              <a:cs typeface="Arial" panose="020B0604020202020204" pitchFamily="34" charset="0"/>
+            </a:endParaRPr>
+          </a:p>
+          <a:p>
+            <a:pPr marL="285750" indent="-285750">
+              <a:buFont typeface="Arial" panose="020B0604020202020204" pitchFamily="34" charset="0"/>
+              <a:buChar char="•"/>
+            </a:pPr>
+            <a:r>
+              <a:rPr lang="en-US" sz="3200" dirty="0" smtClean="0">
+                <a:solidFill>
+                  <a:schemeClr val="tx1">
+                    <a:lumMod val="65000"/>
+                    <a:lumOff val="35000"/>
+                  </a:schemeClr>
+                </a:solidFill>
+                <a:cs typeface="Arial" panose="020B0604020202020204" pitchFamily="34" charset="0"/>
+              </a:rPr>
+              <a:t>Mixed digital-physical environments</a:t>
             </a:r>
             <a:endParaRPr lang="en-US" sz="3200" dirty="0">
               <a:solidFill>
@@ -7718,7 +7889,7 @@
               <a:buFont typeface="Arial" panose="020B0604020202020204" pitchFamily="34" charset="0"/>
               <a:buChar char="•"/>
             </a:pPr>
-            <a:endParaRPr lang="en-US" sz="3200" dirty="0" smtClean="0">
+            <a:endParaRPr lang="en-US" sz="3200" dirty="0">
               <a:solidFill>
                 <a:schemeClr val="tx1">
                   <a:lumMod val="65000"/>
@@ -7748,6 +7919,44 @@
               <a:buFont typeface="Arial" panose="020B0604020202020204" pitchFamily="34" charset="0"/>
               <a:buChar char="•"/>
             </a:pPr>
+            <a:endParaRPr lang="en-US" sz="3200" dirty="0">
+              <a:solidFill>
+                <a:schemeClr val="tx1">
+                  <a:lumMod val="65000"/>
+                  <a:lumOff val="35000"/>
+                </a:schemeClr>
+              </a:solidFill>
+              <a:cs typeface="Arial" panose="020B0604020202020204" pitchFamily="34" charset="0"/>
+            </a:endParaRPr>
+          </a:p>
+        </p:txBody>
+      </p:sp>
+      <p:sp>
+        <p:nvSpPr>
+          <p:cNvPr id="5" name="TextBox 4"/>
+          <p:cNvSpPr txBox="1"/>
+          <p:nvPr/>
+        </p:nvSpPr>
+        <p:spPr>
+          <a:xfrm>
+            <a:off x="1593516" y="5090695"/>
+            <a:ext cx="10328228" cy="3539430"/>
+          </a:xfrm>
+          <a:prstGeom prst="rect">
+            <a:avLst/>
+          </a:prstGeom>
+          <a:noFill/>
+        </p:spPr>
+        <p:txBody>
+          <a:bodyPr wrap="square" rtlCol="0">
+            <a:spAutoFit/>
+          </a:bodyPr>
+          <a:lstStyle/>
+          <a:p>
+            <a:pPr marL="285750" indent="-285750">
+              <a:buFont typeface="Arial" panose="020B0604020202020204" pitchFamily="34" charset="0"/>
+              <a:buChar char="•"/>
+            </a:pPr>
             <a:r>
               <a:rPr lang="en-US" sz="3200" dirty="0" smtClean="0">
                 <a:solidFill>
@@ -7758,8 +7967,53 @@
                 </a:solidFill>
                 <a:cs typeface="Arial" panose="020B0604020202020204" pitchFamily="34" charset="0"/>
               </a:rPr>
-              <a:t>Mixed digital-physical environments</a:t>
-            </a:r>
+              <a:t>Survey collection after completion of FLIP </a:t>
+            </a:r>
+            <a:r>
+              <a:rPr lang="en-US" sz="3200" dirty="0" smtClean="0">
+                <a:solidFill>
+                  <a:schemeClr val="tx1">
+                    <a:lumMod val="65000"/>
+                    <a:lumOff val="35000"/>
+                  </a:schemeClr>
+                </a:solidFill>
+                <a:cs typeface="Arial" panose="020B0604020202020204" pitchFamily="34" charset="0"/>
+              </a:rPr>
+              <a:t>Kits</a:t>
+            </a:r>
+            <a:endParaRPr lang="en-US" sz="3200" dirty="0">
+              <a:solidFill>
+                <a:schemeClr val="tx1">
+                  <a:lumMod val="65000"/>
+                  <a:lumOff val="35000"/>
+                </a:schemeClr>
+              </a:solidFill>
+              <a:cs typeface="Arial" panose="020B0604020202020204" pitchFamily="34" charset="0"/>
+            </a:endParaRPr>
+          </a:p>
+          <a:p>
+            <a:pPr marL="285750" indent="-285750">
+              <a:buFont typeface="Arial" panose="020B0604020202020204" pitchFamily="34" charset="0"/>
+              <a:buChar char="•"/>
+            </a:pPr>
+            <a:r>
+              <a:rPr lang="en-US" sz="3200" dirty="0" smtClean="0">
+                <a:solidFill>
+                  <a:schemeClr val="tx1">
+                    <a:lumMod val="65000"/>
+                    <a:lumOff val="35000"/>
+                  </a:schemeClr>
+                </a:solidFill>
+                <a:cs typeface="Arial" panose="020B0604020202020204" pitchFamily="34" charset="0"/>
+              </a:rPr>
+              <a:t>Tracks usage of each FLIP Kit in the database</a:t>
+            </a:r>
+          </a:p>
+          <a:p>
+            <a:pPr marL="285750" indent="-285750">
+              <a:buFont typeface="Arial" panose="020B0604020202020204" pitchFamily="34" charset="0"/>
+              <a:buChar char="•"/>
+            </a:pPr>
             <a:endParaRPr lang="en-US" sz="3200" dirty="0">
               <a:solidFill>
                 <a:schemeClr val="tx1">
@@ -7832,6 +8086,121 @@
           </a:p>
         </p:txBody>
       </p:sp>
+      <p:sp>
+        <p:nvSpPr>
+          <p:cNvPr id="6" name="Title 1"/>
+          <p:cNvSpPr txBox="1">
+            <a:spLocks/>
+          </p:cNvSpPr>
+          <p:nvPr/>
+        </p:nvSpPr>
+        <p:spPr>
+          <a:xfrm>
+            <a:off x="644144" y="3600069"/>
+            <a:ext cx="10515600" cy="1325563"/>
+          </a:xfrm>
+          <a:prstGeom prst="rect">
+            <a:avLst/>
+          </a:prstGeom>
+          <a:effectLst>
+            <a:outerShdw blurRad="50800" dist="38100" dir="5400000" algn="t" rotWithShape="0">
+              <a:prstClr val="black">
+                <a:alpha val="41000"/>
+              </a:prstClr>
+            </a:outerShdw>
+          </a:effectLst>
+        </p:spPr>
+        <p:txBody>
+          <a:bodyPr vert="horz" lIns="91440" tIns="45720" rIns="91440" bIns="45720" rtlCol="0" anchor="ctr">
+            <a:noAutofit/>
+          </a:bodyPr>
+          <a:lstStyle>
+            <a:lvl1pPr algn="l" defTabSz="914400" rtl="0" eaLnBrk="1" latinLnBrk="0" hangingPunct="1">
+              <a:lnSpc>
+                <a:spcPct val="90000"/>
+              </a:lnSpc>
+              <a:spcBef>
+                <a:spcPct val="0"/>
+              </a:spcBef>
+              <a:buNone/>
+              <a:defRPr sz="4400" kern="1200">
+                <a:solidFill>
+                  <a:schemeClr val="tx1"/>
+                </a:solidFill>
+                <a:latin typeface="+mj-lt"/>
+                <a:ea typeface="+mj-ea"/>
+                <a:cs typeface="+mj-cs"/>
+              </a:defRPr>
+            </a:lvl1pPr>
+          </a:lstStyle>
+          <a:p>
+            <a:pPr algn="ctr"/>
+            <a:r>
+              <a:rPr lang="en-US" sz="9600" dirty="0" smtClean="0">
+                <a:solidFill>
+                  <a:schemeClr val="bg1"/>
+                </a:solidFill>
+                <a:latin typeface="Bebas Neue" panose="020B0606020202050201" pitchFamily="34" charset="0"/>
+              </a:rPr>
+              <a:t>DATA COLLECTION</a:t>
+            </a:r>
+            <a:endParaRPr lang="en-US" sz="9600" dirty="0">
+              <a:solidFill>
+                <a:schemeClr val="bg1"/>
+              </a:solidFill>
+              <a:latin typeface="Bebas Neue" panose="020B0606020202050201" pitchFamily="34" charset="0"/>
+            </a:endParaRPr>
+          </a:p>
+        </p:txBody>
+      </p:sp>
+      <p:cxnSp>
+        <p:nvCxnSpPr>
+          <p:cNvPr id="7" name="Straight Connector 6"/>
+          <p:cNvCxnSpPr/>
+          <p:nvPr/>
+        </p:nvCxnSpPr>
+        <p:spPr>
+          <a:xfrm flipV="1">
+            <a:off x="25400" y="4767680"/>
+            <a:ext cx="12192000" cy="8736"/>
+          </a:xfrm>
+          <a:prstGeom prst="line">
+            <a:avLst/>
+          </a:prstGeom>
+          <a:ln w="19050">
+            <a:solidFill>
+              <a:schemeClr val="tx1">
+                <a:lumMod val="50000"/>
+                <a:lumOff val="50000"/>
+                <a:alpha val="41000"/>
+              </a:schemeClr>
+            </a:solidFill>
+          </a:ln>
+          <a:effectLst>
+            <a:outerShdw blurRad="50800" dist="38100" dir="8100000" algn="tr" rotWithShape="0">
+              <a:schemeClr val="tx1">
+                <a:lumMod val="50000"/>
+                <a:lumOff val="50000"/>
+                <a:alpha val="47000"/>
+              </a:schemeClr>
+            </a:outerShdw>
+          </a:effectLst>
+        </p:spPr>
+        <p:style>
+          <a:lnRef idx="1">
+            <a:schemeClr val="accent6"/>
+          </a:lnRef>
+          <a:fillRef idx="0">
+            <a:schemeClr val="accent6"/>
+          </a:fillRef>
+          <a:effectRef idx="0">
+            <a:schemeClr val="accent6"/>
+          </a:effectRef>
+          <a:fontRef idx="minor">
+            <a:schemeClr val="tx1"/>
+          </a:fontRef>
+        </p:style>
+      </p:cxnSp>
     </p:spTree>
     <p:extLst>
       <p:ext uri="{BB962C8B-B14F-4D97-AF65-F5344CB8AC3E}">
@@ -7894,477 +8263,6 @@
       </p:grpSpPr>
       <p:sp>
         <p:nvSpPr>
-          <p:cNvPr id="5" name="TextBox 4"/>
-          <p:cNvSpPr txBox="1"/>
-          <p:nvPr/>
-        </p:nvSpPr>
-        <p:spPr>
-          <a:xfrm>
-            <a:off x="425116" y="1636295"/>
-            <a:ext cx="10328228" cy="7478970"/>
-          </a:xfrm>
-          <a:prstGeom prst="rect">
-            <a:avLst/>
-          </a:prstGeom>
-          <a:noFill/>
-        </p:spPr>
-        <p:txBody>
-          <a:bodyPr wrap="square" rtlCol="0">
-            <a:spAutoFit/>
-          </a:bodyPr>
-          <a:lstStyle/>
-          <a:p>
-            <a:pPr marL="285750" indent="-285750">
-              <a:buFont typeface="Arial" panose="020B0604020202020204" pitchFamily="34" charset="0"/>
-              <a:buChar char="•"/>
-            </a:pPr>
-            <a:r>
-              <a:rPr lang="en-US" sz="3200" dirty="0" smtClean="0">
-                <a:solidFill>
-                  <a:schemeClr val="tx1">
-                    <a:lumMod val="65000"/>
-                    <a:lumOff val="35000"/>
-                  </a:schemeClr>
-                </a:solidFill>
-                <a:cs typeface="Arial" panose="020B0604020202020204" pitchFamily="34" charset="0"/>
-              </a:rPr>
-              <a:t>Survey collection after completion of FLIP Kits</a:t>
-            </a:r>
-          </a:p>
-          <a:p>
-            <a:pPr marL="285750" indent="-285750">
-              <a:buFont typeface="Arial" panose="020B0604020202020204" pitchFamily="34" charset="0"/>
-              <a:buChar char="•"/>
-            </a:pPr>
-            <a:endParaRPr lang="en-US" sz="3200" dirty="0">
-              <a:solidFill>
-                <a:schemeClr val="tx1">
-                  <a:lumMod val="65000"/>
-                  <a:lumOff val="35000"/>
-                </a:schemeClr>
-              </a:solidFill>
-              <a:cs typeface="Arial" panose="020B0604020202020204" pitchFamily="34" charset="0"/>
-            </a:endParaRPr>
-          </a:p>
-          <a:p>
-            <a:pPr marL="285750" indent="-285750">
-              <a:buFont typeface="Arial" panose="020B0604020202020204" pitchFamily="34" charset="0"/>
-              <a:buChar char="•"/>
-            </a:pPr>
-            <a:endParaRPr lang="en-US" sz="3200" dirty="0" smtClean="0">
-              <a:solidFill>
-                <a:schemeClr val="tx1">
-                  <a:lumMod val="65000"/>
-                  <a:lumOff val="35000"/>
-                </a:schemeClr>
-              </a:solidFill>
-              <a:cs typeface="Arial" panose="020B0604020202020204" pitchFamily="34" charset="0"/>
-            </a:endParaRPr>
-          </a:p>
-          <a:p>
-            <a:endParaRPr lang="en-US" sz="3200" dirty="0" smtClean="0">
-              <a:solidFill>
-                <a:schemeClr val="tx1">
-                  <a:lumMod val="65000"/>
-                  <a:lumOff val="35000"/>
-                </a:schemeClr>
-              </a:solidFill>
-              <a:cs typeface="Arial" panose="020B0604020202020204" pitchFamily="34" charset="0"/>
-            </a:endParaRPr>
-          </a:p>
-          <a:p>
-            <a:endParaRPr lang="en-US" sz="3200" dirty="0" smtClean="0">
-              <a:solidFill>
-                <a:schemeClr val="tx1">
-                  <a:lumMod val="65000"/>
-                  <a:lumOff val="35000"/>
-                </a:schemeClr>
-              </a:solidFill>
-              <a:cs typeface="Arial" panose="020B0604020202020204" pitchFamily="34" charset="0"/>
-            </a:endParaRPr>
-          </a:p>
-          <a:p>
-            <a:pPr marL="285750" indent="-285750">
-              <a:buFont typeface="Arial" panose="020B0604020202020204" pitchFamily="34" charset="0"/>
-              <a:buChar char="•"/>
-            </a:pPr>
-            <a:endParaRPr lang="en-US" sz="3200" dirty="0" smtClean="0">
-              <a:solidFill>
-                <a:schemeClr val="tx1">
-                  <a:lumMod val="65000"/>
-                  <a:lumOff val="35000"/>
-                </a:schemeClr>
-              </a:solidFill>
-              <a:cs typeface="Arial" panose="020B0604020202020204" pitchFamily="34" charset="0"/>
-            </a:endParaRPr>
-          </a:p>
-          <a:p>
-            <a:pPr marL="285750" indent="-285750">
-              <a:buFont typeface="Arial" panose="020B0604020202020204" pitchFamily="34" charset="0"/>
-              <a:buChar char="•"/>
-            </a:pPr>
-            <a:endParaRPr lang="en-US" sz="3200" dirty="0">
-              <a:solidFill>
-                <a:schemeClr val="tx1">
-                  <a:lumMod val="65000"/>
-                  <a:lumOff val="35000"/>
-                </a:schemeClr>
-              </a:solidFill>
-              <a:cs typeface="Arial" panose="020B0604020202020204" pitchFamily="34" charset="0"/>
-            </a:endParaRPr>
-          </a:p>
-          <a:p>
-            <a:pPr marL="285750" indent="-285750">
-              <a:buFont typeface="Arial" panose="020B0604020202020204" pitchFamily="34" charset="0"/>
-              <a:buChar char="•"/>
-            </a:pPr>
-            <a:endParaRPr lang="en-US" sz="3200" dirty="0" smtClean="0">
-              <a:solidFill>
-                <a:schemeClr val="tx1">
-                  <a:lumMod val="65000"/>
-                  <a:lumOff val="35000"/>
-                </a:schemeClr>
-              </a:solidFill>
-              <a:cs typeface="Arial" panose="020B0604020202020204" pitchFamily="34" charset="0"/>
-            </a:endParaRPr>
-          </a:p>
-          <a:p>
-            <a:pPr marL="285750" indent="-285750">
-              <a:buFont typeface="Arial" panose="020B0604020202020204" pitchFamily="34" charset="0"/>
-              <a:buChar char="•"/>
-            </a:pPr>
-            <a:endParaRPr lang="en-US" sz="3200" dirty="0">
-              <a:solidFill>
-                <a:schemeClr val="tx1">
-                  <a:lumMod val="65000"/>
-                  <a:lumOff val="35000"/>
-                </a:schemeClr>
-              </a:solidFill>
-              <a:cs typeface="Arial" panose="020B0604020202020204" pitchFamily="34" charset="0"/>
-            </a:endParaRPr>
-          </a:p>
-          <a:p>
-            <a:pPr marL="285750" indent="-285750">
-              <a:buFont typeface="Arial" panose="020B0604020202020204" pitchFamily="34" charset="0"/>
-              <a:buChar char="•"/>
-            </a:pPr>
-            <a:r>
-              <a:rPr lang="en-US" sz="3200" dirty="0" smtClean="0">
-                <a:solidFill>
-                  <a:schemeClr val="tx1">
-                    <a:lumMod val="65000"/>
-                    <a:lumOff val="35000"/>
-                  </a:schemeClr>
-                </a:solidFill>
-                <a:cs typeface="Arial" panose="020B0604020202020204" pitchFamily="34" charset="0"/>
-              </a:rPr>
-              <a:t>Tracks usage of each FLIP Kit in the database</a:t>
-            </a:r>
-          </a:p>
-          <a:p>
-            <a:pPr marL="285750" indent="-285750">
-              <a:buFont typeface="Arial" panose="020B0604020202020204" pitchFamily="34" charset="0"/>
-              <a:buChar char="•"/>
-            </a:pPr>
-            <a:endParaRPr lang="en-US" sz="3200" dirty="0">
-              <a:solidFill>
-                <a:schemeClr val="tx1">
-                  <a:lumMod val="65000"/>
-                  <a:lumOff val="35000"/>
-                </a:schemeClr>
-              </a:solidFill>
-              <a:cs typeface="Arial" panose="020B0604020202020204" pitchFamily="34" charset="0"/>
-            </a:endParaRPr>
-          </a:p>
-          <a:p>
-            <a:pPr marL="285750" indent="-285750">
-              <a:buFont typeface="Arial" panose="020B0604020202020204" pitchFamily="34" charset="0"/>
-              <a:buChar char="•"/>
-            </a:pPr>
-            <a:endParaRPr lang="en-US" sz="3200" dirty="0" smtClean="0">
-              <a:solidFill>
-                <a:schemeClr val="tx1">
-                  <a:lumMod val="65000"/>
-                  <a:lumOff val="35000"/>
-                </a:schemeClr>
-              </a:solidFill>
-              <a:cs typeface="Arial" panose="020B0604020202020204" pitchFamily="34" charset="0"/>
-            </a:endParaRPr>
-          </a:p>
-          <a:p>
-            <a:pPr marL="285750" indent="-285750">
-              <a:buFont typeface="Arial" panose="020B0604020202020204" pitchFamily="34" charset="0"/>
-              <a:buChar char="•"/>
-            </a:pPr>
-            <a:endParaRPr lang="en-US" sz="3200" dirty="0">
-              <a:solidFill>
-                <a:schemeClr val="tx1">
-                  <a:lumMod val="65000"/>
-                  <a:lumOff val="35000"/>
-                </a:schemeClr>
-              </a:solidFill>
-              <a:cs typeface="Arial" panose="020B0604020202020204" pitchFamily="34" charset="0"/>
-            </a:endParaRPr>
-          </a:p>
-          <a:p>
-            <a:pPr marL="285750" indent="-285750">
-              <a:buFont typeface="Arial" panose="020B0604020202020204" pitchFamily="34" charset="0"/>
-              <a:buChar char="•"/>
-            </a:pPr>
-            <a:endParaRPr lang="en-US" sz="3200" dirty="0" smtClean="0">
-              <a:solidFill>
-                <a:schemeClr val="tx1">
-                  <a:lumMod val="65000"/>
-                  <a:lumOff val="35000"/>
-                </a:schemeClr>
-              </a:solidFill>
-              <a:cs typeface="Arial" panose="020B0604020202020204" pitchFamily="34" charset="0"/>
-            </a:endParaRPr>
-          </a:p>
-          <a:p>
-            <a:pPr marL="285750" indent="-285750">
-              <a:buFont typeface="Arial" panose="020B0604020202020204" pitchFamily="34" charset="0"/>
-              <a:buChar char="•"/>
-            </a:pPr>
-            <a:endParaRPr lang="en-US" sz="3200" dirty="0">
-              <a:solidFill>
-                <a:schemeClr val="tx1">
-                  <a:lumMod val="65000"/>
-                  <a:lumOff val="35000"/>
-                </a:schemeClr>
-              </a:solidFill>
-              <a:cs typeface="Arial" panose="020B0604020202020204" pitchFamily="34" charset="0"/>
-            </a:endParaRPr>
-          </a:p>
-        </p:txBody>
-      </p:sp>
-      <p:sp>
-        <p:nvSpPr>
-          <p:cNvPr id="6" name="Right Arrow 5"/>
-          <p:cNvSpPr/>
-          <p:nvPr/>
-        </p:nvSpPr>
-        <p:spPr>
-          <a:xfrm>
-            <a:off x="3616036" y="3512127"/>
-            <a:ext cx="2348346" cy="394854"/>
-          </a:xfrm>
-          <a:prstGeom prst="rightArrow">
-            <a:avLst/>
-          </a:prstGeom>
-        </p:spPr>
-        <p:style>
-          <a:lnRef idx="2">
-            <a:schemeClr val="accent1">
-              <a:shade val="50000"/>
-            </a:schemeClr>
-          </a:lnRef>
-          <a:fillRef idx="1">
-            <a:schemeClr val="accent1"/>
-          </a:fillRef>
-          <a:effectRef idx="0">
-            <a:schemeClr val="accent1"/>
-          </a:effectRef>
-          <a:fontRef idx="minor">
-            <a:schemeClr val="lt1"/>
-          </a:fontRef>
-        </p:style>
-        <p:txBody>
-          <a:bodyPr rtlCol="0" anchor="ctr"/>
-          <a:lstStyle/>
-          <a:p>
-            <a:pPr algn="ctr"/>
-            <a:endParaRPr lang="en-US"/>
-          </a:p>
-        </p:txBody>
-      </p:sp>
-      <p:sp>
-        <p:nvSpPr>
-          <p:cNvPr id="2" name="Title 1"/>
-          <p:cNvSpPr>
-            <a:spLocks noGrp="1"/>
-          </p:cNvSpPr>
-          <p:nvPr>
-            <p:ph type="title"/>
-          </p:nvPr>
-        </p:nvSpPr>
-        <p:spPr>
-          <a:xfrm>
-            <a:off x="618744" y="145669"/>
-            <a:ext cx="10515600" cy="1325563"/>
-          </a:xfrm>
-          <a:effectLst>
-            <a:outerShdw blurRad="50800" dist="38100" dir="5400000" algn="t" rotWithShape="0">
-              <a:prstClr val="black">
-                <a:alpha val="41000"/>
-              </a:prstClr>
-            </a:outerShdw>
-          </a:effectLst>
-        </p:spPr>
-        <p:txBody>
-          <a:bodyPr>
-            <a:noAutofit/>
-          </a:bodyPr>
-          <a:lstStyle/>
-          <a:p>
-            <a:pPr algn="ctr"/>
-            <a:r>
-              <a:rPr lang="en-US" sz="9600" dirty="0" smtClean="0">
-                <a:solidFill>
-                  <a:schemeClr val="bg1"/>
-                </a:solidFill>
-                <a:latin typeface="Bebas Neue" panose="020B0606020202050201" pitchFamily="34" charset="0"/>
-              </a:rPr>
-              <a:t>DATA COLLECTION</a:t>
-            </a:r>
-            <a:endParaRPr lang="en-US" sz="9600" dirty="0">
-              <a:solidFill>
-                <a:schemeClr val="bg1"/>
-              </a:solidFill>
-              <a:latin typeface="Bebas Neue" panose="020B0606020202050201" pitchFamily="34" charset="0"/>
-            </a:endParaRPr>
-          </a:p>
-        </p:txBody>
-      </p:sp>
-      <p:cxnSp>
-        <p:nvCxnSpPr>
-          <p:cNvPr id="34" name="Straight Connector 33"/>
-          <p:cNvCxnSpPr/>
-          <p:nvPr/>
-        </p:nvCxnSpPr>
-        <p:spPr>
-          <a:xfrm flipV="1">
-            <a:off x="0" y="1313280"/>
-            <a:ext cx="12192000" cy="8736"/>
-          </a:xfrm>
-          <a:prstGeom prst="line">
-            <a:avLst/>
-          </a:prstGeom>
-          <a:ln w="19050">
-            <a:solidFill>
-              <a:schemeClr val="tx1">
-                <a:lumMod val="50000"/>
-                <a:lumOff val="50000"/>
-                <a:alpha val="41000"/>
-              </a:schemeClr>
-            </a:solidFill>
-          </a:ln>
-          <a:effectLst>
-            <a:outerShdw blurRad="50800" dist="38100" dir="8100000" algn="tr" rotWithShape="0">
-              <a:schemeClr val="tx1">
-                <a:lumMod val="50000"/>
-                <a:lumOff val="50000"/>
-                <a:alpha val="47000"/>
-              </a:schemeClr>
-            </a:outerShdw>
-          </a:effectLst>
-        </p:spPr>
-        <p:style>
-          <a:lnRef idx="1">
-            <a:schemeClr val="accent6"/>
-          </a:lnRef>
-          <a:fillRef idx="0">
-            <a:schemeClr val="accent6"/>
-          </a:fillRef>
-          <a:effectRef idx="0">
-            <a:schemeClr val="accent6"/>
-          </a:effectRef>
-          <a:fontRef idx="minor">
-            <a:schemeClr val="tx1"/>
-          </a:fontRef>
-        </p:style>
-      </p:cxnSp>
-      <p:pic>
-        <p:nvPicPr>
-          <p:cNvPr id="4" name="Picture 3"/>
-          <p:cNvPicPr>
-            <a:picLocks noChangeAspect="1"/>
-          </p:cNvPicPr>
-          <p:nvPr/>
-        </p:nvPicPr>
-        <p:blipFill rotWithShape="1">
-          <a:blip r:embed="rId2">
-            <a:extLst>
-              <a:ext uri="{28A0092B-C50C-407E-A947-70E740481C1C}">
-                <a14:useLocalDpi xmlns:a14="http://schemas.microsoft.com/office/drawing/2010/main" val="0"/>
-              </a:ext>
-            </a:extLst>
-          </a:blip>
-          <a:srcRect l="13820" t="-323" r="8992" b="8496"/>
-          <a:stretch/>
-        </p:blipFill>
-        <p:spPr>
-          <a:xfrm>
-            <a:off x="1163784" y="2286062"/>
-            <a:ext cx="2763982" cy="3551905"/>
-          </a:xfrm>
-          <a:prstGeom prst="rect">
-            <a:avLst/>
-          </a:prstGeom>
-        </p:spPr>
-      </p:pic>
-    </p:spTree>
-    <p:extLst>
-      <p:ext uri="{BB962C8B-B14F-4D97-AF65-F5344CB8AC3E}">
-        <p14:creationId xmlns:p14="http://schemas.microsoft.com/office/powerpoint/2010/main" val="4114056077"/>
-      </p:ext>
-    </p:extLst>
-  </p:cSld>
-  <p:clrMapOvr>
-    <a:masterClrMapping/>
-  </p:clrMapOvr>
-  <mc:AlternateContent xmlns:mc="http://schemas.openxmlformats.org/markup-compatibility/2006" xmlns:p14="http://schemas.microsoft.com/office/powerpoint/2010/main">
-    <mc:Choice Requires="p14">
-      <p:transition spd="slow" p14:dur="1300">
-        <p14:pan dir="u"/>
-      </p:transition>
-    </mc:Choice>
-    <mc:Fallback xmlns="">
-      <p:transition spd="slow">
-        <p:fade/>
-      </p:transition>
-    </mc:Fallback>
-  </mc:AlternateContent>
-  <p:timing>
-    <p:tnLst>
-      <p:par>
-        <p:cTn id="1" dur="indefinite" restart="never" nodeType="tmRoot"/>
-      </p:par>
-    </p:tnLst>
-  </p:timing>
-</p:sld>
-</file>
-
-<file path=ppt/slides/slide6.xml><?xml version="1.0" encoding="utf-8"?>
-<p:sld xmlns:a="http://schemas.openxmlformats.org/drawingml/2006/main" xmlns:r="http://schemas.openxmlformats.org/officeDocument/2006/relationships" xmlns:p="http://schemas.openxmlformats.org/presentationml/2006/main">
-  <p:cSld>
-    <p:bg>
-      <p:bgPr>
-        <a:solidFill>
-          <a:schemeClr val="accent1">
-            <a:lumMod val="60000"/>
-            <a:lumOff val="40000"/>
-          </a:schemeClr>
-        </a:solidFill>
-        <a:effectLst/>
-      </p:bgPr>
-    </p:bg>
-    <p:spTree>
-      <p:nvGrpSpPr>
-        <p:cNvPr id="1" name=""/>
-        <p:cNvGrpSpPr/>
-        <p:nvPr/>
-      </p:nvGrpSpPr>
-      <p:grpSpPr>
-        <a:xfrm>
-          <a:off x="0" y="0"/>
-          <a:ext cx="0" cy="0"/>
-          <a:chOff x="0" y="0"/>
-          <a:chExt cx="0" cy="0"/>
-        </a:xfrm>
-      </p:grpSpPr>
-      <p:sp>
-        <p:nvSpPr>
           <p:cNvPr id="2" name="Title 1"/>
           <p:cNvSpPr>
             <a:spLocks noGrp="1"/>
@@ -8450,337 +8348,6 @@
     </mc:Choice>
     <mc:Fallback xmlns="">
       <p:transition spd="med">
-        <p:fade/>
-      </p:transition>
-    </mc:Fallback>
-  </mc:AlternateContent>
-  <p:timing>
-    <p:tnLst>
-      <p:par>
-        <p:cTn id="1" dur="indefinite" restart="never" nodeType="tmRoot"/>
-      </p:par>
-    </p:tnLst>
-  </p:timing>
-</p:sld>
-</file>
-
-<file path=ppt/slides/slide7.xml><?xml version="1.0" encoding="utf-8"?>
-<p:sld xmlns:a="http://schemas.openxmlformats.org/drawingml/2006/main" xmlns:r="http://schemas.openxmlformats.org/officeDocument/2006/relationships" xmlns:p="http://schemas.openxmlformats.org/presentationml/2006/main">
-  <p:cSld>
-    <p:bg>
-      <p:bgPr>
-        <a:solidFill>
-          <a:schemeClr val="accent1">
-            <a:lumMod val="60000"/>
-            <a:lumOff val="40000"/>
-          </a:schemeClr>
-        </a:solidFill>
-        <a:effectLst/>
-      </p:bgPr>
-    </p:bg>
-    <p:spTree>
-      <p:nvGrpSpPr>
-        <p:cNvPr id="1" name=""/>
-        <p:cNvGrpSpPr/>
-        <p:nvPr/>
-      </p:nvGrpSpPr>
-      <p:grpSpPr>
-        <a:xfrm>
-          <a:off x="0" y="0"/>
-          <a:ext cx="0" cy="0"/>
-          <a:chOff x="0" y="0"/>
-          <a:chExt cx="0" cy="0"/>
-        </a:xfrm>
-      </p:grpSpPr>
-      <p:sp>
-        <p:nvSpPr>
-          <p:cNvPr id="2" name="Title 1"/>
-          <p:cNvSpPr>
-            <a:spLocks noGrp="1"/>
-          </p:cNvSpPr>
-          <p:nvPr>
-            <p:ph type="title"/>
-          </p:nvPr>
-        </p:nvSpPr>
-        <p:spPr>
-          <a:xfrm>
-            <a:off x="618744" y="145669"/>
-            <a:ext cx="10515600" cy="1325563"/>
-          </a:xfrm>
-          <a:effectLst>
-            <a:outerShdw blurRad="50800" dist="38100" dir="5400000" algn="t" rotWithShape="0">
-              <a:prstClr val="black">
-                <a:alpha val="41000"/>
-              </a:prstClr>
-            </a:outerShdw>
-          </a:effectLst>
-        </p:spPr>
-        <p:txBody>
-          <a:bodyPr>
-            <a:noAutofit/>
-          </a:bodyPr>
-          <a:lstStyle/>
-          <a:p>
-            <a:pPr algn="ctr"/>
-            <a:r>
-              <a:rPr lang="en-US" sz="9600" dirty="0" smtClean="0">
-                <a:solidFill>
-                  <a:schemeClr val="bg1"/>
-                </a:solidFill>
-                <a:latin typeface="Bebas Neue" panose="020B0606020202050201" pitchFamily="34" charset="0"/>
-              </a:rPr>
-              <a:t>Roadmap to the future</a:t>
-            </a:r>
-            <a:endParaRPr lang="en-US" sz="9600" dirty="0">
-              <a:solidFill>
-                <a:schemeClr val="bg1"/>
-              </a:solidFill>
-              <a:latin typeface="Bebas Neue" panose="020B0606020202050201" pitchFamily="34" charset="0"/>
-            </a:endParaRPr>
-          </a:p>
-        </p:txBody>
-      </p:sp>
-      <p:cxnSp>
-        <p:nvCxnSpPr>
-          <p:cNvPr id="34" name="Straight Connector 33"/>
-          <p:cNvCxnSpPr/>
-          <p:nvPr/>
-        </p:nvCxnSpPr>
-        <p:spPr>
-          <a:xfrm flipV="1">
-            <a:off x="0" y="1313280"/>
-            <a:ext cx="12192000" cy="8736"/>
-          </a:xfrm>
-          <a:prstGeom prst="line">
-            <a:avLst/>
-          </a:prstGeom>
-          <a:ln w="19050">
-            <a:solidFill>
-              <a:schemeClr val="tx1">
-                <a:lumMod val="50000"/>
-                <a:lumOff val="50000"/>
-                <a:alpha val="41000"/>
-              </a:schemeClr>
-            </a:solidFill>
-          </a:ln>
-          <a:effectLst>
-            <a:outerShdw blurRad="50800" dist="38100" dir="8100000" algn="tr" rotWithShape="0">
-              <a:schemeClr val="tx1">
-                <a:lumMod val="50000"/>
-                <a:lumOff val="50000"/>
-                <a:alpha val="47000"/>
-              </a:schemeClr>
-            </a:outerShdw>
-          </a:effectLst>
-        </p:spPr>
-        <p:style>
-          <a:lnRef idx="1">
-            <a:schemeClr val="accent6"/>
-          </a:lnRef>
-          <a:fillRef idx="0">
-            <a:schemeClr val="accent6"/>
-          </a:fillRef>
-          <a:effectRef idx="0">
-            <a:schemeClr val="accent6"/>
-          </a:effectRef>
-          <a:fontRef idx="minor">
-            <a:schemeClr val="tx1"/>
-          </a:fontRef>
-        </p:style>
-      </p:cxnSp>
-      <p:sp>
-        <p:nvSpPr>
-          <p:cNvPr id="5" name="TextBox 4"/>
-          <p:cNvSpPr txBox="1"/>
-          <p:nvPr/>
-        </p:nvSpPr>
-        <p:spPr>
-          <a:xfrm>
-            <a:off x="425116" y="1636295"/>
-            <a:ext cx="10328228" cy="5016758"/>
-          </a:xfrm>
-          <a:prstGeom prst="rect">
-            <a:avLst/>
-          </a:prstGeom>
-          <a:noFill/>
-        </p:spPr>
-        <p:txBody>
-          <a:bodyPr wrap="square" rtlCol="0">
-            <a:spAutoFit/>
-          </a:bodyPr>
-          <a:lstStyle/>
-          <a:p>
-            <a:pPr marL="285750" indent="-285750">
-              <a:buFont typeface="Arial" panose="020B0604020202020204" pitchFamily="34" charset="0"/>
-              <a:buChar char="•"/>
-            </a:pPr>
-            <a:r>
-              <a:rPr lang="en-US" sz="3200" dirty="0" smtClean="0">
-                <a:solidFill>
-                  <a:schemeClr val="tx1">
-                    <a:lumMod val="65000"/>
-                    <a:lumOff val="35000"/>
-                  </a:schemeClr>
-                </a:solidFill>
-                <a:cs typeface="Arial" panose="020B0604020202020204" pitchFamily="34" charset="0"/>
-              </a:rPr>
-              <a:t>FLIP Kits Recommendations algorithm</a:t>
-            </a:r>
-          </a:p>
-          <a:p>
-            <a:pPr marL="285750" indent="-285750">
-              <a:buFont typeface="Arial" panose="020B0604020202020204" pitchFamily="34" charset="0"/>
-              <a:buChar char="•"/>
-            </a:pPr>
-            <a:endParaRPr lang="en-US" sz="3200" dirty="0">
-              <a:solidFill>
-                <a:schemeClr val="tx1">
-                  <a:lumMod val="65000"/>
-                  <a:lumOff val="35000"/>
-                </a:schemeClr>
-              </a:solidFill>
-              <a:cs typeface="Arial" panose="020B0604020202020204" pitchFamily="34" charset="0"/>
-            </a:endParaRPr>
-          </a:p>
-          <a:p>
-            <a:pPr marL="285750" indent="-285750">
-              <a:buFont typeface="Arial" panose="020B0604020202020204" pitchFamily="34" charset="0"/>
-              <a:buChar char="•"/>
-            </a:pPr>
-            <a:endParaRPr lang="en-US" sz="3200" dirty="0" smtClean="0">
-              <a:solidFill>
-                <a:schemeClr val="tx1">
-                  <a:lumMod val="65000"/>
-                  <a:lumOff val="35000"/>
-                </a:schemeClr>
-              </a:solidFill>
-              <a:cs typeface="Arial" panose="020B0604020202020204" pitchFamily="34" charset="0"/>
-            </a:endParaRPr>
-          </a:p>
-          <a:p>
-            <a:endParaRPr lang="en-US" sz="3200" dirty="0" smtClean="0">
-              <a:solidFill>
-                <a:schemeClr val="tx1">
-                  <a:lumMod val="65000"/>
-                  <a:lumOff val="35000"/>
-                </a:schemeClr>
-              </a:solidFill>
-              <a:cs typeface="Arial" panose="020B0604020202020204" pitchFamily="34" charset="0"/>
-            </a:endParaRPr>
-          </a:p>
-          <a:p>
-            <a:pPr marL="285750" indent="-285750">
-              <a:buFont typeface="Arial" panose="020B0604020202020204" pitchFamily="34" charset="0"/>
-              <a:buChar char="•"/>
-            </a:pPr>
-            <a:r>
-              <a:rPr lang="en-US" sz="3200" dirty="0" smtClean="0">
-                <a:solidFill>
-                  <a:schemeClr val="tx1">
-                    <a:lumMod val="65000"/>
-                    <a:lumOff val="35000"/>
-                  </a:schemeClr>
-                </a:solidFill>
-                <a:cs typeface="Arial" panose="020B0604020202020204" pitchFamily="34" charset="0"/>
-              </a:rPr>
-              <a:t>Social media sharing</a:t>
-            </a:r>
-          </a:p>
-          <a:p>
-            <a:pPr marL="285750" indent="-285750">
-              <a:buFont typeface="Arial" panose="020B0604020202020204" pitchFamily="34" charset="0"/>
-              <a:buChar char="•"/>
-            </a:pPr>
-            <a:endParaRPr lang="en-US" sz="3200" dirty="0">
-              <a:solidFill>
-                <a:schemeClr val="tx1">
-                  <a:lumMod val="65000"/>
-                  <a:lumOff val="35000"/>
-                </a:schemeClr>
-              </a:solidFill>
-              <a:cs typeface="Arial" panose="020B0604020202020204" pitchFamily="34" charset="0"/>
-            </a:endParaRPr>
-          </a:p>
-          <a:p>
-            <a:pPr marL="285750" indent="-285750">
-              <a:buFont typeface="Arial" panose="020B0604020202020204" pitchFamily="34" charset="0"/>
-              <a:buChar char="•"/>
-            </a:pPr>
-            <a:endParaRPr lang="en-US" sz="3200" dirty="0" smtClean="0">
-              <a:solidFill>
-                <a:schemeClr val="tx1">
-                  <a:lumMod val="65000"/>
-                  <a:lumOff val="35000"/>
-                </a:schemeClr>
-              </a:solidFill>
-              <a:cs typeface="Arial" panose="020B0604020202020204" pitchFamily="34" charset="0"/>
-            </a:endParaRPr>
-          </a:p>
-          <a:p>
-            <a:pPr marL="285750" indent="-285750">
-              <a:buFont typeface="Arial" panose="020B0604020202020204" pitchFamily="34" charset="0"/>
-              <a:buChar char="•"/>
-            </a:pPr>
-            <a:endParaRPr lang="en-US" sz="3200" dirty="0">
-              <a:solidFill>
-                <a:schemeClr val="tx1">
-                  <a:lumMod val="65000"/>
-                  <a:lumOff val="35000"/>
-                </a:schemeClr>
-              </a:solidFill>
-              <a:cs typeface="Arial" panose="020B0604020202020204" pitchFamily="34" charset="0"/>
-            </a:endParaRPr>
-          </a:p>
-          <a:p>
-            <a:pPr marL="285750" indent="-285750">
-              <a:buFont typeface="Arial" panose="020B0604020202020204" pitchFamily="34" charset="0"/>
-              <a:buChar char="•"/>
-            </a:pPr>
-            <a:endParaRPr lang="en-US" sz="3200" dirty="0" smtClean="0">
-              <a:solidFill>
-                <a:schemeClr val="tx1">
-                  <a:lumMod val="65000"/>
-                  <a:lumOff val="35000"/>
-                </a:schemeClr>
-              </a:solidFill>
-              <a:cs typeface="Arial" panose="020B0604020202020204" pitchFamily="34" charset="0"/>
-            </a:endParaRPr>
-          </a:p>
-          <a:p>
-            <a:pPr marL="285750" indent="-285750">
-              <a:buFont typeface="Arial" panose="020B0604020202020204" pitchFamily="34" charset="0"/>
-              <a:buChar char="•"/>
-            </a:pPr>
-            <a:endParaRPr lang="en-US" sz="3200" dirty="0">
-              <a:solidFill>
-                <a:schemeClr val="tx1">
-                  <a:lumMod val="65000"/>
-                  <a:lumOff val="35000"/>
-                </a:schemeClr>
-              </a:solidFill>
-              <a:cs typeface="Arial" panose="020B0604020202020204" pitchFamily="34" charset="0"/>
-            </a:endParaRPr>
-          </a:p>
-        </p:txBody>
-      </p:sp>
-    </p:spTree>
-    <p:extLst>
-      <p:ext uri="{BB962C8B-B14F-4D97-AF65-F5344CB8AC3E}">
-        <p14:creationId xmlns:p14="http://schemas.microsoft.com/office/powerpoint/2010/main" val="2034172408"/>
-      </p:ext>
-    </p:extLst>
-  </p:cSld>
-  <p:clrMapOvr>
-    <a:masterClrMapping/>
-  </p:clrMapOvr>
-  <mc:AlternateContent xmlns:mc="http://schemas.openxmlformats.org/markup-compatibility/2006" xmlns:p14="http://schemas.microsoft.com/office/powerpoint/2010/main">
-    <mc:Choice Requires="p14">
-      <p:transition spd="slow" p14:dur="1300">
-        <p14:pan dir="u"/>
-      </p:transition>
-    </mc:Choice>
-    <mc:Fallback xmlns="">
-      <p:transition spd="slow">
         <p:fade/>
       </p:transition>
     </mc:Fallback>
